--- a/tribitrabi.pptx
+++ b/tribitrabi.pptx
@@ -3434,7 +3434,7 @@
             <a:t> </a:t>
           </a:r>
           <a:r>
-            <a:rPr lang="hu-HU" dirty="0" err="1" smtClean="0">
+            <a:rPr lang="hu-HU" dirty="0" err="1">
               <a:solidFill>
                 <a:schemeClr val="bg1"/>
               </a:solidFill>
@@ -3442,7 +3442,7 @@
             <a:t>car</a:t>
           </a:r>
           <a:r>
-            <a:rPr lang="hu-HU" dirty="0" smtClean="0">
+            <a:rPr lang="hu-HU" dirty="0">
               <a:solidFill>
                 <a:schemeClr val="bg1"/>
               </a:solidFill>
@@ -3450,7 +3450,7 @@
             <a:t> </a:t>
           </a:r>
           <a:r>
-            <a:rPr lang="hu-HU" dirty="0" err="1" smtClean="0">
+            <a:rPr lang="hu-HU" dirty="0" err="1">
               <a:solidFill>
                 <a:schemeClr val="bg1"/>
               </a:solidFill>
@@ -3532,39 +3532,39 @@
             <a:t> </a:t>
           </a:r>
           <a:r>
-            <a:rPr lang="hu-HU" dirty="0" err="1" smtClean="0"/>
+            <a:rPr lang="hu-HU" dirty="0" err="1"/>
             <a:t>browse</a:t>
           </a:r>
           <a:r>
-            <a:rPr lang="hu-HU" dirty="0" smtClean="0"/>
+            <a:rPr lang="hu-HU" dirty="0"/>
             <a:t> and </a:t>
           </a:r>
           <a:r>
-            <a:rPr lang="hu-HU" dirty="0" err="1" smtClean="0"/>
+            <a:rPr lang="hu-HU" dirty="0" err="1"/>
             <a:t>purchase</a:t>
           </a:r>
           <a:r>
-            <a:rPr lang="hu-HU" dirty="0" smtClean="0"/>
+            <a:rPr lang="hu-HU" dirty="0"/>
             <a:t> </a:t>
           </a:r>
           <a:r>
-            <a:rPr lang="hu-HU" dirty="0" err="1" smtClean="0"/>
+            <a:rPr lang="hu-HU" dirty="0" err="1"/>
             <a:t>hundreds</a:t>
           </a:r>
           <a:r>
-            <a:rPr lang="hu-HU" dirty="0" smtClean="0"/>
+            <a:rPr lang="hu-HU" dirty="0"/>
             <a:t> of </a:t>
           </a:r>
           <a:r>
-            <a:rPr lang="hu-HU" dirty="0" err="1" smtClean="0"/>
+            <a:rPr lang="hu-HU" dirty="0" err="1"/>
             <a:t>car</a:t>
           </a:r>
           <a:r>
-            <a:rPr lang="hu-HU" dirty="0" smtClean="0"/>
+            <a:rPr lang="hu-HU" dirty="0"/>
             <a:t> </a:t>
           </a:r>
           <a:r>
-            <a:rPr lang="hu-HU" dirty="0" err="1" smtClean="0"/>
+            <a:rPr lang="hu-HU" dirty="0" err="1"/>
             <a:t>parts</a:t>
           </a:r>
           <a:endParaRPr lang="en-US" dirty="0"/>
@@ -3612,55 +3612,55 @@
         <a:p>
           <a:pPr algn="ctr"/>
           <a:r>
-            <a:rPr lang="hu-HU" dirty="0" err="1" smtClean="0"/>
+            <a:rPr lang="hu-HU" dirty="0" err="1"/>
             <a:t>Convenient</a:t>
           </a:r>
           <a:r>
-            <a:rPr lang="hu-HU" dirty="0" smtClean="0"/>
+            <a:rPr lang="hu-HU" dirty="0"/>
             <a:t> and </a:t>
           </a:r>
           <a:r>
-            <a:rPr lang="hu-HU" dirty="0" err="1" smtClean="0"/>
+            <a:rPr lang="hu-HU" dirty="0" err="1"/>
             <a:t>easy</a:t>
           </a:r>
           <a:r>
-            <a:rPr lang="hu-HU" dirty="0" smtClean="0"/>
+            <a:rPr lang="hu-HU" dirty="0"/>
             <a:t> </a:t>
           </a:r>
           <a:r>
-            <a:rPr lang="hu-HU" dirty="0" err="1" smtClean="0"/>
+            <a:rPr lang="hu-HU" dirty="0" err="1"/>
             <a:t>work</a:t>
           </a:r>
           <a:r>
-            <a:rPr lang="hu-HU" dirty="0" smtClean="0"/>
+            <a:rPr lang="hu-HU" dirty="0"/>
             <a:t> </a:t>
           </a:r>
           <a:r>
-            <a:rPr lang="hu-HU" dirty="0" err="1" smtClean="0"/>
+            <a:rPr lang="hu-HU" dirty="0" err="1"/>
             <a:t>environment</a:t>
           </a:r>
           <a:r>
-            <a:rPr lang="hu-HU" dirty="0" smtClean="0"/>
+            <a:rPr lang="hu-HU" dirty="0"/>
             <a:t> </a:t>
           </a:r>
           <a:r>
-            <a:rPr lang="hu-HU" dirty="0" err="1" smtClean="0"/>
+            <a:rPr lang="hu-HU" dirty="0" err="1"/>
             <a:t>for</a:t>
           </a:r>
           <a:r>
-            <a:rPr lang="hu-HU" dirty="0" smtClean="0"/>
+            <a:rPr lang="hu-HU" dirty="0"/>
             <a:t> </a:t>
           </a:r>
           <a:r>
-            <a:rPr lang="hu-HU" dirty="0" err="1" smtClean="0"/>
+            <a:rPr lang="hu-HU" dirty="0" err="1"/>
             <a:t>administrative</a:t>
           </a:r>
           <a:r>
-            <a:rPr lang="hu-HU" dirty="0" smtClean="0"/>
+            <a:rPr lang="hu-HU" dirty="0"/>
             <a:t> </a:t>
           </a:r>
           <a:r>
-            <a:rPr lang="hu-HU" dirty="0" err="1" smtClean="0"/>
+            <a:rPr lang="hu-HU" dirty="0" err="1"/>
             <a:t>staff</a:t>
           </a:r>
           <a:endParaRPr lang="en-US" dirty="0"/>
@@ -3713,13 +3713,6 @@
         </dgm:presLayoutVars>
       </dgm:prSet>
       <dgm:spPr/>
-      <dgm:t>
-        <a:bodyPr/>
-        <a:lstStyle/>
-        <a:p>
-          <a:endParaRPr lang="hu-HU"/>
-        </a:p>
-      </dgm:t>
     </dgm:pt>
     <dgm:pt modelId="{08DA9F3D-6852-48BF-8554-811607C99F3F}" type="pres">
       <dgm:prSet presAssocID="{1FCC8F89-EDDB-404F-95A5-18353BF7CB8E}" presName="compositeNode" presStyleCnt="0">
@@ -3732,13 +3725,6 @@
     <dgm:pt modelId="{7291DD13-1DE4-43A2-AB74-74FF57661788}" type="pres">
       <dgm:prSet presAssocID="{1FCC8F89-EDDB-404F-95A5-18353BF7CB8E}" presName="bgRect" presStyleLbl="bgAccFollowNode1" presStyleIdx="0" presStyleCnt="3"/>
       <dgm:spPr/>
-      <dgm:t>
-        <a:bodyPr/>
-        <a:lstStyle/>
-        <a:p>
-          <a:endParaRPr lang="hu-HU"/>
-        </a:p>
-      </dgm:t>
     </dgm:pt>
     <dgm:pt modelId="{E5F956BD-B446-4580-B4F4-9172A71E8B46}" type="pres">
       <dgm:prSet presAssocID="{CF2C4142-F879-4F69-A3D0-9908B683C34C}" presName="sibTransNodeCircle" presStyleLbl="alignNode1" presStyleIdx="0" presStyleCnt="6">
@@ -3748,13 +3734,6 @@
         </dgm:presLayoutVars>
       </dgm:prSet>
       <dgm:spPr/>
-      <dgm:t>
-        <a:bodyPr/>
-        <a:lstStyle/>
-        <a:p>
-          <a:endParaRPr lang="hu-HU"/>
-        </a:p>
-      </dgm:t>
     </dgm:pt>
     <dgm:pt modelId="{6F3F0F3B-8096-4DC0-B102-C2C89E3E0F8D}" type="pres">
       <dgm:prSet presAssocID="{1FCC8F89-EDDB-404F-95A5-18353BF7CB8E}" presName="bottomLine" presStyleLbl="alignNode1" presStyleIdx="1" presStyleCnt="6">
@@ -3769,13 +3748,6 @@
         </dgm:presLayoutVars>
       </dgm:prSet>
       <dgm:spPr/>
-      <dgm:t>
-        <a:bodyPr/>
-        <a:lstStyle/>
-        <a:p>
-          <a:endParaRPr lang="hu-HU"/>
-        </a:p>
-      </dgm:t>
     </dgm:pt>
     <dgm:pt modelId="{47DFBE0D-BFAF-492B-94CD-B09504930580}" type="pres">
       <dgm:prSet presAssocID="{CF2C4142-F879-4F69-A3D0-9908B683C34C}" presName="sibTrans" presStyleCnt="0"/>
@@ -3792,13 +3764,6 @@
     <dgm:pt modelId="{77BFAF2F-3D65-4CC3-A285-76F0563A88AB}" type="pres">
       <dgm:prSet presAssocID="{C04210C7-16B0-42F5-B3EA-241963CE6CD9}" presName="bgRect" presStyleLbl="bgAccFollowNode1" presStyleIdx="1" presStyleCnt="3"/>
       <dgm:spPr/>
-      <dgm:t>
-        <a:bodyPr/>
-        <a:lstStyle/>
-        <a:p>
-          <a:endParaRPr lang="hu-HU"/>
-        </a:p>
-      </dgm:t>
     </dgm:pt>
     <dgm:pt modelId="{0D8AF65D-A95B-4B2D-B82D-19F2C4D2D903}" type="pres">
       <dgm:prSet presAssocID="{E69B2B19-2365-417F-B359-B4F1278274E1}" presName="sibTransNodeCircle" presStyleLbl="alignNode1" presStyleIdx="2" presStyleCnt="6">
@@ -3808,13 +3773,6 @@
         </dgm:presLayoutVars>
       </dgm:prSet>
       <dgm:spPr/>
-      <dgm:t>
-        <a:bodyPr/>
-        <a:lstStyle/>
-        <a:p>
-          <a:endParaRPr lang="hu-HU"/>
-        </a:p>
-      </dgm:t>
     </dgm:pt>
     <dgm:pt modelId="{CC7A016C-710F-47CE-95A2-E770072FFDCE}" type="pres">
       <dgm:prSet presAssocID="{C04210C7-16B0-42F5-B3EA-241963CE6CD9}" presName="bottomLine" presStyleLbl="alignNode1" presStyleIdx="3" presStyleCnt="6">
@@ -3829,13 +3787,6 @@
         </dgm:presLayoutVars>
       </dgm:prSet>
       <dgm:spPr/>
-      <dgm:t>
-        <a:bodyPr/>
-        <a:lstStyle/>
-        <a:p>
-          <a:endParaRPr lang="hu-HU"/>
-        </a:p>
-      </dgm:t>
     </dgm:pt>
     <dgm:pt modelId="{9DB470C7-7031-46D6-9F67-15173ED09214}" type="pres">
       <dgm:prSet presAssocID="{E69B2B19-2365-417F-B359-B4F1278274E1}" presName="sibTrans" presStyleCnt="0"/>
@@ -3852,13 +3803,6 @@
     <dgm:pt modelId="{1CF78F00-43CA-4BCB-BAA4-119549FC8038}" type="pres">
       <dgm:prSet presAssocID="{25B83224-EE6E-443D-9BAD-A9CFFC67EEB2}" presName="bgRect" presStyleLbl="bgAccFollowNode1" presStyleIdx="2" presStyleCnt="3"/>
       <dgm:spPr/>
-      <dgm:t>
-        <a:bodyPr/>
-        <a:lstStyle/>
-        <a:p>
-          <a:endParaRPr lang="hu-HU"/>
-        </a:p>
-      </dgm:t>
     </dgm:pt>
     <dgm:pt modelId="{19D0BCAA-B3E3-4AB5-92B2-91BBC5FCEA83}" type="pres">
       <dgm:prSet presAssocID="{DFCEC8FD-4708-415E-9DEF-2249BE2C6904}" presName="sibTransNodeCircle" presStyleLbl="alignNode1" presStyleIdx="4" presStyleCnt="6">
@@ -3868,13 +3812,6 @@
         </dgm:presLayoutVars>
       </dgm:prSet>
       <dgm:spPr/>
-      <dgm:t>
-        <a:bodyPr/>
-        <a:lstStyle/>
-        <a:p>
-          <a:endParaRPr lang="hu-HU"/>
-        </a:p>
-      </dgm:t>
     </dgm:pt>
     <dgm:pt modelId="{4DE2E38A-256B-4E62-ACEE-9EB80B3890D0}" type="pres">
       <dgm:prSet presAssocID="{25B83224-EE6E-443D-9BAD-A9CFFC67EEB2}" presName="bottomLine" presStyleLbl="alignNode1" presStyleIdx="5" presStyleCnt="6">
@@ -3889,29 +3826,22 @@
         </dgm:presLayoutVars>
       </dgm:prSet>
       <dgm:spPr/>
-      <dgm:t>
-        <a:bodyPr/>
-        <a:lstStyle/>
-        <a:p>
-          <a:endParaRPr lang="hu-HU"/>
-        </a:p>
-      </dgm:t>
     </dgm:pt>
   </dgm:ptLst>
   <dgm:cxnLst>
+    <dgm:cxn modelId="{52260918-5600-46D4-ABD9-FCCAE84B4A08}" type="presOf" srcId="{1FCC8F89-EDDB-404F-95A5-18353BF7CB8E}" destId="{6D1DC64F-5256-46E0-BA80-A8F6BDC2CE5C}" srcOrd="1" destOrd="0" presId="urn:microsoft.com/office/officeart/2016/7/layout/BasicLinearProcessNumbered"/>
+    <dgm:cxn modelId="{AD14421D-15DF-4F3D-94B4-18EF1DA40750}" type="presOf" srcId="{C04210C7-16B0-42F5-B3EA-241963CE6CD9}" destId="{FF44B2AF-9DDE-489C-9883-FCA8C3DFE38C}" srcOrd="1" destOrd="0" presId="urn:microsoft.com/office/officeart/2016/7/layout/BasicLinearProcessNumbered"/>
+    <dgm:cxn modelId="{A1C9EF5E-D186-4B64-82EA-69533E77E39B}" type="presOf" srcId="{25B83224-EE6E-443D-9BAD-A9CFFC67EEB2}" destId="{A8EE7197-E976-49F2-9C05-98E3CBBA6FE6}" srcOrd="1" destOrd="0" presId="urn:microsoft.com/office/officeart/2016/7/layout/BasicLinearProcessNumbered"/>
+    <dgm:cxn modelId="{EBBAB345-C629-452D-8B48-8BE262411E02}" type="presOf" srcId="{CF2C4142-F879-4F69-A3D0-9908B683C34C}" destId="{E5F956BD-B446-4580-B4F4-9172A71E8B46}" srcOrd="0" destOrd="0" presId="urn:microsoft.com/office/officeart/2016/7/layout/BasicLinearProcessNumbered"/>
     <dgm:cxn modelId="{3EA05B53-26B2-4FFA-B225-CB0726E42A22}" type="presOf" srcId="{25B83224-EE6E-443D-9BAD-A9CFFC67EEB2}" destId="{1CF78F00-43CA-4BCB-BAA4-119549FC8038}" srcOrd="0" destOrd="0" presId="urn:microsoft.com/office/officeart/2016/7/layout/BasicLinearProcessNumbered"/>
-    <dgm:cxn modelId="{C4AD469F-1314-4D90-8014-676BEA12D93F}" type="presOf" srcId="{DFCEC8FD-4708-415E-9DEF-2249BE2C6904}" destId="{19D0BCAA-B3E3-4AB5-92B2-91BBC5FCEA83}" srcOrd="0" destOrd="0" presId="urn:microsoft.com/office/officeart/2016/7/layout/BasicLinearProcessNumbered"/>
-    <dgm:cxn modelId="{AD14421D-15DF-4F3D-94B4-18EF1DA40750}" type="presOf" srcId="{C04210C7-16B0-42F5-B3EA-241963CE6CD9}" destId="{FF44B2AF-9DDE-489C-9883-FCA8C3DFE38C}" srcOrd="1" destOrd="0" presId="urn:microsoft.com/office/officeart/2016/7/layout/BasicLinearProcessNumbered"/>
-    <dgm:cxn modelId="{708906A1-F66D-45C3-A754-7277F31CB810}" type="presOf" srcId="{E69B2B19-2365-417F-B359-B4F1278274E1}" destId="{0D8AF65D-A95B-4B2D-B82D-19F2C4D2D903}" srcOrd="0" destOrd="0" presId="urn:microsoft.com/office/officeart/2016/7/layout/BasicLinearProcessNumbered"/>
-    <dgm:cxn modelId="{06EF16E5-951B-4810-BB94-DCB8BE8D9E09}" type="presOf" srcId="{1FCC8F89-EDDB-404F-95A5-18353BF7CB8E}" destId="{7291DD13-1DE4-43A2-AB74-74FF57661788}" srcOrd="0" destOrd="0" presId="urn:microsoft.com/office/officeart/2016/7/layout/BasicLinearProcessNumbered"/>
-    <dgm:cxn modelId="{52260918-5600-46D4-ABD9-FCCAE84B4A08}" type="presOf" srcId="{1FCC8F89-EDDB-404F-95A5-18353BF7CB8E}" destId="{6D1DC64F-5256-46E0-BA80-A8F6BDC2CE5C}" srcOrd="1" destOrd="0" presId="urn:microsoft.com/office/officeart/2016/7/layout/BasicLinearProcessNumbered"/>
-    <dgm:cxn modelId="{62BFBECB-6657-435E-966D-6169C0500747}" srcId="{9B5D63B0-4E1F-4085-9D81-90D2609904FA}" destId="{C04210C7-16B0-42F5-B3EA-241963CE6CD9}" srcOrd="1" destOrd="0" parTransId="{9463F8C8-8735-4A6D-AD4C-AB7CFFF4684D}" sibTransId="{E69B2B19-2365-417F-B359-B4F1278274E1}"/>
+    <dgm:cxn modelId="{8E655176-1C63-4307-9930-D7E577F2F446}" srcId="{9B5D63B0-4E1F-4085-9D81-90D2609904FA}" destId="{1FCC8F89-EDDB-404F-95A5-18353BF7CB8E}" srcOrd="0" destOrd="0" parTransId="{5CBD7793-0A9F-4388-8531-4B48C344AAAB}" sibTransId="{CF2C4142-F879-4F69-A3D0-9908B683C34C}"/>
     <dgm:cxn modelId="{DCF55876-8E2E-4605-AEE9-DFD1E947BCF3}" type="presOf" srcId="{9B5D63B0-4E1F-4085-9D81-90D2609904FA}" destId="{59E8DA03-AF15-48E9-A38C-24A48FF97F36}" srcOrd="0" destOrd="0" presId="urn:microsoft.com/office/officeart/2016/7/layout/BasicLinearProcessNumbered"/>
     <dgm:cxn modelId="{5C37847B-60AD-4BF1-BAFE-1038817FDA40}" srcId="{9B5D63B0-4E1F-4085-9D81-90D2609904FA}" destId="{25B83224-EE6E-443D-9BAD-A9CFFC67EEB2}" srcOrd="2" destOrd="0" parTransId="{67334C85-9083-4450-BDFB-0612B0AB97CC}" sibTransId="{DFCEC8FD-4708-415E-9DEF-2249BE2C6904}"/>
+    <dgm:cxn modelId="{C4AD469F-1314-4D90-8014-676BEA12D93F}" type="presOf" srcId="{DFCEC8FD-4708-415E-9DEF-2249BE2C6904}" destId="{19D0BCAA-B3E3-4AB5-92B2-91BBC5FCEA83}" srcOrd="0" destOrd="0" presId="urn:microsoft.com/office/officeart/2016/7/layout/BasicLinearProcessNumbered"/>
+    <dgm:cxn modelId="{708906A1-F66D-45C3-A754-7277F31CB810}" type="presOf" srcId="{E69B2B19-2365-417F-B359-B4F1278274E1}" destId="{0D8AF65D-A95B-4B2D-B82D-19F2C4D2D903}" srcOrd="0" destOrd="0" presId="urn:microsoft.com/office/officeart/2016/7/layout/BasicLinearProcessNumbered"/>
     <dgm:cxn modelId="{90D3FCC9-D3FE-4CF4-8107-9D72DCE2D796}" type="presOf" srcId="{C04210C7-16B0-42F5-B3EA-241963CE6CD9}" destId="{77BFAF2F-3D65-4CC3-A285-76F0563A88AB}" srcOrd="0" destOrd="0" presId="urn:microsoft.com/office/officeart/2016/7/layout/BasicLinearProcessNumbered"/>
-    <dgm:cxn modelId="{A1C9EF5E-D186-4B64-82EA-69533E77E39B}" type="presOf" srcId="{25B83224-EE6E-443D-9BAD-A9CFFC67EEB2}" destId="{A8EE7197-E976-49F2-9C05-98E3CBBA6FE6}" srcOrd="1" destOrd="0" presId="urn:microsoft.com/office/officeart/2016/7/layout/BasicLinearProcessNumbered"/>
-    <dgm:cxn modelId="{EBBAB345-C629-452D-8B48-8BE262411E02}" type="presOf" srcId="{CF2C4142-F879-4F69-A3D0-9908B683C34C}" destId="{E5F956BD-B446-4580-B4F4-9172A71E8B46}" srcOrd="0" destOrd="0" presId="urn:microsoft.com/office/officeart/2016/7/layout/BasicLinearProcessNumbered"/>
-    <dgm:cxn modelId="{8E655176-1C63-4307-9930-D7E577F2F446}" srcId="{9B5D63B0-4E1F-4085-9D81-90D2609904FA}" destId="{1FCC8F89-EDDB-404F-95A5-18353BF7CB8E}" srcOrd="0" destOrd="0" parTransId="{5CBD7793-0A9F-4388-8531-4B48C344AAAB}" sibTransId="{CF2C4142-F879-4F69-A3D0-9908B683C34C}"/>
+    <dgm:cxn modelId="{62BFBECB-6657-435E-966D-6169C0500747}" srcId="{9B5D63B0-4E1F-4085-9D81-90D2609904FA}" destId="{C04210C7-16B0-42F5-B3EA-241963CE6CD9}" srcOrd="1" destOrd="0" parTransId="{9463F8C8-8735-4A6D-AD4C-AB7CFFF4684D}" sibTransId="{E69B2B19-2365-417F-B359-B4F1278274E1}"/>
+    <dgm:cxn modelId="{06EF16E5-951B-4810-BB94-DCB8BE8D9E09}" type="presOf" srcId="{1FCC8F89-EDDB-404F-95A5-18353BF7CB8E}" destId="{7291DD13-1DE4-43A2-AB74-74FF57661788}" srcOrd="0" destOrd="0" presId="urn:microsoft.com/office/officeart/2016/7/layout/BasicLinearProcessNumbered"/>
     <dgm:cxn modelId="{FEA21F3D-9148-4065-86FF-A18F138A31EC}" type="presParOf" srcId="{59E8DA03-AF15-48E9-A38C-24A48FF97F36}" destId="{08DA9F3D-6852-48BF-8554-811607C99F3F}" srcOrd="0" destOrd="0" presId="urn:microsoft.com/office/officeart/2016/7/layout/BasicLinearProcessNumbered"/>
     <dgm:cxn modelId="{09A5BA6A-D834-4CD6-AE8C-1CB39EA3D8BD}" type="presParOf" srcId="{08DA9F3D-6852-48BF-8554-811607C99F3F}" destId="{7291DD13-1DE4-43A2-AB74-74FF57661788}" srcOrd="0" destOrd="0" presId="urn:microsoft.com/office/officeart/2016/7/layout/BasicLinearProcessNumbered"/>
     <dgm:cxn modelId="{584C6675-8BFB-4EB3-B82E-E09F44F04A4E}" type="presParOf" srcId="{08DA9F3D-6852-48BF-8554-811607C99F3F}" destId="{E5F956BD-B446-4580-B4F4-9172A71E8B46}" srcOrd="1" destOrd="0" presId="urn:microsoft.com/office/officeart/2016/7/layout/BasicLinearProcessNumbered"/>
@@ -4261,27 +4191,27 @@
         <a:lstStyle/>
         <a:p>
           <a:r>
-            <a:rPr lang="hu-HU" dirty="0" smtClean="0"/>
+            <a:rPr lang="hu-HU" dirty="0"/>
             <a:t>The server and </a:t>
           </a:r>
           <a:r>
-            <a:rPr lang="hu-HU" dirty="0" err="1" smtClean="0"/>
+            <a:rPr lang="hu-HU" dirty="0" err="1"/>
             <a:t>the</a:t>
           </a:r>
           <a:r>
-            <a:rPr lang="hu-HU" dirty="0" smtClean="0"/>
+            <a:rPr lang="hu-HU" dirty="0"/>
             <a:t> </a:t>
           </a:r>
           <a:r>
-            <a:rPr lang="hu-HU" dirty="0" err="1" smtClean="0"/>
+            <a:rPr lang="hu-HU" dirty="0" err="1"/>
             <a:t>winform</a:t>
           </a:r>
           <a:r>
-            <a:rPr lang="hu-HU" dirty="0" smtClean="0"/>
+            <a:rPr lang="hu-HU" dirty="0"/>
             <a:t> </a:t>
           </a:r>
           <a:r>
-            <a:rPr lang="hu-HU" dirty="0" err="1" smtClean="0"/>
+            <a:rPr lang="hu-HU" dirty="0" err="1"/>
             <a:t>app</a:t>
           </a:r>
           <a:endParaRPr lang="en-US" dirty="0"/>
@@ -4319,13 +4249,6 @@
         </dgm:presLayoutVars>
       </dgm:prSet>
       <dgm:spPr/>
-      <dgm:t>
-        <a:bodyPr/>
-        <a:lstStyle/>
-        <a:p>
-          <a:endParaRPr lang="hu-HU"/>
-        </a:p>
-      </dgm:t>
     </dgm:pt>
     <dgm:pt modelId="{272019FA-9AD5-4C3C-AF99-28D7DA92A5F4}" type="pres">
       <dgm:prSet presAssocID="{831263C5-7F7C-4F8F-83EA-DCB917484751}" presName="dummyMaxCanvas" presStyleCnt="0">
@@ -4340,13 +4263,6 @@
         </dgm:presLayoutVars>
       </dgm:prSet>
       <dgm:spPr/>
-      <dgm:t>
-        <a:bodyPr/>
-        <a:lstStyle/>
-        <a:p>
-          <a:endParaRPr lang="hu-HU"/>
-        </a:p>
-      </dgm:t>
     </dgm:pt>
     <dgm:pt modelId="{AAB51DDE-F694-4B34-BF18-06DD1323729A}" type="pres">
       <dgm:prSet presAssocID="{831263C5-7F7C-4F8F-83EA-DCB917484751}" presName="ThreeNodes_2" presStyleLbl="node1" presStyleIdx="1" presStyleCnt="3">
@@ -4355,13 +4271,6 @@
         </dgm:presLayoutVars>
       </dgm:prSet>
       <dgm:spPr/>
-      <dgm:t>
-        <a:bodyPr/>
-        <a:lstStyle/>
-        <a:p>
-          <a:endParaRPr lang="hu-HU"/>
-        </a:p>
-      </dgm:t>
     </dgm:pt>
     <dgm:pt modelId="{DB746E49-4B4E-4AB6-8C17-BD9CBB6F5C1C}" type="pres">
       <dgm:prSet presAssocID="{831263C5-7F7C-4F8F-83EA-DCB917484751}" presName="ThreeNodes_3" presStyleLbl="node1" presStyleIdx="2" presStyleCnt="3">
@@ -4370,13 +4279,6 @@
         </dgm:presLayoutVars>
       </dgm:prSet>
       <dgm:spPr/>
-      <dgm:t>
-        <a:bodyPr/>
-        <a:lstStyle/>
-        <a:p>
-          <a:endParaRPr lang="hu-HU"/>
-        </a:p>
-      </dgm:t>
     </dgm:pt>
     <dgm:pt modelId="{0F9D2BA9-1E98-4D91-8690-78E80E90C84E}" type="pres">
       <dgm:prSet presAssocID="{831263C5-7F7C-4F8F-83EA-DCB917484751}" presName="ThreeConn_1-2" presStyleLbl="fgAccFollowNode1" presStyleIdx="0" presStyleCnt="2">
@@ -4385,13 +4287,6 @@
         </dgm:presLayoutVars>
       </dgm:prSet>
       <dgm:spPr/>
-      <dgm:t>
-        <a:bodyPr/>
-        <a:lstStyle/>
-        <a:p>
-          <a:endParaRPr lang="hu-HU"/>
-        </a:p>
-      </dgm:t>
     </dgm:pt>
     <dgm:pt modelId="{774E11C3-D61B-4A14-9898-2AE5FAFBA331}" type="pres">
       <dgm:prSet presAssocID="{831263C5-7F7C-4F8F-83EA-DCB917484751}" presName="ThreeConn_2-3" presStyleLbl="fgAccFollowNode1" presStyleIdx="1" presStyleCnt="2">
@@ -4400,13 +4295,6 @@
         </dgm:presLayoutVars>
       </dgm:prSet>
       <dgm:spPr/>
-      <dgm:t>
-        <a:bodyPr/>
-        <a:lstStyle/>
-        <a:p>
-          <a:endParaRPr lang="hu-HU"/>
-        </a:p>
-      </dgm:t>
     </dgm:pt>
     <dgm:pt modelId="{ED365D05-254D-423C-A360-DC727952B791}" type="pres">
       <dgm:prSet presAssocID="{831263C5-7F7C-4F8F-83EA-DCB917484751}" presName="ThreeNodes_1_text" presStyleLbl="node1" presStyleIdx="2" presStyleCnt="3">
@@ -4415,13 +4303,6 @@
         </dgm:presLayoutVars>
       </dgm:prSet>
       <dgm:spPr/>
-      <dgm:t>
-        <a:bodyPr/>
-        <a:lstStyle/>
-        <a:p>
-          <a:endParaRPr lang="hu-HU"/>
-        </a:p>
-      </dgm:t>
     </dgm:pt>
     <dgm:pt modelId="{632C745A-2136-4200-B382-49836346C99B}" type="pres">
       <dgm:prSet presAssocID="{831263C5-7F7C-4F8F-83EA-DCB917484751}" presName="ThreeNodes_2_text" presStyleLbl="node1" presStyleIdx="2" presStyleCnt="3">
@@ -4430,13 +4311,6 @@
         </dgm:presLayoutVars>
       </dgm:prSet>
       <dgm:spPr/>
-      <dgm:t>
-        <a:bodyPr/>
-        <a:lstStyle/>
-        <a:p>
-          <a:endParaRPr lang="hu-HU"/>
-        </a:p>
-      </dgm:t>
     </dgm:pt>
     <dgm:pt modelId="{7DAA9007-29EC-427C-BD08-775F1185B14A}" type="pres">
       <dgm:prSet presAssocID="{831263C5-7F7C-4F8F-83EA-DCB917484751}" presName="ThreeNodes_3_text" presStyleLbl="node1" presStyleIdx="2" presStyleCnt="3">
@@ -4445,37 +4319,30 @@
         </dgm:presLayoutVars>
       </dgm:prSet>
       <dgm:spPr/>
-      <dgm:t>
-        <a:bodyPr/>
-        <a:lstStyle/>
-        <a:p>
-          <a:endParaRPr lang="hu-HU"/>
-        </a:p>
-      </dgm:t>
     </dgm:pt>
   </dgm:ptLst>
   <dgm:cxnLst>
-    <dgm:cxn modelId="{508E36B5-778B-4880-9B27-967264AC129C}" type="presOf" srcId="{B399C00D-5BBA-42C4-80B9-265AD4940116}" destId="{632C745A-2136-4200-B382-49836346C99B}" srcOrd="1" destOrd="3" presId="urn:microsoft.com/office/officeart/2005/8/layout/vProcess5"/>
-    <dgm:cxn modelId="{17A35152-B6A4-4537-8DFC-40AF96706F16}" type="presOf" srcId="{B399C00D-5BBA-42C4-80B9-265AD4940116}" destId="{AAB51DDE-F694-4B34-BF18-06DD1323729A}" srcOrd="0" destOrd="3" presId="urn:microsoft.com/office/officeart/2005/8/layout/vProcess5"/>
-    <dgm:cxn modelId="{7071C89E-D45C-4C0C-8EB5-2135A8FC2CD3}" srcId="{831263C5-7F7C-4F8F-83EA-DCB917484751}" destId="{A12FAF39-9B76-4E16-A04E-F072EDD85ECC}" srcOrd="2" destOrd="0" parTransId="{D87EB058-AD67-49F7-BD7D-BB8391ACA79D}" sibTransId="{40B64FCF-04DA-49E2-94A4-31FC0D24B68B}"/>
-    <dgm:cxn modelId="{C376F3CB-7CD3-4A1B-918C-75E5EAFBC8E7}" type="presOf" srcId="{A12FAF39-9B76-4E16-A04E-F072EDD85ECC}" destId="{DB746E49-4B4E-4AB6-8C17-BD9CBB6F5C1C}" srcOrd="0" destOrd="0" presId="urn:microsoft.com/office/officeart/2005/8/layout/vProcess5"/>
-    <dgm:cxn modelId="{BF78566E-9637-4095-903E-6D04DDE7501F}" type="presOf" srcId="{0439426A-F4D0-4D84-A138-AA17D7B8B579}" destId="{0F9D2BA9-1E98-4D91-8690-78E80E90C84E}" srcOrd="0" destOrd="0" presId="urn:microsoft.com/office/officeart/2005/8/layout/vProcess5"/>
-    <dgm:cxn modelId="{FA27BB78-DADB-4338-B800-3EE518685392}" type="presOf" srcId="{A12FAF39-9B76-4E16-A04E-F072EDD85ECC}" destId="{7DAA9007-29EC-427C-BD08-775F1185B14A}" srcOrd="1" destOrd="0" presId="urn:microsoft.com/office/officeart/2005/8/layout/vProcess5"/>
+    <dgm:cxn modelId="{6CE4D107-D1F3-4825-A408-E3FEA6B1C953}" srcId="{831263C5-7F7C-4F8F-83EA-DCB917484751}" destId="{382A2E40-C93A-4367-AE79-3E860E306971}" srcOrd="0" destOrd="0" parTransId="{7AE0A17C-F159-4869-82CA-C36D35C7895D}" sibTransId="{0439426A-F4D0-4D84-A138-AA17D7B8B579}"/>
+    <dgm:cxn modelId="{19489822-736B-46FE-B3B1-EAD84F416C4E}" type="presOf" srcId="{40EF5852-BC95-4DA0-8997-890C37A33A69}" destId="{632C745A-2136-4200-B382-49836346C99B}" srcOrd="1" destOrd="2" presId="urn:microsoft.com/office/officeart/2005/8/layout/vProcess5"/>
     <dgm:cxn modelId="{1C33AD28-D197-4271-8AA4-0FBCC85CDC60}" type="presOf" srcId="{0C38E576-DCB6-4AA2-B021-75A6E98A6BF4}" destId="{632C745A-2136-4200-B382-49836346C99B}" srcOrd="1" destOrd="1" presId="urn:microsoft.com/office/officeart/2005/8/layout/vProcess5"/>
-    <dgm:cxn modelId="{81354FE2-35B8-4075-A7C0-217CAD89D4F9}" type="presOf" srcId="{E11968E9-FCD5-41DF-ADB5-86A68F1CDABB}" destId="{AAB51DDE-F694-4B34-BF18-06DD1323729A}" srcOrd="0" destOrd="0" presId="urn:microsoft.com/office/officeart/2005/8/layout/vProcess5"/>
-    <dgm:cxn modelId="{6CE4D107-D1F3-4825-A408-E3FEA6B1C953}" srcId="{831263C5-7F7C-4F8F-83EA-DCB917484751}" destId="{382A2E40-C93A-4367-AE79-3E860E306971}" srcOrd="0" destOrd="0" parTransId="{7AE0A17C-F159-4869-82CA-C36D35C7895D}" sibTransId="{0439426A-F4D0-4D84-A138-AA17D7B8B579}"/>
-    <dgm:cxn modelId="{23814694-5E65-4945-A36B-B7C20332F581}" type="presOf" srcId="{831263C5-7F7C-4F8F-83EA-DCB917484751}" destId="{488A265E-0B5F-41DC-B501-C15ED7031D76}" srcOrd="0" destOrd="0" presId="urn:microsoft.com/office/officeart/2005/8/layout/vProcess5"/>
-    <dgm:cxn modelId="{2342E4C8-AC11-4DF4-B844-BBFF7B6CA397}" srcId="{831263C5-7F7C-4F8F-83EA-DCB917484751}" destId="{E11968E9-FCD5-41DF-ADB5-86A68F1CDABB}" srcOrd="1" destOrd="0" parTransId="{89CFBAA7-545E-4060-BDD1-E866B7948428}" sibTransId="{C7C7B8F5-44AD-4954-B080-5F885E0D645A}"/>
-    <dgm:cxn modelId="{C892AE95-6924-4420-8B24-E532E0639C76}" type="presOf" srcId="{C7C7B8F5-44AD-4954-B080-5F885E0D645A}" destId="{774E11C3-D61B-4A14-9898-2AE5FAFBA331}" srcOrd="0" destOrd="0" presId="urn:microsoft.com/office/officeart/2005/8/layout/vProcess5"/>
-    <dgm:cxn modelId="{19489822-736B-46FE-B3B1-EAD84F416C4E}" type="presOf" srcId="{40EF5852-BC95-4DA0-8997-890C37A33A69}" destId="{632C745A-2136-4200-B382-49836346C99B}" srcOrd="1" destOrd="2" presId="urn:microsoft.com/office/officeart/2005/8/layout/vProcess5"/>
     <dgm:cxn modelId="{F1351E2E-05DA-4B36-AC79-1987C285C85E}" type="presOf" srcId="{382A2E40-C93A-4367-AE79-3E860E306971}" destId="{ED365D05-254D-423C-A360-DC727952B791}" srcOrd="1" destOrd="0" presId="urn:microsoft.com/office/officeart/2005/8/layout/vProcess5"/>
     <dgm:cxn modelId="{DB86C968-6A77-49BE-9531-425EB6D39E83}" type="presOf" srcId="{0C38E576-DCB6-4AA2-B021-75A6E98A6BF4}" destId="{AAB51DDE-F694-4B34-BF18-06DD1323729A}" srcOrd="0" destOrd="1" presId="urn:microsoft.com/office/officeart/2005/8/layout/vProcess5"/>
+    <dgm:cxn modelId="{BF78566E-9637-4095-903E-6D04DDE7501F}" type="presOf" srcId="{0439426A-F4D0-4D84-A138-AA17D7B8B579}" destId="{0F9D2BA9-1E98-4D91-8690-78E80E90C84E}" srcOrd="0" destOrd="0" presId="urn:microsoft.com/office/officeart/2005/8/layout/vProcess5"/>
+    <dgm:cxn modelId="{17A35152-B6A4-4537-8DFC-40AF96706F16}" type="presOf" srcId="{B399C00D-5BBA-42C4-80B9-265AD4940116}" destId="{AAB51DDE-F694-4B34-BF18-06DD1323729A}" srcOrd="0" destOrd="3" presId="urn:microsoft.com/office/officeart/2005/8/layout/vProcess5"/>
+    <dgm:cxn modelId="{C3D6A176-2975-45D4-B79B-ABA7E25C3B13}" type="presOf" srcId="{E11968E9-FCD5-41DF-ADB5-86A68F1CDABB}" destId="{632C745A-2136-4200-B382-49836346C99B}" srcOrd="1" destOrd="0" presId="urn:microsoft.com/office/officeart/2005/8/layout/vProcess5"/>
+    <dgm:cxn modelId="{FA27BB78-DADB-4338-B800-3EE518685392}" type="presOf" srcId="{A12FAF39-9B76-4E16-A04E-F072EDD85ECC}" destId="{7DAA9007-29EC-427C-BD08-775F1185B14A}" srcOrd="1" destOrd="0" presId="urn:microsoft.com/office/officeart/2005/8/layout/vProcess5"/>
+    <dgm:cxn modelId="{23814694-5E65-4945-A36B-B7C20332F581}" type="presOf" srcId="{831263C5-7F7C-4F8F-83EA-DCB917484751}" destId="{488A265E-0B5F-41DC-B501-C15ED7031D76}" srcOrd="0" destOrd="0" presId="urn:microsoft.com/office/officeart/2005/8/layout/vProcess5"/>
+    <dgm:cxn modelId="{C892AE95-6924-4420-8B24-E532E0639C76}" type="presOf" srcId="{C7C7B8F5-44AD-4954-B080-5F885E0D645A}" destId="{774E11C3-D61B-4A14-9898-2AE5FAFBA331}" srcOrd="0" destOrd="0" presId="urn:microsoft.com/office/officeart/2005/8/layout/vProcess5"/>
+    <dgm:cxn modelId="{52CAEF97-F7AF-4C3F-9827-27ADC8E36B09}" srcId="{E11968E9-FCD5-41DF-ADB5-86A68F1CDABB}" destId="{40EF5852-BC95-4DA0-8997-890C37A33A69}" srcOrd="1" destOrd="0" parTransId="{8298A6EA-9ED3-4EB7-AAC8-16797388AEA4}" sibTransId="{0EF3556E-0F2B-4BB7-8ADB-F10E56EE0EB8}"/>
+    <dgm:cxn modelId="{7071C89E-D45C-4C0C-8EB5-2135A8FC2CD3}" srcId="{831263C5-7F7C-4F8F-83EA-DCB917484751}" destId="{A12FAF39-9B76-4E16-A04E-F072EDD85ECC}" srcOrd="2" destOrd="0" parTransId="{D87EB058-AD67-49F7-BD7D-BB8391ACA79D}" sibTransId="{40B64FCF-04DA-49E2-94A4-31FC0D24B68B}"/>
     <dgm:cxn modelId="{1AED89AA-B290-4446-B553-B54A40CCDA6D}" srcId="{E11968E9-FCD5-41DF-ADB5-86A68F1CDABB}" destId="{B399C00D-5BBA-42C4-80B9-265AD4940116}" srcOrd="2" destOrd="0" parTransId="{0A0BBDF7-F3BD-4702-8C4A-0B10095C35C4}" sibTransId="{CBAF8C69-4574-435D-8512-5174ED5CCF92}"/>
+    <dgm:cxn modelId="{5E8179AD-A252-468B-BAFB-6349DB5DF684}" type="presOf" srcId="{382A2E40-C93A-4367-AE79-3E860E306971}" destId="{430FDFE1-8890-4743-83F8-FABFFAE41AD3}" srcOrd="0" destOrd="0" presId="urn:microsoft.com/office/officeart/2005/8/layout/vProcess5"/>
+    <dgm:cxn modelId="{E28B6CB0-B989-4596-AD42-926D82EF557C}" type="presOf" srcId="{40EF5852-BC95-4DA0-8997-890C37A33A69}" destId="{AAB51DDE-F694-4B34-BF18-06DD1323729A}" srcOrd="0" destOrd="2" presId="urn:microsoft.com/office/officeart/2005/8/layout/vProcess5"/>
+    <dgm:cxn modelId="{508E36B5-778B-4880-9B27-967264AC129C}" type="presOf" srcId="{B399C00D-5BBA-42C4-80B9-265AD4940116}" destId="{632C745A-2136-4200-B382-49836346C99B}" srcOrd="1" destOrd="3" presId="urn:microsoft.com/office/officeart/2005/8/layout/vProcess5"/>
+    <dgm:cxn modelId="{2342E4C8-AC11-4DF4-B844-BBFF7B6CA397}" srcId="{831263C5-7F7C-4F8F-83EA-DCB917484751}" destId="{E11968E9-FCD5-41DF-ADB5-86A68F1CDABB}" srcOrd="1" destOrd="0" parTransId="{89CFBAA7-545E-4060-BDD1-E866B7948428}" sibTransId="{C7C7B8F5-44AD-4954-B080-5F885E0D645A}"/>
+    <dgm:cxn modelId="{C376F3CB-7CD3-4A1B-918C-75E5EAFBC8E7}" type="presOf" srcId="{A12FAF39-9B76-4E16-A04E-F072EDD85ECC}" destId="{DB746E49-4B4E-4AB6-8C17-BD9CBB6F5C1C}" srcOrd="0" destOrd="0" presId="urn:microsoft.com/office/officeart/2005/8/layout/vProcess5"/>
+    <dgm:cxn modelId="{81354FE2-35B8-4075-A7C0-217CAD89D4F9}" type="presOf" srcId="{E11968E9-FCD5-41DF-ADB5-86A68F1CDABB}" destId="{AAB51DDE-F694-4B34-BF18-06DD1323729A}" srcOrd="0" destOrd="0" presId="urn:microsoft.com/office/officeart/2005/8/layout/vProcess5"/>
     <dgm:cxn modelId="{4D6184E3-A3C5-4FD6-93A5-3EBCC5099192}" srcId="{E11968E9-FCD5-41DF-ADB5-86A68F1CDABB}" destId="{0C38E576-DCB6-4AA2-B021-75A6E98A6BF4}" srcOrd="0" destOrd="0" parTransId="{E0643290-3AFF-4CD0-AB36-581A73BDB809}" sibTransId="{AF218C1B-AC0D-4625-8673-4FC0DB1FA465}"/>
-    <dgm:cxn modelId="{C3D6A176-2975-45D4-B79B-ABA7E25C3B13}" type="presOf" srcId="{E11968E9-FCD5-41DF-ADB5-86A68F1CDABB}" destId="{632C745A-2136-4200-B382-49836346C99B}" srcOrd="1" destOrd="0" presId="urn:microsoft.com/office/officeart/2005/8/layout/vProcess5"/>
-    <dgm:cxn modelId="{5E8179AD-A252-468B-BAFB-6349DB5DF684}" type="presOf" srcId="{382A2E40-C93A-4367-AE79-3E860E306971}" destId="{430FDFE1-8890-4743-83F8-FABFFAE41AD3}" srcOrd="0" destOrd="0" presId="urn:microsoft.com/office/officeart/2005/8/layout/vProcess5"/>
-    <dgm:cxn modelId="{52CAEF97-F7AF-4C3F-9827-27ADC8E36B09}" srcId="{E11968E9-FCD5-41DF-ADB5-86A68F1CDABB}" destId="{40EF5852-BC95-4DA0-8997-890C37A33A69}" srcOrd="1" destOrd="0" parTransId="{8298A6EA-9ED3-4EB7-AAC8-16797388AEA4}" sibTransId="{0EF3556E-0F2B-4BB7-8ADB-F10E56EE0EB8}"/>
-    <dgm:cxn modelId="{E28B6CB0-B989-4596-AD42-926D82EF557C}" type="presOf" srcId="{40EF5852-BC95-4DA0-8997-890C37A33A69}" destId="{AAB51DDE-F694-4B34-BF18-06DD1323729A}" srcOrd="0" destOrd="2" presId="urn:microsoft.com/office/officeart/2005/8/layout/vProcess5"/>
     <dgm:cxn modelId="{32A52672-9C30-4FA1-9D9E-8114942BC356}" type="presParOf" srcId="{488A265E-0B5F-41DC-B501-C15ED7031D76}" destId="{272019FA-9AD5-4C3C-AF99-28D7DA92A5F4}" srcOrd="0" destOrd="0" presId="urn:microsoft.com/office/officeart/2005/8/layout/vProcess5"/>
     <dgm:cxn modelId="{7FB7EEF4-E965-4049-B487-6358643FD5CA}" type="presParOf" srcId="{488A265E-0B5F-41DC-B501-C15ED7031D76}" destId="{430FDFE1-8890-4743-83F8-FABFFAE41AD3}" srcOrd="1" destOrd="0" presId="urn:microsoft.com/office/officeart/2005/8/layout/vProcess5"/>
     <dgm:cxn modelId="{6DCED1C7-6DF9-4166-8FD6-C23862394092}" type="presParOf" srcId="{488A265E-0B5F-41DC-B501-C15ED7031D76}" destId="{AAB51DDE-F694-4B34-BF18-06DD1323729A}" srcOrd="2" destOrd="0" presId="urn:microsoft.com/office/officeart/2005/8/layout/vProcess5"/>
@@ -4604,27 +4471,27 @@
         <a:lstStyle/>
         <a:p>
           <a:r>
-            <a:rPr lang="hu-HU" dirty="0" smtClean="0"/>
+            <a:rPr lang="hu-HU" dirty="0"/>
             <a:t>Good </a:t>
           </a:r>
           <a:r>
-            <a:rPr lang="hu-HU" dirty="0" err="1" smtClean="0"/>
+            <a:rPr lang="hu-HU" dirty="0" err="1"/>
             <a:t>with</a:t>
           </a:r>
           <a:r>
-            <a:rPr lang="hu-HU" dirty="0" smtClean="0"/>
+            <a:rPr lang="hu-HU" dirty="0"/>
             <a:t> </a:t>
           </a:r>
           <a:r>
-            <a:rPr lang="hu-HU" dirty="0" err="1" smtClean="0"/>
+            <a:rPr lang="hu-HU" dirty="0" err="1"/>
             <a:t>our</a:t>
           </a:r>
           <a:r>
-            <a:rPr lang="hu-HU" dirty="0" smtClean="0"/>
+            <a:rPr lang="hu-HU" dirty="0"/>
             <a:t> </a:t>
           </a:r>
           <a:r>
-            <a:rPr lang="hu-HU" dirty="0" err="1" smtClean="0"/>
+            <a:rPr lang="hu-HU" dirty="0" err="1"/>
             <a:t>backend</a:t>
           </a:r>
           <a:endParaRPr lang="en-US" dirty="0"/>
@@ -4676,99 +4543,99 @@
         <a:lstStyle/>
         <a:p>
           <a:r>
-            <a:rPr lang="hu-HU" dirty="0" smtClean="0"/>
+            <a:rPr lang="hu-HU" dirty="0"/>
             <a:t>Designing </a:t>
           </a:r>
           <a:r>
-            <a:rPr lang="hu-HU" dirty="0" err="1" smtClean="0"/>
+            <a:rPr lang="hu-HU" dirty="0" err="1"/>
             <a:t>it</a:t>
           </a:r>
           <a:r>
-            <a:rPr lang="hu-HU" dirty="0" smtClean="0"/>
+            <a:rPr lang="hu-HU" dirty="0"/>
             <a:t> </a:t>
           </a:r>
           <a:r>
-            <a:rPr lang="hu-HU" dirty="0" err="1" smtClean="0"/>
+            <a:rPr lang="hu-HU" dirty="0" err="1"/>
             <a:t>so</a:t>
           </a:r>
           <a:r>
-            <a:rPr lang="hu-HU" dirty="0" smtClean="0"/>
+            <a:rPr lang="hu-HU" dirty="0"/>
             <a:t> </a:t>
           </a:r>
           <a:r>
-            <a:rPr lang="hu-HU" dirty="0" err="1" smtClean="0"/>
+            <a:rPr lang="hu-HU" dirty="0" err="1"/>
             <a:t>it</a:t>
           </a:r>
           <a:r>
-            <a:rPr lang="hu-HU" dirty="0" smtClean="0"/>
+            <a:rPr lang="hu-HU" dirty="0"/>
             <a:t> is </a:t>
           </a:r>
           <a:r>
-            <a:rPr lang="hu-HU" dirty="0" err="1" smtClean="0"/>
+            <a:rPr lang="hu-HU" dirty="0" err="1"/>
             <a:t>nice</a:t>
           </a:r>
           <a:r>
-            <a:rPr lang="hu-HU" dirty="0" smtClean="0"/>
+            <a:rPr lang="hu-HU" dirty="0"/>
             <a:t> </a:t>
           </a:r>
           <a:r>
-            <a:rPr lang="hu-HU" dirty="0" err="1" smtClean="0"/>
+            <a:rPr lang="hu-HU" dirty="0" err="1"/>
             <a:t>to</a:t>
           </a:r>
           <a:r>
-            <a:rPr lang="hu-HU" dirty="0" smtClean="0"/>
+            <a:rPr lang="hu-HU" dirty="0"/>
             <a:t> </a:t>
           </a:r>
           <a:r>
-            <a:rPr lang="hu-HU" dirty="0" err="1" smtClean="0"/>
+            <a:rPr lang="hu-HU" dirty="0" err="1"/>
             <a:t>look</a:t>
           </a:r>
           <a:r>
-            <a:rPr lang="hu-HU" dirty="0" smtClean="0"/>
+            <a:rPr lang="hu-HU" dirty="0"/>
             <a:t> </a:t>
           </a:r>
           <a:r>
-            <a:rPr lang="hu-HU" dirty="0" err="1" smtClean="0"/>
+            <a:rPr lang="hu-HU" dirty="0" err="1"/>
             <a:t>at</a:t>
           </a:r>
           <a:r>
-            <a:rPr lang="hu-HU" dirty="0" smtClean="0"/>
+            <a:rPr lang="hu-HU" dirty="0"/>
             <a:t> and </a:t>
           </a:r>
           <a:r>
-            <a:rPr lang="hu-HU" dirty="0" err="1" smtClean="0"/>
+            <a:rPr lang="hu-HU" dirty="0" err="1"/>
             <a:t>just</a:t>
           </a:r>
           <a:r>
-            <a:rPr lang="hu-HU" dirty="0" smtClean="0"/>
+            <a:rPr lang="hu-HU" dirty="0"/>
             <a:t> </a:t>
           </a:r>
           <a:r>
-            <a:rPr lang="hu-HU" dirty="0" err="1" smtClean="0"/>
+            <a:rPr lang="hu-HU" dirty="0" err="1"/>
             <a:t>as</a:t>
           </a:r>
           <a:r>
-            <a:rPr lang="hu-HU" dirty="0" smtClean="0"/>
+            <a:rPr lang="hu-HU" dirty="0"/>
             <a:t> </a:t>
           </a:r>
           <a:r>
-            <a:rPr lang="hu-HU" dirty="0" err="1" smtClean="0"/>
+            <a:rPr lang="hu-HU" dirty="0" err="1"/>
             <a:t>easy</a:t>
           </a:r>
           <a:r>
-            <a:rPr lang="hu-HU" dirty="0" smtClean="0"/>
+            <a:rPr lang="hu-HU" dirty="0"/>
             <a:t> </a:t>
           </a:r>
           <a:r>
-            <a:rPr lang="hu-HU" dirty="0" err="1" smtClean="0"/>
+            <a:rPr lang="hu-HU" dirty="0" err="1"/>
             <a:t>to</a:t>
           </a:r>
           <a:r>
-            <a:rPr lang="hu-HU" dirty="0" smtClean="0"/>
+            <a:rPr lang="hu-HU" dirty="0"/>
             <a:t> </a:t>
           </a:r>
           <a:r>
-            <a:rPr lang="hu-HU" dirty="0" err="1" smtClean="0"/>
+            <a:rPr lang="hu-HU" dirty="0" err="1"/>
             <a:t>use</a:t>
           </a:r>
           <a:endParaRPr lang="en-US" dirty="0"/>
@@ -4821,55 +4688,55 @@
         <a:lstStyle/>
         <a:p>
           <a:r>
-            <a:rPr lang="hu-HU" dirty="0" err="1" smtClean="0"/>
+            <a:rPr lang="hu-HU" dirty="0" err="1"/>
             <a:t>Using</a:t>
           </a:r>
           <a:r>
-            <a:rPr lang="hu-HU" dirty="0" smtClean="0"/>
+            <a:rPr lang="hu-HU" dirty="0"/>
             <a:t> </a:t>
           </a:r>
           <a:r>
-            <a:rPr lang="hu-HU" dirty="0" err="1" smtClean="0"/>
+            <a:rPr lang="hu-HU" dirty="0" err="1"/>
             <a:t>the</a:t>
           </a:r>
           <a:r>
-            <a:rPr lang="hu-HU" dirty="0" smtClean="0"/>
+            <a:rPr lang="hu-HU" dirty="0"/>
             <a:t> </a:t>
           </a:r>
           <a:r>
-            <a:rPr lang="hu-HU" dirty="0" err="1" smtClean="0"/>
+            <a:rPr lang="hu-HU" dirty="0" err="1"/>
             <a:t>latest</a:t>
           </a:r>
           <a:r>
-            <a:rPr lang="hu-HU" dirty="0" smtClean="0"/>
+            <a:rPr lang="hu-HU" dirty="0"/>
             <a:t> and most modern version of </a:t>
           </a:r>
           <a:r>
-            <a:rPr lang="hu-HU" dirty="0" err="1" smtClean="0"/>
+            <a:rPr lang="hu-HU" dirty="0" err="1"/>
             <a:t>react.js</a:t>
           </a:r>
           <a:r>
-            <a:rPr lang="hu-HU" dirty="0" smtClean="0"/>
+            <a:rPr lang="hu-HU" dirty="0"/>
             <a:t> </a:t>
           </a:r>
           <a:r>
-            <a:rPr lang="hu-HU" dirty="0" err="1" smtClean="0"/>
+            <a:rPr lang="hu-HU" dirty="0" err="1"/>
             <a:t>so</a:t>
           </a:r>
           <a:r>
-            <a:rPr lang="hu-HU" dirty="0" smtClean="0"/>
+            <a:rPr lang="hu-HU" dirty="0"/>
             <a:t> </a:t>
           </a:r>
           <a:r>
-            <a:rPr lang="hu-HU" dirty="0" err="1" smtClean="0"/>
+            <a:rPr lang="hu-HU" dirty="0" err="1"/>
             <a:t>its</a:t>
           </a:r>
           <a:r>
-            <a:rPr lang="hu-HU" dirty="0" smtClean="0"/>
+            <a:rPr lang="hu-HU" dirty="0"/>
             <a:t> </a:t>
           </a:r>
           <a:r>
-            <a:rPr lang="hu-HU" dirty="0" err="1" smtClean="0"/>
+            <a:rPr lang="hu-HU" dirty="0" err="1"/>
             <a:t>convenient</a:t>
           </a:r>
           <a:endParaRPr lang="en-US" dirty="0"/>
@@ -4909,13 +4776,6 @@
         </dgm:presLayoutVars>
       </dgm:prSet>
       <dgm:spPr/>
-      <dgm:t>
-        <a:bodyPr/>
-        <a:lstStyle/>
-        <a:p>
-          <a:endParaRPr lang="hu-HU"/>
-        </a:p>
-      </dgm:t>
     </dgm:pt>
     <dgm:pt modelId="{18AE8C89-C958-4E68-83BF-5E055FED4C26}" type="pres">
       <dgm:prSet presAssocID="{011C552B-CD55-443B-99C4-3B71FBA30005}" presName="compositeNode" presStyleCnt="0">
@@ -4928,13 +4788,6 @@
     <dgm:pt modelId="{DD3DA4C3-C6AB-4B15-BC37-EF060796277E}" type="pres">
       <dgm:prSet presAssocID="{011C552B-CD55-443B-99C4-3B71FBA30005}" presName="bgRect" presStyleLbl="alignNode1" presStyleIdx="0" presStyleCnt="3" custLinFactNeighborX="-25" custLinFactNeighborY="1819"/>
       <dgm:spPr/>
-      <dgm:t>
-        <a:bodyPr/>
-        <a:lstStyle/>
-        <a:p>
-          <a:endParaRPr lang="hu-HU"/>
-        </a:p>
-      </dgm:t>
     </dgm:pt>
     <dgm:pt modelId="{D5B3BDC3-797E-45C2-8F2F-8979B65B98BE}" type="pres">
       <dgm:prSet presAssocID="{7561945B-BA4B-4A25-ADE9-9BDBCB4E05F6}" presName="sibTransNodeRect" presStyleLbl="alignNode1" presStyleIdx="0" presStyleCnt="3">
@@ -4944,13 +4797,6 @@
         </dgm:presLayoutVars>
       </dgm:prSet>
       <dgm:spPr/>
-      <dgm:t>
-        <a:bodyPr/>
-        <a:lstStyle/>
-        <a:p>
-          <a:endParaRPr lang="hu-HU"/>
-        </a:p>
-      </dgm:t>
     </dgm:pt>
     <dgm:pt modelId="{5AE235DF-0155-43FF-A13A-6B56F8507865}" type="pres">
       <dgm:prSet presAssocID="{011C552B-CD55-443B-99C4-3B71FBA30005}" presName="nodeRect" presStyleLbl="alignNode1" presStyleIdx="0" presStyleCnt="3">
@@ -4959,13 +4805,6 @@
         </dgm:presLayoutVars>
       </dgm:prSet>
       <dgm:spPr/>
-      <dgm:t>
-        <a:bodyPr/>
-        <a:lstStyle/>
-        <a:p>
-          <a:endParaRPr lang="hu-HU"/>
-        </a:p>
-      </dgm:t>
     </dgm:pt>
     <dgm:pt modelId="{E11B7787-E6A1-4429-B177-AB687FCFF84F}" type="pres">
       <dgm:prSet presAssocID="{7561945B-BA4B-4A25-ADE9-9BDBCB4E05F6}" presName="sibTrans" presStyleCnt="0"/>
@@ -4982,13 +4821,6 @@
     <dgm:pt modelId="{8ADC554D-885D-4A73-8587-EE0EB676B021}" type="pres">
       <dgm:prSet presAssocID="{24EA65D5-1726-4E21-B557-A5F1045F43CB}" presName="bgRect" presStyleLbl="alignNode1" presStyleIdx="1" presStyleCnt="3"/>
       <dgm:spPr/>
-      <dgm:t>
-        <a:bodyPr/>
-        <a:lstStyle/>
-        <a:p>
-          <a:endParaRPr lang="hu-HU"/>
-        </a:p>
-      </dgm:t>
     </dgm:pt>
     <dgm:pt modelId="{30D30410-48D1-4A23-A232-55D3EB75561E}" type="pres">
       <dgm:prSet presAssocID="{36B279F9-DC03-4F29-91E5-38E163D2E257}" presName="sibTransNodeRect" presStyleLbl="alignNode1" presStyleIdx="1" presStyleCnt="3">
@@ -4998,13 +4830,6 @@
         </dgm:presLayoutVars>
       </dgm:prSet>
       <dgm:spPr/>
-      <dgm:t>
-        <a:bodyPr/>
-        <a:lstStyle/>
-        <a:p>
-          <a:endParaRPr lang="hu-HU"/>
-        </a:p>
-      </dgm:t>
     </dgm:pt>
     <dgm:pt modelId="{3277882F-3E34-4F43-9177-5B8DAFC28F1F}" type="pres">
       <dgm:prSet presAssocID="{24EA65D5-1726-4E21-B557-A5F1045F43CB}" presName="nodeRect" presStyleLbl="alignNode1" presStyleIdx="1" presStyleCnt="3">
@@ -5013,13 +4838,6 @@
         </dgm:presLayoutVars>
       </dgm:prSet>
       <dgm:spPr/>
-      <dgm:t>
-        <a:bodyPr/>
-        <a:lstStyle/>
-        <a:p>
-          <a:endParaRPr lang="hu-HU"/>
-        </a:p>
-      </dgm:t>
     </dgm:pt>
     <dgm:pt modelId="{B9D15323-5DB4-41B1-BD53-74A65BA9EE27}" type="pres">
       <dgm:prSet presAssocID="{36B279F9-DC03-4F29-91E5-38E163D2E257}" presName="sibTrans" presStyleCnt="0"/>
@@ -5036,13 +4854,6 @@
     <dgm:pt modelId="{B884F24E-6BC3-4684-9918-7FA70B52D664}" type="pres">
       <dgm:prSet presAssocID="{F8769F6F-3721-4631-932A-B4D15E2F9B09}" presName="bgRect" presStyleLbl="alignNode1" presStyleIdx="2" presStyleCnt="3"/>
       <dgm:spPr/>
-      <dgm:t>
-        <a:bodyPr/>
-        <a:lstStyle/>
-        <a:p>
-          <a:endParaRPr lang="hu-HU"/>
-        </a:p>
-      </dgm:t>
     </dgm:pt>
     <dgm:pt modelId="{28A8DDFF-C447-4A4F-B0DC-764165A9B32F}" type="pres">
       <dgm:prSet presAssocID="{213A5E18-D982-498C-917E-AFD79A4133AA}" presName="sibTransNodeRect" presStyleLbl="alignNode1" presStyleIdx="2" presStyleCnt="3">
@@ -5052,13 +4863,6 @@
         </dgm:presLayoutVars>
       </dgm:prSet>
       <dgm:spPr/>
-      <dgm:t>
-        <a:bodyPr/>
-        <a:lstStyle/>
-        <a:p>
-          <a:endParaRPr lang="hu-HU"/>
-        </a:p>
-      </dgm:t>
     </dgm:pt>
     <dgm:pt modelId="{98458075-C960-449A-8761-6CFF38E3D7D8}" type="pres">
       <dgm:prSet presAssocID="{F8769F6F-3721-4631-932A-B4D15E2F9B09}" presName="nodeRect" presStyleLbl="alignNode1" presStyleIdx="2" presStyleCnt="3">
@@ -5067,33 +4871,26 @@
         </dgm:presLayoutVars>
       </dgm:prSet>
       <dgm:spPr/>
-      <dgm:t>
-        <a:bodyPr/>
-        <a:lstStyle/>
-        <a:p>
-          <a:endParaRPr lang="hu-HU"/>
-        </a:p>
-      </dgm:t>
     </dgm:pt>
   </dgm:ptLst>
   <dgm:cxnLst>
+    <dgm:cxn modelId="{5ABF8329-6B5B-440C-9746-AD291DF783AA}" type="presOf" srcId="{36B279F9-DC03-4F29-91E5-38E163D2E257}" destId="{30D30410-48D1-4A23-A232-55D3EB75561E}" srcOrd="0" destOrd="0" presId="urn:microsoft.com/office/officeart/2016/7/layout/LinearBlockProcessNumbered"/>
+    <dgm:cxn modelId="{4A059829-6013-4F49-A510-FE8BE608D9CB}" type="presOf" srcId="{F8769F6F-3721-4631-932A-B4D15E2F9B09}" destId="{B884F24E-6BC3-4684-9918-7FA70B52D664}" srcOrd="0" destOrd="0" presId="urn:microsoft.com/office/officeart/2016/7/layout/LinearBlockProcessNumbered"/>
+    <dgm:cxn modelId="{C032D52B-78C8-4137-82AB-AEC7454EBEF1}" srcId="{25057B79-F97C-439B-B33A-817230332483}" destId="{24EA65D5-1726-4E21-B557-A5F1045F43CB}" srcOrd="1" destOrd="0" parTransId="{3920BAAD-5B6D-4C39-9BA5-F0A8FA4E86B8}" sibTransId="{36B279F9-DC03-4F29-91E5-38E163D2E257}"/>
+    <dgm:cxn modelId="{BAAF2C40-641F-4AFE-958F-061C732A27B8}" srcId="{011C552B-CD55-443B-99C4-3B71FBA30005}" destId="{0BA38153-49D0-422A-A0CF-E3F4958C4B91}" srcOrd="1" destOrd="0" parTransId="{11B37A6D-2D8B-43F9-95CB-405EAC424FA9}" sibTransId="{956E5D79-2F66-4C88-96F4-AB64577ECE32}"/>
+    <dgm:cxn modelId="{E059D94F-5712-44B5-A713-B6ACFDBFD00E}" srcId="{25057B79-F97C-439B-B33A-817230332483}" destId="{011C552B-CD55-443B-99C4-3B71FBA30005}" srcOrd="0" destOrd="0" parTransId="{28A642F2-1462-4820-865C-6BFE12FB5EA2}" sibTransId="{7561945B-BA4B-4A25-ADE9-9BDBCB4E05F6}"/>
+    <dgm:cxn modelId="{9C05BA58-B820-4FDB-9493-8C9C1E0CEA98}" type="presOf" srcId="{7561945B-BA4B-4A25-ADE9-9BDBCB4E05F6}" destId="{D5B3BDC3-797E-45C2-8F2F-8979B65B98BE}" srcOrd="0" destOrd="0" presId="urn:microsoft.com/office/officeart/2016/7/layout/LinearBlockProcessNumbered"/>
+    <dgm:cxn modelId="{5C707485-9CED-4734-A7DE-1F746867EBDD}" type="presOf" srcId="{24EA65D5-1726-4E21-B557-A5F1045F43CB}" destId="{8ADC554D-885D-4A73-8587-EE0EB676B021}" srcOrd="0" destOrd="0" presId="urn:microsoft.com/office/officeart/2016/7/layout/LinearBlockProcessNumbered"/>
+    <dgm:cxn modelId="{7E3E418A-0AAC-4CB4-9F3F-0A33E387723F}" type="presOf" srcId="{213A5E18-D982-498C-917E-AFD79A4133AA}" destId="{28A8DDFF-C447-4A4F-B0DC-764165A9B32F}" srcOrd="0" destOrd="0" presId="urn:microsoft.com/office/officeart/2016/7/layout/LinearBlockProcessNumbered"/>
+    <dgm:cxn modelId="{973D8999-5BD5-4321-96FD-9373D5691AC6}" type="presOf" srcId="{25057B79-F97C-439B-B33A-817230332483}" destId="{7F574C51-7033-40B8-A8CE-353FDBCC04F5}" srcOrd="0" destOrd="0" presId="urn:microsoft.com/office/officeart/2016/7/layout/LinearBlockProcessNumbered"/>
     <dgm:cxn modelId="{68DB799B-EB53-4ED3-BDDE-D962EA91075A}" type="presOf" srcId="{F8769F6F-3721-4631-932A-B4D15E2F9B09}" destId="{98458075-C960-449A-8761-6CFF38E3D7D8}" srcOrd="1" destOrd="0" presId="urn:microsoft.com/office/officeart/2016/7/layout/LinearBlockProcessNumbered"/>
-    <dgm:cxn modelId="{5C707485-9CED-4734-A7DE-1F746867EBDD}" type="presOf" srcId="{24EA65D5-1726-4E21-B557-A5F1045F43CB}" destId="{8ADC554D-885D-4A73-8587-EE0EB676B021}" srcOrd="0" destOrd="0" presId="urn:microsoft.com/office/officeart/2016/7/layout/LinearBlockProcessNumbered"/>
-    <dgm:cxn modelId="{C032D52B-78C8-4137-82AB-AEC7454EBEF1}" srcId="{25057B79-F97C-439B-B33A-817230332483}" destId="{24EA65D5-1726-4E21-B557-A5F1045F43CB}" srcOrd="1" destOrd="0" parTransId="{3920BAAD-5B6D-4C39-9BA5-F0A8FA4E86B8}" sibTransId="{36B279F9-DC03-4F29-91E5-38E163D2E257}"/>
+    <dgm:cxn modelId="{1B543FA2-756B-495C-B18A-914DA3D0BB12}" type="presOf" srcId="{011C552B-CD55-443B-99C4-3B71FBA30005}" destId="{DD3DA4C3-C6AB-4B15-BC37-EF060796277E}" srcOrd="0" destOrd="0" presId="urn:microsoft.com/office/officeart/2016/7/layout/LinearBlockProcessNumbered"/>
+    <dgm:cxn modelId="{2E97B7AC-3EEE-45AA-8736-1FB065513180}" srcId="{011C552B-CD55-443B-99C4-3B71FBA30005}" destId="{6761EC22-0043-439C-ADEF-CDDD9D95921A}" srcOrd="0" destOrd="0" parTransId="{BFA3F494-26D9-4528-9F2B-25D18E4E57CC}" sibTransId="{548E20C5-42FA-48D0-9558-65B5F8FB6CD6}"/>
+    <dgm:cxn modelId="{2658B5E1-3890-4A53-98B4-C7BA8AF01FD3}" type="presOf" srcId="{6761EC22-0043-439C-ADEF-CDDD9D95921A}" destId="{5AE235DF-0155-43FF-A13A-6B56F8507865}" srcOrd="0" destOrd="1" presId="urn:microsoft.com/office/officeart/2016/7/layout/LinearBlockProcessNumbered"/>
+    <dgm:cxn modelId="{D2E80EE6-FFD4-4DD3-BB92-CB101FDD5436}" type="presOf" srcId="{011C552B-CD55-443B-99C4-3B71FBA30005}" destId="{5AE235DF-0155-43FF-A13A-6B56F8507865}" srcOrd="1" destOrd="0" presId="urn:microsoft.com/office/officeart/2016/7/layout/LinearBlockProcessNumbered"/>
+    <dgm:cxn modelId="{0E41DBED-E091-4E49-94DB-D6B39F0A2476}" type="presOf" srcId="{24EA65D5-1726-4E21-B557-A5F1045F43CB}" destId="{3277882F-3E34-4F43-9177-5B8DAFC28F1F}" srcOrd="1" destOrd="0" presId="urn:microsoft.com/office/officeart/2016/7/layout/LinearBlockProcessNumbered"/>
+    <dgm:cxn modelId="{7C2E8DFB-4E8D-4498-A817-890066BC434E}" type="presOf" srcId="{0BA38153-49D0-422A-A0CF-E3F4958C4B91}" destId="{5AE235DF-0155-43FF-A13A-6B56F8507865}" srcOrd="0" destOrd="2" presId="urn:microsoft.com/office/officeart/2016/7/layout/LinearBlockProcessNumbered"/>
     <dgm:cxn modelId="{40ABA9FE-E8F3-4528-8721-BD0FCE102BA0}" srcId="{25057B79-F97C-439B-B33A-817230332483}" destId="{F8769F6F-3721-4631-932A-B4D15E2F9B09}" srcOrd="2" destOrd="0" parTransId="{4298AFBB-A2AE-42BB-841D-D9587F44ECC8}" sibTransId="{213A5E18-D982-498C-917E-AFD79A4133AA}"/>
-    <dgm:cxn modelId="{BAAF2C40-641F-4AFE-958F-061C732A27B8}" srcId="{011C552B-CD55-443B-99C4-3B71FBA30005}" destId="{0BA38153-49D0-422A-A0CF-E3F4958C4B91}" srcOrd="1" destOrd="0" parTransId="{11B37A6D-2D8B-43F9-95CB-405EAC424FA9}" sibTransId="{956E5D79-2F66-4C88-96F4-AB64577ECE32}"/>
-    <dgm:cxn modelId="{D2E80EE6-FFD4-4DD3-BB92-CB101FDD5436}" type="presOf" srcId="{011C552B-CD55-443B-99C4-3B71FBA30005}" destId="{5AE235DF-0155-43FF-A13A-6B56F8507865}" srcOrd="1" destOrd="0" presId="urn:microsoft.com/office/officeart/2016/7/layout/LinearBlockProcessNumbered"/>
-    <dgm:cxn modelId="{E059D94F-5712-44B5-A713-B6ACFDBFD00E}" srcId="{25057B79-F97C-439B-B33A-817230332483}" destId="{011C552B-CD55-443B-99C4-3B71FBA30005}" srcOrd="0" destOrd="0" parTransId="{28A642F2-1462-4820-865C-6BFE12FB5EA2}" sibTransId="{7561945B-BA4B-4A25-ADE9-9BDBCB4E05F6}"/>
-    <dgm:cxn modelId="{7C2E8DFB-4E8D-4498-A817-890066BC434E}" type="presOf" srcId="{0BA38153-49D0-422A-A0CF-E3F4958C4B91}" destId="{5AE235DF-0155-43FF-A13A-6B56F8507865}" srcOrd="0" destOrd="2" presId="urn:microsoft.com/office/officeart/2016/7/layout/LinearBlockProcessNumbered"/>
-    <dgm:cxn modelId="{7E3E418A-0AAC-4CB4-9F3F-0A33E387723F}" type="presOf" srcId="{213A5E18-D982-498C-917E-AFD79A4133AA}" destId="{28A8DDFF-C447-4A4F-B0DC-764165A9B32F}" srcOrd="0" destOrd="0" presId="urn:microsoft.com/office/officeart/2016/7/layout/LinearBlockProcessNumbered"/>
-    <dgm:cxn modelId="{4A059829-6013-4F49-A510-FE8BE608D9CB}" type="presOf" srcId="{F8769F6F-3721-4631-932A-B4D15E2F9B09}" destId="{B884F24E-6BC3-4684-9918-7FA70B52D664}" srcOrd="0" destOrd="0" presId="urn:microsoft.com/office/officeart/2016/7/layout/LinearBlockProcessNumbered"/>
-    <dgm:cxn modelId="{1B543FA2-756B-495C-B18A-914DA3D0BB12}" type="presOf" srcId="{011C552B-CD55-443B-99C4-3B71FBA30005}" destId="{DD3DA4C3-C6AB-4B15-BC37-EF060796277E}" srcOrd="0" destOrd="0" presId="urn:microsoft.com/office/officeart/2016/7/layout/LinearBlockProcessNumbered"/>
-    <dgm:cxn modelId="{973D8999-5BD5-4321-96FD-9373D5691AC6}" type="presOf" srcId="{25057B79-F97C-439B-B33A-817230332483}" destId="{7F574C51-7033-40B8-A8CE-353FDBCC04F5}" srcOrd="0" destOrd="0" presId="urn:microsoft.com/office/officeart/2016/7/layout/LinearBlockProcessNumbered"/>
-    <dgm:cxn modelId="{0E41DBED-E091-4E49-94DB-D6B39F0A2476}" type="presOf" srcId="{24EA65D5-1726-4E21-B557-A5F1045F43CB}" destId="{3277882F-3E34-4F43-9177-5B8DAFC28F1F}" srcOrd="1" destOrd="0" presId="urn:microsoft.com/office/officeart/2016/7/layout/LinearBlockProcessNumbered"/>
-    <dgm:cxn modelId="{9C05BA58-B820-4FDB-9493-8C9C1E0CEA98}" type="presOf" srcId="{7561945B-BA4B-4A25-ADE9-9BDBCB4E05F6}" destId="{D5B3BDC3-797E-45C2-8F2F-8979B65B98BE}" srcOrd="0" destOrd="0" presId="urn:microsoft.com/office/officeart/2016/7/layout/LinearBlockProcessNumbered"/>
-    <dgm:cxn modelId="{5ABF8329-6B5B-440C-9746-AD291DF783AA}" type="presOf" srcId="{36B279F9-DC03-4F29-91E5-38E163D2E257}" destId="{30D30410-48D1-4A23-A232-55D3EB75561E}" srcOrd="0" destOrd="0" presId="urn:microsoft.com/office/officeart/2016/7/layout/LinearBlockProcessNumbered"/>
-    <dgm:cxn modelId="{2658B5E1-3890-4A53-98B4-C7BA8AF01FD3}" type="presOf" srcId="{6761EC22-0043-439C-ADEF-CDDD9D95921A}" destId="{5AE235DF-0155-43FF-A13A-6B56F8507865}" srcOrd="0" destOrd="1" presId="urn:microsoft.com/office/officeart/2016/7/layout/LinearBlockProcessNumbered"/>
-    <dgm:cxn modelId="{2E97B7AC-3EEE-45AA-8736-1FB065513180}" srcId="{011C552B-CD55-443B-99C4-3B71FBA30005}" destId="{6761EC22-0043-439C-ADEF-CDDD9D95921A}" srcOrd="0" destOrd="0" parTransId="{BFA3F494-26D9-4528-9F2B-25D18E4E57CC}" sibTransId="{548E20C5-42FA-48D0-9558-65B5F8FB6CD6}"/>
     <dgm:cxn modelId="{CF49A7CD-3DB5-4206-A210-82E98299AA39}" type="presParOf" srcId="{7F574C51-7033-40B8-A8CE-353FDBCC04F5}" destId="{18AE8C89-C958-4E68-83BF-5E055FED4C26}" srcOrd="0" destOrd="0" presId="urn:microsoft.com/office/officeart/2016/7/layout/LinearBlockProcessNumbered"/>
     <dgm:cxn modelId="{D589602A-D1A2-435E-A0A2-72318A483779}" type="presParOf" srcId="{18AE8C89-C958-4E68-83BF-5E055FED4C26}" destId="{DD3DA4C3-C6AB-4B15-BC37-EF060796277E}" srcOrd="0" destOrd="0" presId="urn:microsoft.com/office/officeart/2016/7/layout/LinearBlockProcessNumbered"/>
     <dgm:cxn modelId="{15407FE6-0907-4951-B332-3FDBDA13BDDD}" type="presParOf" srcId="{18AE8C89-C958-4E68-83BF-5E055FED4C26}" destId="{D5B3BDC3-797E-45C2-8F2F-8979B65B98BE}" srcOrd="1" destOrd="0" presId="urn:microsoft.com/office/officeart/2016/7/layout/LinearBlockProcessNumbered"/>
@@ -5145,20 +4942,16 @@
         <a:lstStyle/>
         <a:p>
           <a:r>
-            <a:rPr lang="hu-HU" sz="2800" dirty="0" smtClean="0"/>
+            <a:rPr lang="hu-HU" sz="2800" dirty="0"/>
             <a:t>Frontend </a:t>
           </a:r>
           <a:r>
-            <a:rPr lang="hu-HU" sz="2800" dirty="0" err="1" smtClean="0"/>
+            <a:rPr lang="hu-HU" sz="2800" dirty="0" err="1"/>
             <a:t>work</a:t>
           </a:r>
           <a:r>
-            <a:rPr lang="hu-HU" sz="2800" dirty="0" smtClean="0"/>
-            <a:t> </a:t>
-          </a:r>
-          <a:r>
             <a:rPr lang="hu-HU" sz="2800" dirty="0"/>
-            <a:t>(main </a:t>
+            <a:t> (main </a:t>
           </a:r>
           <a:r>
             <a:rPr lang="hu-HU" sz="2800" dirty="0" err="1"/>
@@ -5691,13 +5484,6 @@
         </dgm:presLayoutVars>
       </dgm:prSet>
       <dgm:spPr/>
-      <dgm:t>
-        <a:bodyPr/>
-        <a:lstStyle/>
-        <a:p>
-          <a:endParaRPr lang="hu-HU"/>
-        </a:p>
-      </dgm:t>
     </dgm:pt>
     <dgm:pt modelId="{1C125546-E346-429D-811F-9026A2394684}" type="pres">
       <dgm:prSet presAssocID="{73AF9605-E007-49F2-A030-B6BBDC5AEE4F}" presName="parentText" presStyleLbl="node1" presStyleIdx="0" presStyleCnt="1">
@@ -5707,13 +5493,6 @@
         </dgm:presLayoutVars>
       </dgm:prSet>
       <dgm:spPr/>
-      <dgm:t>
-        <a:bodyPr/>
-        <a:lstStyle/>
-        <a:p>
-          <a:endParaRPr lang="hu-HU"/>
-        </a:p>
-      </dgm:t>
     </dgm:pt>
     <dgm:pt modelId="{546141B7-47AD-46A1-8485-946D89CD90D3}" type="pres">
       <dgm:prSet presAssocID="{73AF9605-E007-49F2-A030-B6BBDC5AEE4F}" presName="childText" presStyleLbl="revTx" presStyleIdx="0" presStyleCnt="1" custScaleY="104385">
@@ -5722,33 +5501,26 @@
         </dgm:presLayoutVars>
       </dgm:prSet>
       <dgm:spPr/>
-      <dgm:t>
-        <a:bodyPr/>
-        <a:lstStyle/>
-        <a:p>
-          <a:endParaRPr lang="hu-HU"/>
-        </a:p>
-      </dgm:t>
     </dgm:pt>
   </dgm:ptLst>
   <dgm:cxnLst>
+    <dgm:cxn modelId="{7E2D2E06-CA44-46C9-B60F-AC53325800FE}" type="presOf" srcId="{BA906055-8BED-4C45-B0DD-70D9AABC0161}" destId="{546141B7-47AD-46A1-8485-946D89CD90D3}" srcOrd="0" destOrd="3" presId="urn:microsoft.com/office/officeart/2005/8/layout/vList2"/>
+    <dgm:cxn modelId="{F7028A06-6DC6-45B6-AB05-ECDACCD3C462}" srcId="{2B351BC2-25C9-40A8-964F-33808033471D}" destId="{73AF9605-E007-49F2-A030-B6BBDC5AEE4F}" srcOrd="0" destOrd="0" parTransId="{8677F13A-D749-4D9C-83B2-B5213C8ED884}" sibTransId="{4C543B91-6263-4847-B945-B8668AC62657}"/>
+    <dgm:cxn modelId="{CF79E423-A91F-4BD0-9498-5B5C54BC983D}" type="presOf" srcId="{15DF49D9-AAE0-4151-A888-91453EB5D59A}" destId="{546141B7-47AD-46A1-8485-946D89CD90D3}" srcOrd="0" destOrd="4" presId="urn:microsoft.com/office/officeart/2005/8/layout/vList2"/>
+    <dgm:cxn modelId="{2AE1F731-2D0B-4AF6-8809-CFA9BA79955A}" srcId="{73AF9605-E007-49F2-A030-B6BBDC5AEE4F}" destId="{9E0FCC61-3073-4EA0-9633-F819C3F88A16}" srcOrd="5" destOrd="0" parTransId="{1C221FE2-A363-421A-ACC4-F164D6C3C9E4}" sibTransId="{98B740A2-3FF1-4DBC-9B9F-66CB25367E30}"/>
+    <dgm:cxn modelId="{1992FC61-65E7-48DF-8051-7F7630E26119}" srcId="{73AF9605-E007-49F2-A030-B6BBDC5AEE4F}" destId="{ED1AE132-BE09-47C5-BEB7-B7593F13E8AD}" srcOrd="0" destOrd="0" parTransId="{A710D70B-BD04-47FC-82E3-96BC42B57D5B}" sibTransId="{71325449-A6A9-4EA7-8C5B-D2BEB131889D}"/>
+    <dgm:cxn modelId="{F1EA8465-78D4-45FD-8229-12ECD55B95CA}" type="presOf" srcId="{2B351BC2-25C9-40A8-964F-33808033471D}" destId="{81EFEA4A-D4C3-4B9A-B216-EB620955530B}" srcOrd="0" destOrd="0" presId="urn:microsoft.com/office/officeart/2005/8/layout/vList2"/>
+    <dgm:cxn modelId="{8B01784B-D96D-4C29-8F54-E23B4D233227}" srcId="{73AF9605-E007-49F2-A030-B6BBDC5AEE4F}" destId="{BA906055-8BED-4C45-B0DD-70D9AABC0161}" srcOrd="3" destOrd="0" parTransId="{6E07848F-BBA4-4E45-A2BC-8F95A025186B}" sibTransId="{54B46299-8640-4DFD-91BB-26B724B60505}"/>
+    <dgm:cxn modelId="{922B7C72-7B7E-481B-B715-A60BEE5C8F26}" type="presOf" srcId="{9E0FCC61-3073-4EA0-9633-F819C3F88A16}" destId="{546141B7-47AD-46A1-8485-946D89CD90D3}" srcOrd="0" destOrd="6" presId="urn:microsoft.com/office/officeart/2005/8/layout/vList2"/>
+    <dgm:cxn modelId="{AFF9A273-745C-40C3-AF4A-0B009DE5BA69}" type="presOf" srcId="{E496141E-0F38-48E1-AB4C-AB1363502097}" destId="{546141B7-47AD-46A1-8485-946D89CD90D3}" srcOrd="0" destOrd="5" presId="urn:microsoft.com/office/officeart/2005/8/layout/vList2"/>
     <dgm:cxn modelId="{1872AB79-117A-4295-ADA6-AFA2CB9DE461}" type="presOf" srcId="{CB75D769-51FF-44D4-A76D-F3A00D4E6D29}" destId="{546141B7-47AD-46A1-8485-946D89CD90D3}" srcOrd="0" destOrd="2" presId="urn:microsoft.com/office/officeart/2005/8/layout/vList2"/>
+    <dgm:cxn modelId="{28815487-4930-4E0E-AE53-9C2CAA11EF02}" type="presOf" srcId="{73AF9605-E007-49F2-A030-B6BBDC5AEE4F}" destId="{1C125546-E346-429D-811F-9026A2394684}" srcOrd="0" destOrd="0" presId="urn:microsoft.com/office/officeart/2005/8/layout/vList2"/>
+    <dgm:cxn modelId="{80CBCCA6-EB9B-4AA0-8308-48B9DF30E404}" srcId="{73AF9605-E007-49F2-A030-B6BBDC5AEE4F}" destId="{15DF49D9-AAE0-4151-A888-91453EB5D59A}" srcOrd="4" destOrd="0" parTransId="{C10F245D-6514-4344-9FCB-CEA36F561E08}" sibTransId="{32661966-A3B0-443A-B2CC-DBBDD58CC035}"/>
+    <dgm:cxn modelId="{BB385BBB-9C72-4E27-A07B-766CA8C9C922}" type="presOf" srcId="{ED1AE132-BE09-47C5-BEB7-B7593F13E8AD}" destId="{546141B7-47AD-46A1-8485-946D89CD90D3}" srcOrd="0" destOrd="0" presId="urn:microsoft.com/office/officeart/2005/8/layout/vList2"/>
+    <dgm:cxn modelId="{CBC11EBF-B25E-41DF-918B-9D867811F0D7}" srcId="{73AF9605-E007-49F2-A030-B6BBDC5AEE4F}" destId="{CB75D769-51FF-44D4-A76D-F3A00D4E6D29}" srcOrd="2" destOrd="0" parTransId="{126D93C8-F6B2-4D89-A60E-13A5F72EEE7F}" sibTransId="{F048D737-D283-4455-B4EB-2BF190549F5B}"/>
     <dgm:cxn modelId="{ADE5E3C2-D49B-4AA7-92B7-A32FE93B917F}" type="presOf" srcId="{9ED24524-A58F-4D93-AF86-D4784CB6F524}" destId="{546141B7-47AD-46A1-8485-946D89CD90D3}" srcOrd="0" destOrd="1" presId="urn:microsoft.com/office/officeart/2005/8/layout/vList2"/>
     <dgm:cxn modelId="{488FDEC4-BD53-4CAA-85BA-4B86AF32D550}" srcId="{15DF49D9-AAE0-4151-A888-91453EB5D59A}" destId="{E496141E-0F38-48E1-AB4C-AB1363502097}" srcOrd="0" destOrd="0" parTransId="{D2886577-EB39-401C-A711-7105E9B776A1}" sibTransId="{03E3F8DF-AA68-408F-BC92-B6A91E795495}"/>
-    <dgm:cxn modelId="{F1EA8465-78D4-45FD-8229-12ECD55B95CA}" type="presOf" srcId="{2B351BC2-25C9-40A8-964F-33808033471D}" destId="{81EFEA4A-D4C3-4B9A-B216-EB620955530B}" srcOrd="0" destOrd="0" presId="urn:microsoft.com/office/officeart/2005/8/layout/vList2"/>
-    <dgm:cxn modelId="{CBC11EBF-B25E-41DF-918B-9D867811F0D7}" srcId="{73AF9605-E007-49F2-A030-B6BBDC5AEE4F}" destId="{CB75D769-51FF-44D4-A76D-F3A00D4E6D29}" srcOrd="2" destOrd="0" parTransId="{126D93C8-F6B2-4D89-A60E-13A5F72EEE7F}" sibTransId="{F048D737-D283-4455-B4EB-2BF190549F5B}"/>
-    <dgm:cxn modelId="{8B01784B-D96D-4C29-8F54-E23B4D233227}" srcId="{73AF9605-E007-49F2-A030-B6BBDC5AEE4F}" destId="{BA906055-8BED-4C45-B0DD-70D9AABC0161}" srcOrd="3" destOrd="0" parTransId="{6E07848F-BBA4-4E45-A2BC-8F95A025186B}" sibTransId="{54B46299-8640-4DFD-91BB-26B724B60505}"/>
-    <dgm:cxn modelId="{80CBCCA6-EB9B-4AA0-8308-48B9DF30E404}" srcId="{73AF9605-E007-49F2-A030-B6BBDC5AEE4F}" destId="{15DF49D9-AAE0-4151-A888-91453EB5D59A}" srcOrd="4" destOrd="0" parTransId="{C10F245D-6514-4344-9FCB-CEA36F561E08}" sibTransId="{32661966-A3B0-443A-B2CC-DBBDD58CC035}"/>
-    <dgm:cxn modelId="{1992FC61-65E7-48DF-8051-7F7630E26119}" srcId="{73AF9605-E007-49F2-A030-B6BBDC5AEE4F}" destId="{ED1AE132-BE09-47C5-BEB7-B7593F13E8AD}" srcOrd="0" destOrd="0" parTransId="{A710D70B-BD04-47FC-82E3-96BC42B57D5B}" sibTransId="{71325449-A6A9-4EA7-8C5B-D2BEB131889D}"/>
-    <dgm:cxn modelId="{BB385BBB-9C72-4E27-A07B-766CA8C9C922}" type="presOf" srcId="{ED1AE132-BE09-47C5-BEB7-B7593F13E8AD}" destId="{546141B7-47AD-46A1-8485-946D89CD90D3}" srcOrd="0" destOrd="0" presId="urn:microsoft.com/office/officeart/2005/8/layout/vList2"/>
     <dgm:cxn modelId="{7AD820C9-01CE-469E-9139-69D54244C94B}" srcId="{73AF9605-E007-49F2-A030-B6BBDC5AEE4F}" destId="{9ED24524-A58F-4D93-AF86-D4784CB6F524}" srcOrd="1" destOrd="0" parTransId="{CD4515A8-76BF-4593-93EC-BCAEC11D05A6}" sibTransId="{D0A5A6BD-DE8E-4A5B-9E85-2E1EE711E995}"/>
-    <dgm:cxn modelId="{922B7C72-7B7E-481B-B715-A60BEE5C8F26}" type="presOf" srcId="{9E0FCC61-3073-4EA0-9633-F819C3F88A16}" destId="{546141B7-47AD-46A1-8485-946D89CD90D3}" srcOrd="0" destOrd="6" presId="urn:microsoft.com/office/officeart/2005/8/layout/vList2"/>
-    <dgm:cxn modelId="{AFF9A273-745C-40C3-AF4A-0B009DE5BA69}" type="presOf" srcId="{E496141E-0F38-48E1-AB4C-AB1363502097}" destId="{546141B7-47AD-46A1-8485-946D89CD90D3}" srcOrd="0" destOrd="5" presId="urn:microsoft.com/office/officeart/2005/8/layout/vList2"/>
-    <dgm:cxn modelId="{7E2D2E06-CA44-46C9-B60F-AC53325800FE}" type="presOf" srcId="{BA906055-8BED-4C45-B0DD-70D9AABC0161}" destId="{546141B7-47AD-46A1-8485-946D89CD90D3}" srcOrd="0" destOrd="3" presId="urn:microsoft.com/office/officeart/2005/8/layout/vList2"/>
-    <dgm:cxn modelId="{2AE1F731-2D0B-4AF6-8809-CFA9BA79955A}" srcId="{73AF9605-E007-49F2-A030-B6BBDC5AEE4F}" destId="{9E0FCC61-3073-4EA0-9633-F819C3F88A16}" srcOrd="5" destOrd="0" parTransId="{1C221FE2-A363-421A-ACC4-F164D6C3C9E4}" sibTransId="{98B740A2-3FF1-4DBC-9B9F-66CB25367E30}"/>
-    <dgm:cxn modelId="{28815487-4930-4E0E-AE53-9C2CAA11EF02}" type="presOf" srcId="{73AF9605-E007-49F2-A030-B6BBDC5AEE4F}" destId="{1C125546-E346-429D-811F-9026A2394684}" srcOrd="0" destOrd="0" presId="urn:microsoft.com/office/officeart/2005/8/layout/vList2"/>
-    <dgm:cxn modelId="{F7028A06-6DC6-45B6-AB05-ECDACCD3C462}" srcId="{2B351BC2-25C9-40A8-964F-33808033471D}" destId="{73AF9605-E007-49F2-A030-B6BBDC5AEE4F}" srcOrd="0" destOrd="0" parTransId="{8677F13A-D749-4D9C-83B2-B5213C8ED884}" sibTransId="{4C543B91-6263-4847-B945-B8668AC62657}"/>
-    <dgm:cxn modelId="{CF79E423-A91F-4BD0-9498-5B5C54BC983D}" type="presOf" srcId="{15DF49D9-AAE0-4151-A888-91453EB5D59A}" destId="{546141B7-47AD-46A1-8485-946D89CD90D3}" srcOrd="0" destOrd="4" presId="urn:microsoft.com/office/officeart/2005/8/layout/vList2"/>
     <dgm:cxn modelId="{8D708CC0-83BB-444A-900F-FCCD8C1FD39E}" type="presParOf" srcId="{81EFEA4A-D4C3-4B9A-B216-EB620955530B}" destId="{1C125546-E346-429D-811F-9026A2394684}" srcOrd="0" destOrd="0" presId="urn:microsoft.com/office/officeart/2005/8/layout/vList2"/>
     <dgm:cxn modelId="{0DF005DE-1960-4330-94B5-9A8E183B5A55}" type="presParOf" srcId="{81EFEA4A-D4C3-4B9A-B216-EB620955530B}" destId="{546141B7-47AD-46A1-8485-946D89CD90D3}" srcOrd="1" destOrd="0" presId="urn:microsoft.com/office/officeart/2005/8/layout/vList2"/>
   </dgm:cxnLst>
@@ -5822,7 +5594,7 @@
         </a:bodyPr>
         <a:lstStyle/>
         <a:p>
-          <a:pPr lvl="0" algn="ctr" defTabSz="1066800">
+          <a:pPr marL="0" lvl="0" indent="0" algn="ctr" defTabSz="1155700">
             <a:lnSpc>
               <a:spcPct val="90000"/>
             </a:lnSpc>
@@ -5832,9 +5604,10 @@
             <a:spcAft>
               <a:spcPct val="35000"/>
             </a:spcAft>
+            <a:buNone/>
           </a:pPr>
           <a:r>
-            <a:rPr lang="hu-HU" sz="2400" kern="1200" dirty="0" err="1">
+            <a:rPr lang="hu-HU" sz="2600" kern="1200" dirty="0" err="1">
               <a:solidFill>
                 <a:schemeClr val="bg1"/>
               </a:solidFill>
@@ -5842,7 +5615,7 @@
             <a:t>Create</a:t>
           </a:r>
           <a:r>
-            <a:rPr lang="hu-HU" sz="2400" kern="1200" dirty="0">
+            <a:rPr lang="hu-HU" sz="2600" kern="1200" dirty="0">
               <a:solidFill>
                 <a:schemeClr val="bg1"/>
               </a:solidFill>
@@ -5850,7 +5623,7 @@
             <a:t> an </a:t>
           </a:r>
           <a:r>
-            <a:rPr lang="hu-HU" sz="2400" kern="1200" dirty="0" err="1">
+            <a:rPr lang="hu-HU" sz="2600" kern="1200" dirty="0" err="1">
               <a:solidFill>
                 <a:schemeClr val="bg1"/>
               </a:solidFill>
@@ -5858,7 +5631,7 @@
             <a:t>enviroment</a:t>
           </a:r>
           <a:r>
-            <a:rPr lang="hu-HU" sz="2400" kern="1200" dirty="0">
+            <a:rPr lang="hu-HU" sz="2600" kern="1200" dirty="0">
               <a:solidFill>
                 <a:schemeClr val="bg1"/>
               </a:solidFill>
@@ -5866,7 +5639,7 @@
             <a:t> </a:t>
           </a:r>
           <a:r>
-            <a:rPr lang="hu-HU" sz="2400" kern="1200" dirty="0" err="1">
+            <a:rPr lang="hu-HU" sz="2600" kern="1200" dirty="0" err="1">
               <a:solidFill>
                 <a:schemeClr val="bg1"/>
               </a:solidFill>
@@ -5874,7 +5647,7 @@
             <a:t>for</a:t>
           </a:r>
           <a:r>
-            <a:rPr lang="hu-HU" sz="2400" kern="1200" dirty="0">
+            <a:rPr lang="hu-HU" sz="2600" kern="1200" dirty="0">
               <a:solidFill>
                 <a:schemeClr val="bg1"/>
               </a:solidFill>
@@ -5882,7 +5655,7 @@
             <a:t> </a:t>
           </a:r>
           <a:r>
-            <a:rPr lang="hu-HU" sz="2400" kern="1200" dirty="0" err="1" smtClean="0">
+            <a:rPr lang="hu-HU" sz="2600" kern="1200" dirty="0" err="1">
               <a:solidFill>
                 <a:schemeClr val="bg1"/>
               </a:solidFill>
@@ -5890,7 +5663,7 @@
             <a:t>car</a:t>
           </a:r>
           <a:r>
-            <a:rPr lang="hu-HU" sz="2400" kern="1200" dirty="0" smtClean="0">
+            <a:rPr lang="hu-HU" sz="2600" kern="1200" dirty="0">
               <a:solidFill>
                 <a:schemeClr val="bg1"/>
               </a:solidFill>
@@ -5898,14 +5671,14 @@
             <a:t> </a:t>
           </a:r>
           <a:r>
-            <a:rPr lang="hu-HU" sz="2400" kern="1200" dirty="0" err="1" smtClean="0">
+            <a:rPr lang="hu-HU" sz="2600" kern="1200" dirty="0" err="1">
               <a:solidFill>
                 <a:schemeClr val="bg1"/>
               </a:solidFill>
             </a:rPr>
             <a:t>fanatics</a:t>
           </a:r>
-          <a:endParaRPr lang="en-US" sz="2400" kern="1200" dirty="0">
+          <a:endParaRPr lang="en-US" sz="2600" kern="1200" dirty="0">
             <a:solidFill>
               <a:schemeClr val="bg1"/>
             </a:solidFill>
@@ -5962,7 +5735,7 @@
         </a:bodyPr>
         <a:lstStyle/>
         <a:p>
-          <a:pPr lvl="0" algn="ctr" defTabSz="2133600">
+          <a:pPr marL="0" lvl="0" indent="0" algn="ctr" defTabSz="2133600">
             <a:lnSpc>
               <a:spcPct val="90000"/>
             </a:lnSpc>
@@ -5972,6 +5745,7 @@
             <a:spcAft>
               <a:spcPct val="35000"/>
             </a:spcAft>
+            <a:buNone/>
           </a:pPr>
           <a:r>
             <a:rPr lang="en-US" sz="4800" kern="1200"/>
@@ -6088,7 +5862,7 @@
         </a:bodyPr>
         <a:lstStyle/>
         <a:p>
-          <a:pPr lvl="0" algn="ctr" defTabSz="1066800">
+          <a:pPr marL="0" lvl="0" indent="0" algn="ctr" defTabSz="1155700">
             <a:lnSpc>
               <a:spcPct val="90000"/>
             </a:lnSpc>
@@ -6098,60 +5872,61 @@
             <a:spcAft>
               <a:spcPct val="35000"/>
             </a:spcAft>
+            <a:buNone/>
           </a:pPr>
           <a:r>
-            <a:rPr lang="hu-HU" sz="2400" kern="1200" dirty="0" err="1"/>
+            <a:rPr lang="hu-HU" sz="2600" kern="1200" dirty="0" err="1"/>
             <a:t>Users</a:t>
           </a:r>
           <a:r>
-            <a:rPr lang="hu-HU" sz="2400" kern="1200" dirty="0"/>
+            <a:rPr lang="hu-HU" sz="2600" kern="1200" dirty="0"/>
             <a:t> </a:t>
           </a:r>
           <a:r>
-            <a:rPr lang="hu-HU" sz="2400" kern="1200" dirty="0" err="1"/>
+            <a:rPr lang="hu-HU" sz="2600" kern="1200" dirty="0" err="1"/>
             <a:t>can</a:t>
           </a:r>
           <a:r>
-            <a:rPr lang="hu-HU" sz="2400" kern="1200" dirty="0"/>
+            <a:rPr lang="hu-HU" sz="2600" kern="1200" dirty="0"/>
             <a:t> </a:t>
           </a:r>
           <a:r>
-            <a:rPr lang="hu-HU" sz="2400" kern="1200" dirty="0" err="1" smtClean="0"/>
+            <a:rPr lang="hu-HU" sz="2600" kern="1200" dirty="0" err="1"/>
             <a:t>browse</a:t>
           </a:r>
           <a:r>
-            <a:rPr lang="hu-HU" sz="2400" kern="1200" dirty="0" smtClean="0"/>
+            <a:rPr lang="hu-HU" sz="2600" kern="1200" dirty="0"/>
             <a:t> and </a:t>
           </a:r>
           <a:r>
-            <a:rPr lang="hu-HU" sz="2400" kern="1200" dirty="0" err="1" smtClean="0"/>
+            <a:rPr lang="hu-HU" sz="2600" kern="1200" dirty="0" err="1"/>
             <a:t>purchase</a:t>
           </a:r>
           <a:r>
-            <a:rPr lang="hu-HU" sz="2400" kern="1200" dirty="0" smtClean="0"/>
+            <a:rPr lang="hu-HU" sz="2600" kern="1200" dirty="0"/>
             <a:t> </a:t>
           </a:r>
           <a:r>
-            <a:rPr lang="hu-HU" sz="2400" kern="1200" dirty="0" err="1" smtClean="0"/>
+            <a:rPr lang="hu-HU" sz="2600" kern="1200" dirty="0" err="1"/>
             <a:t>hundreds</a:t>
           </a:r>
           <a:r>
-            <a:rPr lang="hu-HU" sz="2400" kern="1200" dirty="0" smtClean="0"/>
+            <a:rPr lang="hu-HU" sz="2600" kern="1200" dirty="0"/>
             <a:t> of </a:t>
           </a:r>
           <a:r>
-            <a:rPr lang="hu-HU" sz="2400" kern="1200" dirty="0" err="1" smtClean="0"/>
+            <a:rPr lang="hu-HU" sz="2600" kern="1200" dirty="0" err="1"/>
             <a:t>car</a:t>
           </a:r>
           <a:r>
-            <a:rPr lang="hu-HU" sz="2400" kern="1200" dirty="0" smtClean="0"/>
+            <a:rPr lang="hu-HU" sz="2600" kern="1200" dirty="0"/>
             <a:t> </a:t>
           </a:r>
           <a:r>
-            <a:rPr lang="hu-HU" sz="2400" kern="1200" dirty="0" err="1" smtClean="0"/>
+            <a:rPr lang="hu-HU" sz="2600" kern="1200" dirty="0" err="1"/>
             <a:t>parts</a:t>
           </a:r>
-          <a:endParaRPr lang="en-US" sz="2400" kern="1200" dirty="0"/>
+          <a:endParaRPr lang="en-US" sz="2600" kern="1200" dirty="0"/>
         </a:p>
       </dsp:txBody>
       <dsp:txXfrm>
@@ -6214,7 +5989,7 @@
         </a:bodyPr>
         <a:lstStyle/>
         <a:p>
-          <a:pPr lvl="0" algn="ctr" defTabSz="2133600">
+          <a:pPr marL="0" lvl="0" indent="0" algn="ctr" defTabSz="2133600">
             <a:lnSpc>
               <a:spcPct val="90000"/>
             </a:lnSpc>
@@ -6224,6 +5999,7 @@
             <a:spcAft>
               <a:spcPct val="35000"/>
             </a:spcAft>
+            <a:buNone/>
           </a:pPr>
           <a:r>
             <a:rPr lang="en-US" sz="4800" kern="1200" dirty="0"/>
@@ -6339,7 +6115,7 @@
         </a:bodyPr>
         <a:lstStyle/>
         <a:p>
-          <a:pPr lvl="0" algn="ctr" defTabSz="1066800">
+          <a:pPr marL="0" lvl="0" indent="0" algn="ctr" defTabSz="1155700">
             <a:lnSpc>
               <a:spcPct val="90000"/>
             </a:lnSpc>
@@ -6349,60 +6125,61 @@
             <a:spcAft>
               <a:spcPct val="35000"/>
             </a:spcAft>
+            <a:buNone/>
           </a:pPr>
           <a:r>
-            <a:rPr lang="hu-HU" sz="2400" kern="1200" dirty="0" err="1" smtClean="0"/>
+            <a:rPr lang="hu-HU" sz="2600" kern="1200" dirty="0" err="1"/>
             <a:t>Convenient</a:t>
           </a:r>
           <a:r>
-            <a:rPr lang="hu-HU" sz="2400" kern="1200" dirty="0" smtClean="0"/>
+            <a:rPr lang="hu-HU" sz="2600" kern="1200" dirty="0"/>
             <a:t> and </a:t>
           </a:r>
           <a:r>
-            <a:rPr lang="hu-HU" sz="2400" kern="1200" dirty="0" err="1" smtClean="0"/>
+            <a:rPr lang="hu-HU" sz="2600" kern="1200" dirty="0" err="1"/>
             <a:t>easy</a:t>
           </a:r>
           <a:r>
-            <a:rPr lang="hu-HU" sz="2400" kern="1200" dirty="0" smtClean="0"/>
+            <a:rPr lang="hu-HU" sz="2600" kern="1200" dirty="0"/>
             <a:t> </a:t>
           </a:r>
           <a:r>
-            <a:rPr lang="hu-HU" sz="2400" kern="1200" dirty="0" err="1" smtClean="0"/>
+            <a:rPr lang="hu-HU" sz="2600" kern="1200" dirty="0" err="1"/>
             <a:t>work</a:t>
           </a:r>
           <a:r>
-            <a:rPr lang="hu-HU" sz="2400" kern="1200" dirty="0" smtClean="0"/>
+            <a:rPr lang="hu-HU" sz="2600" kern="1200" dirty="0"/>
             <a:t> </a:t>
           </a:r>
           <a:r>
-            <a:rPr lang="hu-HU" sz="2400" kern="1200" dirty="0" err="1" smtClean="0"/>
+            <a:rPr lang="hu-HU" sz="2600" kern="1200" dirty="0" err="1"/>
             <a:t>environment</a:t>
           </a:r>
           <a:r>
-            <a:rPr lang="hu-HU" sz="2400" kern="1200" dirty="0" smtClean="0"/>
+            <a:rPr lang="hu-HU" sz="2600" kern="1200" dirty="0"/>
             <a:t> </a:t>
           </a:r>
           <a:r>
-            <a:rPr lang="hu-HU" sz="2400" kern="1200" dirty="0" err="1" smtClean="0"/>
+            <a:rPr lang="hu-HU" sz="2600" kern="1200" dirty="0" err="1"/>
             <a:t>for</a:t>
           </a:r>
           <a:r>
-            <a:rPr lang="hu-HU" sz="2400" kern="1200" dirty="0" smtClean="0"/>
+            <a:rPr lang="hu-HU" sz="2600" kern="1200" dirty="0"/>
             <a:t> </a:t>
           </a:r>
           <a:r>
-            <a:rPr lang="hu-HU" sz="2400" kern="1200" dirty="0" err="1" smtClean="0"/>
+            <a:rPr lang="hu-HU" sz="2600" kern="1200" dirty="0" err="1"/>
             <a:t>administrative</a:t>
           </a:r>
           <a:r>
-            <a:rPr lang="hu-HU" sz="2400" kern="1200" dirty="0" smtClean="0"/>
+            <a:rPr lang="hu-HU" sz="2600" kern="1200" dirty="0"/>
             <a:t> </a:t>
           </a:r>
           <a:r>
-            <a:rPr lang="hu-HU" sz="2400" kern="1200" dirty="0" err="1" smtClean="0"/>
+            <a:rPr lang="hu-HU" sz="2600" kern="1200" dirty="0" err="1"/>
             <a:t>staff</a:t>
           </a:r>
-          <a:endParaRPr lang="en-US" sz="2400" kern="1200" dirty="0"/>
+          <a:endParaRPr lang="en-US" sz="2600" kern="1200" dirty="0"/>
         </a:p>
       </dsp:txBody>
       <dsp:txXfrm>
@@ -6459,7 +6236,7 @@
         </a:bodyPr>
         <a:lstStyle/>
         <a:p>
-          <a:pPr lvl="0" algn="ctr" defTabSz="2133600">
+          <a:pPr marL="0" lvl="0" indent="0" algn="ctr" defTabSz="2133600">
             <a:lnSpc>
               <a:spcPct val="90000"/>
             </a:lnSpc>
@@ -6469,6 +6246,7 @@
             <a:spcAft>
               <a:spcPct val="35000"/>
             </a:spcAft>
+            <a:buNone/>
           </a:pPr>
           <a:r>
             <a:rPr lang="en-US" sz="4800" kern="1200" dirty="0"/>
@@ -6590,12 +6368,12 @@
         </a:fontRef>
       </dsp:style>
       <dsp:txBody>
-        <a:bodyPr spcFirstLastPara="0" vert="horz" wrap="square" lIns="68580" tIns="68580" rIns="68580" bIns="68580" numCol="1" spcCol="1270" anchor="ctr" anchorCtr="0">
+        <a:bodyPr spcFirstLastPara="0" vert="horz" wrap="square" lIns="64770" tIns="64770" rIns="64770" bIns="64770" numCol="1" spcCol="1270" anchor="ctr" anchorCtr="0">
           <a:noAutofit/>
         </a:bodyPr>
         <a:lstStyle/>
         <a:p>
-          <a:pPr lvl="0" algn="l" defTabSz="800100">
+          <a:pPr marL="0" lvl="0" indent="0" algn="l" defTabSz="755650">
             <a:lnSpc>
               <a:spcPct val="90000"/>
             </a:lnSpc>
@@ -6605,24 +6383,25 @@
             <a:spcAft>
               <a:spcPct val="35000"/>
             </a:spcAft>
+            <a:buNone/>
           </a:pPr>
           <a:r>
-            <a:rPr lang="hu-HU" sz="1800" kern="1200" dirty="0"/>
+            <a:rPr lang="hu-HU" sz="1700" kern="1200" dirty="0"/>
             <a:t>Server </a:t>
           </a:r>
           <a:r>
-            <a:rPr lang="hu-HU" sz="1800" kern="1200" dirty="0" err="1"/>
+            <a:rPr lang="hu-HU" sz="1700" kern="1200" dirty="0" err="1"/>
             <a:t>side</a:t>
           </a:r>
           <a:r>
-            <a:rPr lang="hu-HU" sz="1800" kern="1200" dirty="0"/>
+            <a:rPr lang="hu-HU" sz="1700" kern="1200" dirty="0"/>
             <a:t> </a:t>
           </a:r>
           <a:r>
-            <a:rPr lang="hu-HU" sz="1800" kern="1200" dirty="0" err="1"/>
+            <a:rPr lang="hu-HU" sz="1700" kern="1200" dirty="0" err="1"/>
             <a:t>connection</a:t>
           </a:r>
-          <a:endParaRPr lang="en-US" sz="1800" kern="1200" dirty="0"/>
+          <a:endParaRPr lang="en-US" sz="1700" kern="1200" dirty="0"/>
         </a:p>
       </dsp:txBody>
       <dsp:txXfrm>
@@ -6680,12 +6459,12 @@
         </a:fontRef>
       </dsp:style>
       <dsp:txBody>
-        <a:bodyPr spcFirstLastPara="0" vert="horz" wrap="square" lIns="68580" tIns="68580" rIns="68580" bIns="68580" numCol="1" spcCol="1270" anchor="ctr" anchorCtr="0">
+        <a:bodyPr spcFirstLastPara="0" vert="horz" wrap="square" lIns="64770" tIns="64770" rIns="64770" bIns="64770" numCol="1" spcCol="1270" anchor="ctr" anchorCtr="0">
           <a:noAutofit/>
         </a:bodyPr>
         <a:lstStyle/>
         <a:p>
-          <a:pPr lvl="0" algn="l" defTabSz="800100">
+          <a:pPr marL="0" lvl="0" indent="0" algn="l" defTabSz="755650">
             <a:lnSpc>
               <a:spcPct val="90000"/>
             </a:lnSpc>
@@ -6695,27 +6474,28 @@
             <a:spcAft>
               <a:spcPct val="35000"/>
             </a:spcAft>
+            <a:buNone/>
           </a:pPr>
           <a:r>
-            <a:rPr lang="hu-HU" sz="1800" kern="1200" dirty="0" err="1"/>
+            <a:rPr lang="hu-HU" sz="1700" kern="1200" dirty="0" err="1"/>
             <a:t>Communication</a:t>
           </a:r>
           <a:r>
-            <a:rPr lang="hu-HU" sz="1800" kern="1200" dirty="0"/>
+            <a:rPr lang="hu-HU" sz="1700" kern="1200" dirty="0"/>
             <a:t> </a:t>
           </a:r>
           <a:r>
-            <a:rPr lang="hu-HU" sz="1800" kern="1200" dirty="0" err="1"/>
+            <a:rPr lang="hu-HU" sz="1700" kern="1200" dirty="0" err="1"/>
             <a:t>between</a:t>
           </a:r>
           <a:r>
-            <a:rPr lang="hu-HU" sz="1800" kern="1200" dirty="0"/>
+            <a:rPr lang="hu-HU" sz="1700" kern="1200" dirty="0"/>
             <a:t> </a:t>
           </a:r>
-          <a:endParaRPr lang="en-US" sz="1800" kern="1200" dirty="0"/>
+          <a:endParaRPr lang="en-US" sz="1700" kern="1200" dirty="0"/>
         </a:p>
         <a:p>
-          <a:pPr marL="114300" lvl="1" indent="-114300" algn="l" defTabSz="622300">
+          <a:pPr marL="114300" lvl="1" indent="-114300" algn="l" defTabSz="577850">
             <a:lnSpc>
               <a:spcPct val="90000"/>
             </a:lnSpc>
@@ -6725,32 +6505,32 @@
             <a:spcAft>
               <a:spcPct val="15000"/>
             </a:spcAft>
-            <a:buChar char="••"/>
+            <a:buChar char="•"/>
           </a:pPr>
           <a:r>
-            <a:rPr lang="hu-HU" sz="1400" kern="1200" dirty="0" err="1"/>
+            <a:rPr lang="hu-HU" sz="1300" kern="1200" dirty="0" err="1"/>
             <a:t>the</a:t>
           </a:r>
           <a:r>
-            <a:rPr lang="hu-HU" sz="1400" kern="1200" dirty="0"/>
+            <a:rPr lang="hu-HU" sz="1300" kern="1200" dirty="0"/>
             <a:t> server and </a:t>
           </a:r>
           <a:r>
-            <a:rPr lang="hu-HU" sz="1400" kern="1200" dirty="0" err="1"/>
+            <a:rPr lang="hu-HU" sz="1300" kern="1200" dirty="0" err="1"/>
             <a:t>the</a:t>
           </a:r>
           <a:r>
-            <a:rPr lang="hu-HU" sz="1400" kern="1200" dirty="0"/>
+            <a:rPr lang="hu-HU" sz="1300" kern="1200" dirty="0"/>
             <a:t> </a:t>
           </a:r>
           <a:r>
-            <a:rPr lang="hu-HU" sz="1400" kern="1200" dirty="0" err="1"/>
+            <a:rPr lang="hu-HU" sz="1300" kern="1200" dirty="0" err="1"/>
             <a:t>database</a:t>
           </a:r>
-          <a:endParaRPr lang="en-US" sz="1400" kern="1200" dirty="0"/>
+          <a:endParaRPr lang="en-US" sz="1300" kern="1200" dirty="0"/>
         </a:p>
         <a:p>
-          <a:pPr marL="114300" lvl="1" indent="-114300" algn="l" defTabSz="622300">
+          <a:pPr marL="114300" lvl="1" indent="-114300" algn="l" defTabSz="577850">
             <a:lnSpc>
               <a:spcPct val="90000"/>
             </a:lnSpc>
@@ -6760,32 +6540,32 @@
             <a:spcAft>
               <a:spcPct val="15000"/>
             </a:spcAft>
-            <a:buChar char="••"/>
+            <a:buChar char="•"/>
           </a:pPr>
           <a:r>
-            <a:rPr lang="hu-HU" sz="1400" kern="1200" dirty="0" err="1"/>
+            <a:rPr lang="hu-HU" sz="1300" kern="1200" dirty="0" err="1"/>
             <a:t>the</a:t>
           </a:r>
           <a:r>
-            <a:rPr lang="hu-HU" sz="1400" kern="1200" dirty="0"/>
+            <a:rPr lang="hu-HU" sz="1300" kern="1200" dirty="0"/>
             <a:t> server and </a:t>
           </a:r>
           <a:r>
-            <a:rPr lang="hu-HU" sz="1400" kern="1200" dirty="0" err="1"/>
+            <a:rPr lang="hu-HU" sz="1300" kern="1200" dirty="0" err="1"/>
             <a:t>the</a:t>
           </a:r>
           <a:r>
-            <a:rPr lang="hu-HU" sz="1400" kern="1200" dirty="0"/>
+            <a:rPr lang="hu-HU" sz="1300" kern="1200" dirty="0"/>
             <a:t> </a:t>
           </a:r>
           <a:r>
-            <a:rPr lang="hu-HU" sz="1400" kern="1200" dirty="0" err="1"/>
+            <a:rPr lang="hu-HU" sz="1300" kern="1200" dirty="0" err="1"/>
             <a:t>website</a:t>
           </a:r>
-          <a:endParaRPr lang="en-US" sz="1400" kern="1200" dirty="0"/>
+          <a:endParaRPr lang="en-US" sz="1300" kern="1200" dirty="0"/>
         </a:p>
         <a:p>
-          <a:pPr marL="114300" lvl="1" indent="-114300" algn="l" defTabSz="622300">
+          <a:pPr marL="114300" lvl="1" indent="-114300" algn="l" defTabSz="577850">
             <a:lnSpc>
               <a:spcPct val="90000"/>
             </a:lnSpc>
@@ -6795,33 +6575,33 @@
             <a:spcAft>
               <a:spcPct val="15000"/>
             </a:spcAft>
-            <a:buChar char="••"/>
+            <a:buChar char="•"/>
           </a:pPr>
           <a:r>
-            <a:rPr lang="hu-HU" sz="1400" kern="1200" dirty="0" smtClean="0"/>
+            <a:rPr lang="hu-HU" sz="1300" kern="1200" dirty="0"/>
             <a:t>The server and </a:t>
           </a:r>
           <a:r>
-            <a:rPr lang="hu-HU" sz="1400" kern="1200" dirty="0" err="1" smtClean="0"/>
+            <a:rPr lang="hu-HU" sz="1300" kern="1200" dirty="0" err="1"/>
             <a:t>the</a:t>
           </a:r>
           <a:r>
-            <a:rPr lang="hu-HU" sz="1400" kern="1200" dirty="0" smtClean="0"/>
+            <a:rPr lang="hu-HU" sz="1300" kern="1200" dirty="0"/>
             <a:t> </a:t>
           </a:r>
           <a:r>
-            <a:rPr lang="hu-HU" sz="1400" kern="1200" dirty="0" err="1" smtClean="0"/>
+            <a:rPr lang="hu-HU" sz="1300" kern="1200" dirty="0" err="1"/>
             <a:t>winform</a:t>
           </a:r>
           <a:r>
-            <a:rPr lang="hu-HU" sz="1400" kern="1200" dirty="0" smtClean="0"/>
+            <a:rPr lang="hu-HU" sz="1300" kern="1200" dirty="0"/>
             <a:t> </a:t>
           </a:r>
           <a:r>
-            <a:rPr lang="hu-HU" sz="1400" kern="1200" dirty="0" err="1" smtClean="0"/>
+            <a:rPr lang="hu-HU" sz="1300" kern="1200" dirty="0" err="1"/>
             <a:t>app</a:t>
           </a:r>
-          <a:endParaRPr lang="en-US" sz="1400" kern="1200" dirty="0"/>
+          <a:endParaRPr lang="en-US" sz="1300" kern="1200" dirty="0"/>
         </a:p>
       </dsp:txBody>
       <dsp:txXfrm>
@@ -6878,12 +6658,12 @@
         </a:fontRef>
       </dsp:style>
       <dsp:txBody>
-        <a:bodyPr spcFirstLastPara="0" vert="horz" wrap="square" lIns="68580" tIns="68580" rIns="68580" bIns="68580" numCol="1" spcCol="1270" anchor="ctr" anchorCtr="0">
+        <a:bodyPr spcFirstLastPara="0" vert="horz" wrap="square" lIns="64770" tIns="64770" rIns="64770" bIns="64770" numCol="1" spcCol="1270" anchor="ctr" anchorCtr="0">
           <a:noAutofit/>
         </a:bodyPr>
         <a:lstStyle/>
         <a:p>
-          <a:pPr lvl="0" algn="l" defTabSz="800100">
+          <a:pPr marL="0" lvl="0" indent="0" algn="l" defTabSz="755650">
             <a:lnSpc>
               <a:spcPct val="90000"/>
             </a:lnSpc>
@@ -6893,20 +6673,21 @@
             <a:spcAft>
               <a:spcPct val="35000"/>
             </a:spcAft>
+            <a:buNone/>
           </a:pPr>
           <a:r>
-            <a:rPr lang="hu-HU" sz="1800" kern="1200" dirty="0" err="1"/>
+            <a:rPr lang="hu-HU" sz="1700" kern="1200" dirty="0" err="1"/>
             <a:t>Creating</a:t>
           </a:r>
           <a:r>
-            <a:rPr lang="hu-HU" sz="1800" kern="1200" dirty="0"/>
+            <a:rPr lang="hu-HU" sz="1700" kern="1200" dirty="0"/>
             <a:t> REST </a:t>
           </a:r>
           <a:r>
-            <a:rPr lang="hu-HU" sz="1800" kern="1200" dirty="0" err="1"/>
+            <a:rPr lang="hu-HU" sz="1700" kern="1200" dirty="0" err="1"/>
             <a:t>APIs</a:t>
           </a:r>
-          <a:endParaRPr lang="en-US" sz="1800" kern="1200" dirty="0"/>
+          <a:endParaRPr lang="en-US" sz="1700" kern="1200" dirty="0"/>
         </a:p>
       </dsp:txBody>
       <dsp:txXfrm>
@@ -6964,12 +6745,12 @@
         <a:fontRef idx="minor"/>
       </dsp:style>
       <dsp:txBody>
-        <a:bodyPr spcFirstLastPara="0" vert="horz" wrap="square" lIns="45720" tIns="45720" rIns="45720" bIns="45720" numCol="1" spcCol="1270" anchor="ctr" anchorCtr="0">
+        <a:bodyPr spcFirstLastPara="0" vert="horz" wrap="square" lIns="43180" tIns="43180" rIns="43180" bIns="43180" numCol="1" spcCol="1270" anchor="ctr" anchorCtr="0">
           <a:noAutofit/>
         </a:bodyPr>
         <a:lstStyle/>
         <a:p>
-          <a:pPr lvl="0" algn="ctr" defTabSz="1600200">
+          <a:pPr marL="0" lvl="0" indent="0" algn="ctr" defTabSz="1511300">
             <a:lnSpc>
               <a:spcPct val="90000"/>
             </a:lnSpc>
@@ -6979,8 +6760,9 @@
             <a:spcAft>
               <a:spcPct val="35000"/>
             </a:spcAft>
+            <a:buNone/>
           </a:pPr>
-          <a:endParaRPr lang="en-US" sz="3600" kern="1200"/>
+          <a:endParaRPr lang="en-US" sz="3400" kern="1200"/>
         </a:p>
       </dsp:txBody>
       <dsp:txXfrm>
@@ -7038,12 +6820,12 @@
         <a:fontRef idx="minor"/>
       </dsp:style>
       <dsp:txBody>
-        <a:bodyPr spcFirstLastPara="0" vert="horz" wrap="square" lIns="45720" tIns="45720" rIns="45720" bIns="45720" numCol="1" spcCol="1270" anchor="ctr" anchorCtr="0">
+        <a:bodyPr spcFirstLastPara="0" vert="horz" wrap="square" lIns="43180" tIns="43180" rIns="43180" bIns="43180" numCol="1" spcCol="1270" anchor="ctr" anchorCtr="0">
           <a:noAutofit/>
         </a:bodyPr>
         <a:lstStyle/>
         <a:p>
-          <a:pPr lvl="0" algn="ctr" defTabSz="1600200">
+          <a:pPr marL="0" lvl="0" indent="0" algn="ctr" defTabSz="1511300">
             <a:lnSpc>
               <a:spcPct val="90000"/>
             </a:lnSpc>
@@ -7053,8 +6835,9 @@
             <a:spcAft>
               <a:spcPct val="35000"/>
             </a:spcAft>
+            <a:buNone/>
           </a:pPr>
-          <a:endParaRPr lang="en-US" sz="3600" kern="1200"/>
+          <a:endParaRPr lang="en-US" sz="3400" kern="1200"/>
         </a:p>
       </dsp:txBody>
       <dsp:txXfrm>
@@ -7119,7 +6902,7 @@
         </a:bodyPr>
         <a:lstStyle/>
         <a:p>
-          <a:pPr lvl="0" algn="l" defTabSz="1111250">
+          <a:pPr marL="0" lvl="0" indent="0" algn="l" defTabSz="1155700">
             <a:lnSpc>
               <a:spcPct val="90000"/>
             </a:lnSpc>
@@ -7129,12 +6912,13 @@
             <a:spcAft>
               <a:spcPct val="35000"/>
             </a:spcAft>
+            <a:buNone/>
           </a:pPr>
           <a:r>
-            <a:rPr lang="hu-HU" sz="2500" kern="1200"/>
+            <a:rPr lang="hu-HU" sz="2600" kern="1200"/>
             <a:t>Making the design</a:t>
           </a:r>
-          <a:endParaRPr lang="en-US" sz="2500" kern="1200"/>
+          <a:endParaRPr lang="en-US" sz="2600" kern="1200"/>
         </a:p>
         <a:p>
           <a:pPr marL="228600" lvl="1" indent="-228600" algn="l" defTabSz="889000">
@@ -7147,7 +6931,7 @@
             <a:spcAft>
               <a:spcPct val="15000"/>
             </a:spcAft>
-            <a:buChar char="••"/>
+            <a:buChar char="•"/>
           </a:pPr>
           <a:r>
             <a:rPr lang="hu-HU" sz="2000" kern="1200"/>
@@ -7166,30 +6950,30 @@
             <a:spcAft>
               <a:spcPct val="15000"/>
             </a:spcAft>
-            <a:buChar char="••"/>
+            <a:buChar char="•"/>
           </a:pPr>
           <a:r>
-            <a:rPr lang="hu-HU" sz="2000" kern="1200" dirty="0" smtClean="0"/>
+            <a:rPr lang="hu-HU" sz="2000" kern="1200" dirty="0"/>
             <a:t>Good </a:t>
           </a:r>
           <a:r>
-            <a:rPr lang="hu-HU" sz="2000" kern="1200" dirty="0" err="1" smtClean="0"/>
+            <a:rPr lang="hu-HU" sz="2000" kern="1200" dirty="0" err="1"/>
             <a:t>with</a:t>
           </a:r>
           <a:r>
-            <a:rPr lang="hu-HU" sz="2000" kern="1200" dirty="0" smtClean="0"/>
+            <a:rPr lang="hu-HU" sz="2000" kern="1200" dirty="0"/>
             <a:t> </a:t>
           </a:r>
           <a:r>
-            <a:rPr lang="hu-HU" sz="2000" kern="1200" dirty="0" err="1" smtClean="0"/>
+            <a:rPr lang="hu-HU" sz="2000" kern="1200" dirty="0" err="1"/>
             <a:t>our</a:t>
           </a:r>
           <a:r>
-            <a:rPr lang="hu-HU" sz="2000" kern="1200" dirty="0" smtClean="0"/>
+            <a:rPr lang="hu-HU" sz="2000" kern="1200" dirty="0"/>
             <a:t> </a:t>
           </a:r>
           <a:r>
-            <a:rPr lang="hu-HU" sz="2000" kern="1200" dirty="0" err="1" smtClean="0"/>
+            <a:rPr lang="hu-HU" sz="2000" kern="1200" dirty="0" err="1"/>
             <a:t>backend</a:t>
           </a:r>
           <a:endParaRPr lang="en-US" sz="2000" kern="1200" dirty="0"/>
@@ -7242,7 +7026,7 @@
         </a:bodyPr>
         <a:lstStyle/>
         <a:p>
-          <a:pPr lvl="0" algn="l" defTabSz="2933700">
+          <a:pPr marL="0" lvl="0" indent="0" algn="l" defTabSz="2933700">
             <a:lnSpc>
               <a:spcPct val="90000"/>
             </a:lnSpc>
@@ -7252,6 +7036,7 @@
             <a:spcAft>
               <a:spcPct val="35000"/>
             </a:spcAft>
+            <a:buNone/>
           </a:pPr>
           <a:r>
             <a:rPr lang="en-US" sz="6600" kern="1200"/>
@@ -7315,7 +7100,7 @@
         </a:bodyPr>
         <a:lstStyle/>
         <a:p>
-          <a:pPr lvl="0" algn="l" defTabSz="1111250">
+          <a:pPr marL="0" lvl="0" indent="0" algn="l" defTabSz="1155700">
             <a:lnSpc>
               <a:spcPct val="90000"/>
             </a:lnSpc>
@@ -7325,104 +7110,105 @@
             <a:spcAft>
               <a:spcPct val="35000"/>
             </a:spcAft>
+            <a:buNone/>
           </a:pPr>
           <a:r>
-            <a:rPr lang="hu-HU" sz="2500" kern="1200" dirty="0" smtClean="0"/>
+            <a:rPr lang="hu-HU" sz="2600" kern="1200" dirty="0"/>
             <a:t>Designing </a:t>
           </a:r>
           <a:r>
-            <a:rPr lang="hu-HU" sz="2500" kern="1200" dirty="0" err="1" smtClean="0"/>
+            <a:rPr lang="hu-HU" sz="2600" kern="1200" dirty="0" err="1"/>
             <a:t>it</a:t>
           </a:r>
           <a:r>
-            <a:rPr lang="hu-HU" sz="2500" kern="1200" dirty="0" smtClean="0"/>
+            <a:rPr lang="hu-HU" sz="2600" kern="1200" dirty="0"/>
             <a:t> </a:t>
           </a:r>
           <a:r>
-            <a:rPr lang="hu-HU" sz="2500" kern="1200" dirty="0" err="1" smtClean="0"/>
+            <a:rPr lang="hu-HU" sz="2600" kern="1200" dirty="0" err="1"/>
             <a:t>so</a:t>
           </a:r>
           <a:r>
-            <a:rPr lang="hu-HU" sz="2500" kern="1200" dirty="0" smtClean="0"/>
+            <a:rPr lang="hu-HU" sz="2600" kern="1200" dirty="0"/>
             <a:t> </a:t>
           </a:r>
           <a:r>
-            <a:rPr lang="hu-HU" sz="2500" kern="1200" dirty="0" err="1" smtClean="0"/>
+            <a:rPr lang="hu-HU" sz="2600" kern="1200" dirty="0" err="1"/>
             <a:t>it</a:t>
           </a:r>
           <a:r>
-            <a:rPr lang="hu-HU" sz="2500" kern="1200" dirty="0" smtClean="0"/>
+            <a:rPr lang="hu-HU" sz="2600" kern="1200" dirty="0"/>
             <a:t> is </a:t>
           </a:r>
           <a:r>
-            <a:rPr lang="hu-HU" sz="2500" kern="1200" dirty="0" err="1" smtClean="0"/>
+            <a:rPr lang="hu-HU" sz="2600" kern="1200" dirty="0" err="1"/>
             <a:t>nice</a:t>
           </a:r>
           <a:r>
-            <a:rPr lang="hu-HU" sz="2500" kern="1200" dirty="0" smtClean="0"/>
+            <a:rPr lang="hu-HU" sz="2600" kern="1200" dirty="0"/>
             <a:t> </a:t>
           </a:r>
           <a:r>
-            <a:rPr lang="hu-HU" sz="2500" kern="1200" dirty="0" err="1" smtClean="0"/>
+            <a:rPr lang="hu-HU" sz="2600" kern="1200" dirty="0" err="1"/>
             <a:t>to</a:t>
           </a:r>
           <a:r>
-            <a:rPr lang="hu-HU" sz="2500" kern="1200" dirty="0" smtClean="0"/>
+            <a:rPr lang="hu-HU" sz="2600" kern="1200" dirty="0"/>
             <a:t> </a:t>
           </a:r>
           <a:r>
-            <a:rPr lang="hu-HU" sz="2500" kern="1200" dirty="0" err="1" smtClean="0"/>
+            <a:rPr lang="hu-HU" sz="2600" kern="1200" dirty="0" err="1"/>
             <a:t>look</a:t>
           </a:r>
           <a:r>
-            <a:rPr lang="hu-HU" sz="2500" kern="1200" dirty="0" smtClean="0"/>
+            <a:rPr lang="hu-HU" sz="2600" kern="1200" dirty="0"/>
             <a:t> </a:t>
           </a:r>
           <a:r>
-            <a:rPr lang="hu-HU" sz="2500" kern="1200" dirty="0" err="1" smtClean="0"/>
+            <a:rPr lang="hu-HU" sz="2600" kern="1200" dirty="0" err="1"/>
             <a:t>at</a:t>
           </a:r>
           <a:r>
-            <a:rPr lang="hu-HU" sz="2500" kern="1200" dirty="0" smtClean="0"/>
+            <a:rPr lang="hu-HU" sz="2600" kern="1200" dirty="0"/>
             <a:t> and </a:t>
           </a:r>
           <a:r>
-            <a:rPr lang="hu-HU" sz="2500" kern="1200" dirty="0" err="1" smtClean="0"/>
+            <a:rPr lang="hu-HU" sz="2600" kern="1200" dirty="0" err="1"/>
             <a:t>just</a:t>
           </a:r>
           <a:r>
-            <a:rPr lang="hu-HU" sz="2500" kern="1200" dirty="0" smtClean="0"/>
+            <a:rPr lang="hu-HU" sz="2600" kern="1200" dirty="0"/>
             <a:t> </a:t>
           </a:r>
           <a:r>
-            <a:rPr lang="hu-HU" sz="2500" kern="1200" dirty="0" err="1" smtClean="0"/>
+            <a:rPr lang="hu-HU" sz="2600" kern="1200" dirty="0" err="1"/>
             <a:t>as</a:t>
           </a:r>
           <a:r>
-            <a:rPr lang="hu-HU" sz="2500" kern="1200" dirty="0" smtClean="0"/>
+            <a:rPr lang="hu-HU" sz="2600" kern="1200" dirty="0"/>
             <a:t> </a:t>
           </a:r>
           <a:r>
-            <a:rPr lang="hu-HU" sz="2500" kern="1200" dirty="0" err="1" smtClean="0"/>
+            <a:rPr lang="hu-HU" sz="2600" kern="1200" dirty="0" err="1"/>
             <a:t>easy</a:t>
           </a:r>
           <a:r>
-            <a:rPr lang="hu-HU" sz="2500" kern="1200" dirty="0" smtClean="0"/>
+            <a:rPr lang="hu-HU" sz="2600" kern="1200" dirty="0"/>
             <a:t> </a:t>
           </a:r>
           <a:r>
-            <a:rPr lang="hu-HU" sz="2500" kern="1200" dirty="0" err="1" smtClean="0"/>
+            <a:rPr lang="hu-HU" sz="2600" kern="1200" dirty="0" err="1"/>
             <a:t>to</a:t>
           </a:r>
           <a:r>
-            <a:rPr lang="hu-HU" sz="2500" kern="1200" dirty="0" smtClean="0"/>
+            <a:rPr lang="hu-HU" sz="2600" kern="1200" dirty="0"/>
             <a:t> </a:t>
           </a:r>
           <a:r>
-            <a:rPr lang="hu-HU" sz="2500" kern="1200" dirty="0" err="1" smtClean="0"/>
+            <a:rPr lang="hu-HU" sz="2600" kern="1200" dirty="0" err="1"/>
             <a:t>use</a:t>
           </a:r>
-          <a:endParaRPr lang="en-US" sz="2500" kern="1200" dirty="0"/>
+          <a:endParaRPr lang="en-US" sz="2600" kern="1200" dirty="0"/>
         </a:p>
       </dsp:txBody>
       <dsp:txXfrm>
@@ -7472,7 +7258,7 @@
         </a:bodyPr>
         <a:lstStyle/>
         <a:p>
-          <a:pPr lvl="0" algn="l" defTabSz="2933700">
+          <a:pPr marL="0" lvl="0" indent="0" algn="l" defTabSz="2933700">
             <a:lnSpc>
               <a:spcPct val="90000"/>
             </a:lnSpc>
@@ -7482,6 +7268,7 @@
             <a:spcAft>
               <a:spcPct val="35000"/>
             </a:spcAft>
+            <a:buNone/>
           </a:pPr>
           <a:r>
             <a:rPr lang="en-US" sz="6600" kern="1200"/>
@@ -7543,7 +7330,7 @@
         </a:bodyPr>
         <a:lstStyle/>
         <a:p>
-          <a:pPr lvl="0" algn="l" defTabSz="1111250">
+          <a:pPr marL="0" lvl="0" indent="0" algn="l" defTabSz="1155700">
             <a:lnSpc>
               <a:spcPct val="90000"/>
             </a:lnSpc>
@@ -7553,60 +7340,61 @@
             <a:spcAft>
               <a:spcPct val="35000"/>
             </a:spcAft>
+            <a:buNone/>
           </a:pPr>
           <a:r>
-            <a:rPr lang="hu-HU" sz="2500" kern="1200" dirty="0" err="1" smtClean="0"/>
+            <a:rPr lang="hu-HU" sz="2600" kern="1200" dirty="0" err="1"/>
             <a:t>Using</a:t>
           </a:r>
           <a:r>
-            <a:rPr lang="hu-HU" sz="2500" kern="1200" dirty="0" smtClean="0"/>
+            <a:rPr lang="hu-HU" sz="2600" kern="1200" dirty="0"/>
             <a:t> </a:t>
           </a:r>
           <a:r>
-            <a:rPr lang="hu-HU" sz="2500" kern="1200" dirty="0" err="1" smtClean="0"/>
+            <a:rPr lang="hu-HU" sz="2600" kern="1200" dirty="0" err="1"/>
             <a:t>the</a:t>
           </a:r>
           <a:r>
-            <a:rPr lang="hu-HU" sz="2500" kern="1200" dirty="0" smtClean="0"/>
+            <a:rPr lang="hu-HU" sz="2600" kern="1200" dirty="0"/>
             <a:t> </a:t>
           </a:r>
           <a:r>
-            <a:rPr lang="hu-HU" sz="2500" kern="1200" dirty="0" err="1" smtClean="0"/>
+            <a:rPr lang="hu-HU" sz="2600" kern="1200" dirty="0" err="1"/>
             <a:t>latest</a:t>
           </a:r>
           <a:r>
-            <a:rPr lang="hu-HU" sz="2500" kern="1200" dirty="0" smtClean="0"/>
+            <a:rPr lang="hu-HU" sz="2600" kern="1200" dirty="0"/>
             <a:t> and most modern version of </a:t>
           </a:r>
           <a:r>
-            <a:rPr lang="hu-HU" sz="2500" kern="1200" dirty="0" err="1" smtClean="0"/>
+            <a:rPr lang="hu-HU" sz="2600" kern="1200" dirty="0" err="1"/>
             <a:t>react.js</a:t>
           </a:r>
           <a:r>
-            <a:rPr lang="hu-HU" sz="2500" kern="1200" dirty="0" smtClean="0"/>
+            <a:rPr lang="hu-HU" sz="2600" kern="1200" dirty="0"/>
             <a:t> </a:t>
           </a:r>
           <a:r>
-            <a:rPr lang="hu-HU" sz="2500" kern="1200" dirty="0" err="1" smtClean="0"/>
+            <a:rPr lang="hu-HU" sz="2600" kern="1200" dirty="0" err="1"/>
             <a:t>so</a:t>
           </a:r>
           <a:r>
-            <a:rPr lang="hu-HU" sz="2500" kern="1200" dirty="0" smtClean="0"/>
+            <a:rPr lang="hu-HU" sz="2600" kern="1200" dirty="0"/>
             <a:t> </a:t>
           </a:r>
           <a:r>
-            <a:rPr lang="hu-HU" sz="2500" kern="1200" dirty="0" err="1" smtClean="0"/>
+            <a:rPr lang="hu-HU" sz="2600" kern="1200" dirty="0" err="1"/>
             <a:t>its</a:t>
           </a:r>
           <a:r>
-            <a:rPr lang="hu-HU" sz="2500" kern="1200" dirty="0" smtClean="0"/>
+            <a:rPr lang="hu-HU" sz="2600" kern="1200" dirty="0"/>
             <a:t> </a:t>
           </a:r>
           <a:r>
-            <a:rPr lang="hu-HU" sz="2500" kern="1200" dirty="0" err="1" smtClean="0"/>
+            <a:rPr lang="hu-HU" sz="2600" kern="1200" dirty="0" err="1"/>
             <a:t>convenient</a:t>
           </a:r>
-          <a:endParaRPr lang="en-US" sz="2500" kern="1200" dirty="0"/>
+          <a:endParaRPr lang="en-US" sz="2600" kern="1200" dirty="0"/>
         </a:p>
       </dsp:txBody>
       <dsp:txXfrm>
@@ -7656,7 +7444,7 @@
         </a:bodyPr>
         <a:lstStyle/>
         <a:p>
-          <a:pPr lvl="0" algn="l" defTabSz="2933700">
+          <a:pPr marL="0" lvl="0" indent="0" algn="l" defTabSz="2933700">
             <a:lnSpc>
               <a:spcPct val="90000"/>
             </a:lnSpc>
@@ -7666,6 +7454,7 @@
             <a:spcAft>
               <a:spcPct val="35000"/>
             </a:spcAft>
+            <a:buNone/>
           </a:pPr>
           <a:r>
             <a:rPr lang="en-US" sz="6600" kern="1200"/>
@@ -7697,8 +7486,8 @@
       </dsp:nvSpPr>
       <dsp:spPr>
         <a:xfrm>
-          <a:off x="0" y="3281"/>
-          <a:ext cx="9747315" cy="588880"/>
+          <a:off x="0" y="1125"/>
+          <a:ext cx="9747315" cy="659381"/>
         </a:xfrm>
         <a:prstGeom prst="roundRect">
           <a:avLst/>
@@ -7740,7 +7529,7 @@
         </a:bodyPr>
         <a:lstStyle/>
         <a:p>
-          <a:pPr lvl="0" algn="l" defTabSz="1244600">
+          <a:pPr marL="0" lvl="0" indent="0" algn="l" defTabSz="1244600">
             <a:lnSpc>
               <a:spcPct val="90000"/>
             </a:lnSpc>
@@ -7750,22 +7539,19 @@
             <a:spcAft>
               <a:spcPct val="35000"/>
             </a:spcAft>
+            <a:buNone/>
           </a:pPr>
           <a:r>
-            <a:rPr lang="hu-HU" sz="2800" kern="1200" dirty="0" smtClean="0"/>
+            <a:rPr lang="hu-HU" sz="2800" kern="1200" dirty="0"/>
             <a:t>Frontend </a:t>
           </a:r>
           <a:r>
-            <a:rPr lang="hu-HU" sz="2800" kern="1200" dirty="0" err="1" smtClean="0"/>
+            <a:rPr lang="hu-HU" sz="2800" kern="1200" dirty="0" err="1"/>
             <a:t>work</a:t>
           </a:r>
           <a:r>
-            <a:rPr lang="hu-HU" sz="2800" kern="1200" dirty="0" smtClean="0"/>
-            <a:t> </a:t>
-          </a:r>
-          <a:r>
             <a:rPr lang="hu-HU" sz="2800" kern="1200" dirty="0"/>
-            <a:t>(main </a:t>
+            <a:t> (main </a:t>
           </a:r>
           <a:r>
             <a:rPr lang="hu-HU" sz="2800" kern="1200" dirty="0" err="1"/>
@@ -7779,8 +7565,8 @@
         </a:p>
       </dsp:txBody>
       <dsp:txXfrm>
-        <a:off x="28747" y="32028"/>
-        <a:ext cx="9689821" cy="531386"/>
+        <a:off x="32188" y="33313"/>
+        <a:ext cx="9682939" cy="595005"/>
       </dsp:txXfrm>
     </dsp:sp>
     <dsp:sp modelId="{546141B7-47AD-46A1-8485-946D89CD90D3}">
@@ -7790,8 +7576,8 @@
       </dsp:nvSpPr>
       <dsp:spPr>
         <a:xfrm>
-          <a:off x="0" y="592161"/>
-          <a:ext cx="9747315" cy="3005595"/>
+          <a:off x="0" y="660507"/>
+          <a:ext cx="9747315" cy="2939406"/>
         </a:xfrm>
         <a:prstGeom prst="rect">
           <a:avLst/>
@@ -7830,7 +7616,7 @@
             <a:spcAft>
               <a:spcPct val="20000"/>
             </a:spcAft>
-            <a:buChar char="••"/>
+            <a:buChar char="•"/>
           </a:pPr>
           <a:r>
             <a:rPr lang="hu-HU" sz="2400" kern="1200" dirty="0" err="1"/>
@@ -7871,7 +7657,7 @@
             <a:spcAft>
               <a:spcPct val="20000"/>
             </a:spcAft>
-            <a:buChar char="••"/>
+            <a:buChar char="•"/>
           </a:pPr>
           <a:r>
             <a:rPr lang="hu-HU" sz="2400" kern="1200" dirty="0"/>
@@ -7928,7 +7714,7 @@
             <a:spcAft>
               <a:spcPct val="20000"/>
             </a:spcAft>
-            <a:buChar char="••"/>
+            <a:buChar char="•"/>
           </a:pPr>
           <a:r>
             <a:rPr lang="hu-HU" sz="2400" kern="1200" dirty="0" err="1"/>
@@ -7981,7 +7767,7 @@
             <a:spcAft>
               <a:spcPct val="20000"/>
             </a:spcAft>
-            <a:buChar char="••"/>
+            <a:buChar char="•"/>
           </a:pPr>
           <a:r>
             <a:rPr lang="hu-HU" sz="2400" kern="1200"/>
@@ -8010,7 +7796,7 @@
             <a:spcAft>
               <a:spcPct val="20000"/>
             </a:spcAft>
-            <a:buChar char="••"/>
+            <a:buChar char="•"/>
           </a:pPr>
           <a:r>
             <a:rPr lang="hu-HU" sz="2400" kern="1200" dirty="0" err="1"/>
@@ -8071,7 +7857,7 @@
             <a:spcAft>
               <a:spcPct val="20000"/>
             </a:spcAft>
-            <a:buChar char="••"/>
+            <a:buChar char="•"/>
           </a:pPr>
           <a:r>
             <a:rPr lang="hu-HU" sz="2400" kern="1200" dirty="0" err="1"/>
@@ -8140,7 +7926,7 @@
             <a:spcAft>
               <a:spcPct val="20000"/>
             </a:spcAft>
-            <a:buChar char="••"/>
+            <a:buChar char="•"/>
           </a:pPr>
           <a:r>
             <a:rPr lang="hu-HU" sz="2400" kern="1200" dirty="0"/>
@@ -8184,8 +7970,8 @@
         </a:p>
       </dsp:txBody>
       <dsp:txXfrm>
-        <a:off x="0" y="592161"/>
-        <a:ext cx="9747315" cy="3005595"/>
+        <a:off x="0" y="660507"/>
+        <a:ext cx="9747315" cy="2939406"/>
       </dsp:txXfrm>
     </dsp:sp>
   </dsp:spTree>
@@ -8457,7 +8243,7 @@
   </dgm:layoutNode>
   <dgm:extLst>
     <a:ext uri="{4F341089-5ED1-44EC-B178-C955D00A3D55}">
-      <dgm1611:autoBuNodeInfoLst xmlns:dgm1611="http://schemas.microsoft.com/office/drawing/2016/11/diagram" xmlns="">
+      <dgm1611:autoBuNodeInfoLst xmlns:dgm1611="http://schemas.microsoft.com/office/drawing/2016/11/diagram">
         <dgm1611:autoBuNodeInfo lvl="1" ptType="sibTrans">
           <dgm1611:buPr prefix="" leadZeros="0">
             <a:buAutoNum type="arabicParenBoth"/>
@@ -9949,7 +9735,7 @@
   </dgm:layoutNode>
   <dgm:extLst>
     <a:ext uri="{4F341089-5ED1-44EC-B178-C955D00A3D55}">
-      <dgm1611:autoBuNodeInfoLst xmlns:dgm1611="http://schemas.microsoft.com/office/drawing/2016/11/diagram" xmlns="">
+      <dgm1611:autoBuNodeInfoLst xmlns:dgm1611="http://schemas.microsoft.com/office/drawing/2016/11/diagram">
         <dgm1611:autoBuNodeInfo lvl="1" ptType="sibTrans">
           <dgm1611:buPr prefix="" leadZeros="1">
             <a:buAutoNum type="arabicParenBoth"/>
@@ -14286,7 +14072,7 @@
           <p:cNvPr id="2" name="Cím 1">
             <a:extLst>
               <a:ext uri="{FF2B5EF4-FFF2-40B4-BE49-F238E27FC236}">
-                <a16:creationId xmlns:a16="http://schemas.microsoft.com/office/drawing/2014/main" xmlns="" id="{5D86ECBD-5C0A-F66E-4CAA-869621B93977}"/>
+                <a16:creationId xmlns:a16="http://schemas.microsoft.com/office/drawing/2014/main" id="{5D86ECBD-5C0A-F66E-4CAA-869621B93977}"/>
               </a:ext>
             </a:extLst>
           </p:cNvPr>
@@ -14323,7 +14109,7 @@
           <p:cNvPr id="3" name="Alcím 2">
             <a:extLst>
               <a:ext uri="{FF2B5EF4-FFF2-40B4-BE49-F238E27FC236}">
-                <a16:creationId xmlns:a16="http://schemas.microsoft.com/office/drawing/2014/main" xmlns="" id="{37F07D6B-CB89-ED14-A33E-9232FBC239D8}"/>
+                <a16:creationId xmlns:a16="http://schemas.microsoft.com/office/drawing/2014/main" id="{37F07D6B-CB89-ED14-A33E-9232FBC239D8}"/>
               </a:ext>
             </a:extLst>
           </p:cNvPr>
@@ -14393,7 +14179,7 @@
           <p:cNvPr id="4" name="Dátum helye 3">
             <a:extLst>
               <a:ext uri="{FF2B5EF4-FFF2-40B4-BE49-F238E27FC236}">
-                <a16:creationId xmlns:a16="http://schemas.microsoft.com/office/drawing/2014/main" xmlns="" id="{4C99000C-A78B-99D7-7850-D106E3EA3192}"/>
+                <a16:creationId xmlns:a16="http://schemas.microsoft.com/office/drawing/2014/main" id="{4C99000C-A78B-99D7-7850-D106E3EA3192}"/>
               </a:ext>
             </a:extLst>
           </p:cNvPr>
@@ -14411,7 +14197,7 @@
           <a:p>
             <a:fld id="{DBB178B1-4757-491B-9DC4-FF9520D2B784}" type="datetimeFigureOut">
               <a:rPr lang="hu-HU" smtClean="0"/>
-              <a:t>2025. 05. 11.</a:t>
+              <a:t>2025. 05. 15.</a:t>
             </a:fld>
             <a:endParaRPr lang="hu-HU"/>
           </a:p>
@@ -14422,7 +14208,7 @@
           <p:cNvPr id="5" name="Élőláb helye 4">
             <a:extLst>
               <a:ext uri="{FF2B5EF4-FFF2-40B4-BE49-F238E27FC236}">
-                <a16:creationId xmlns:a16="http://schemas.microsoft.com/office/drawing/2014/main" xmlns="" id="{31020575-B05F-AE44-A3E9-DF2BCFF6B043}"/>
+                <a16:creationId xmlns:a16="http://schemas.microsoft.com/office/drawing/2014/main" id="{31020575-B05F-AE44-A3E9-DF2BCFF6B043}"/>
               </a:ext>
             </a:extLst>
           </p:cNvPr>
@@ -14447,7 +14233,7 @@
           <p:cNvPr id="6" name="Dia számának helye 5">
             <a:extLst>
               <a:ext uri="{FF2B5EF4-FFF2-40B4-BE49-F238E27FC236}">
-                <a16:creationId xmlns:a16="http://schemas.microsoft.com/office/drawing/2014/main" xmlns="" id="{60EB0B33-03CD-AC47-D4C2-4CB092126E4E}"/>
+                <a16:creationId xmlns:a16="http://schemas.microsoft.com/office/drawing/2014/main" id="{60EB0B33-03CD-AC47-D4C2-4CB092126E4E}"/>
               </a:ext>
             </a:extLst>
           </p:cNvPr>
@@ -14506,7 +14292,7 @@
           <p:cNvPr id="2" name="Cím 1">
             <a:extLst>
               <a:ext uri="{FF2B5EF4-FFF2-40B4-BE49-F238E27FC236}">
-                <a16:creationId xmlns:a16="http://schemas.microsoft.com/office/drawing/2014/main" xmlns="" id="{17B57050-9E5F-A319-4BFB-DCDCAB05AF66}"/>
+                <a16:creationId xmlns:a16="http://schemas.microsoft.com/office/drawing/2014/main" id="{17B57050-9E5F-A319-4BFB-DCDCAB05AF66}"/>
               </a:ext>
             </a:extLst>
           </p:cNvPr>
@@ -14534,7 +14320,7 @@
           <p:cNvPr id="3" name="Függőleges szöveg helye 2">
             <a:extLst>
               <a:ext uri="{FF2B5EF4-FFF2-40B4-BE49-F238E27FC236}">
-                <a16:creationId xmlns:a16="http://schemas.microsoft.com/office/drawing/2014/main" xmlns="" id="{89043409-5070-7180-C3D0-8D882C6F0005}"/>
+                <a16:creationId xmlns:a16="http://schemas.microsoft.com/office/drawing/2014/main" id="{89043409-5070-7180-C3D0-8D882C6F0005}"/>
               </a:ext>
             </a:extLst>
           </p:cNvPr>
@@ -14591,7 +14377,7 @@
           <p:cNvPr id="4" name="Dátum helye 3">
             <a:extLst>
               <a:ext uri="{FF2B5EF4-FFF2-40B4-BE49-F238E27FC236}">
-                <a16:creationId xmlns:a16="http://schemas.microsoft.com/office/drawing/2014/main" xmlns="" id="{1166B40D-51C7-8711-1DF8-F31F99370905}"/>
+                <a16:creationId xmlns:a16="http://schemas.microsoft.com/office/drawing/2014/main" id="{1166B40D-51C7-8711-1DF8-F31F99370905}"/>
               </a:ext>
             </a:extLst>
           </p:cNvPr>
@@ -14609,7 +14395,7 @@
           <a:p>
             <a:fld id="{DBB178B1-4757-491B-9DC4-FF9520D2B784}" type="datetimeFigureOut">
               <a:rPr lang="hu-HU" smtClean="0"/>
-              <a:t>2025. 05. 11.</a:t>
+              <a:t>2025. 05. 15.</a:t>
             </a:fld>
             <a:endParaRPr lang="hu-HU"/>
           </a:p>
@@ -14620,7 +14406,7 @@
           <p:cNvPr id="5" name="Élőláb helye 4">
             <a:extLst>
               <a:ext uri="{FF2B5EF4-FFF2-40B4-BE49-F238E27FC236}">
-                <a16:creationId xmlns:a16="http://schemas.microsoft.com/office/drawing/2014/main" xmlns="" id="{C2B2FA79-1BAE-21A5-E297-DE672C3B4A10}"/>
+                <a16:creationId xmlns:a16="http://schemas.microsoft.com/office/drawing/2014/main" id="{C2B2FA79-1BAE-21A5-E297-DE672C3B4A10}"/>
               </a:ext>
             </a:extLst>
           </p:cNvPr>
@@ -14645,7 +14431,7 @@
           <p:cNvPr id="6" name="Dia számának helye 5">
             <a:extLst>
               <a:ext uri="{FF2B5EF4-FFF2-40B4-BE49-F238E27FC236}">
-                <a16:creationId xmlns:a16="http://schemas.microsoft.com/office/drawing/2014/main" xmlns="" id="{5BE4DD95-A703-54A4-6272-B088ADB4FF98}"/>
+                <a16:creationId xmlns:a16="http://schemas.microsoft.com/office/drawing/2014/main" id="{5BE4DD95-A703-54A4-6272-B088ADB4FF98}"/>
               </a:ext>
             </a:extLst>
           </p:cNvPr>
@@ -14704,7 +14490,7 @@
           <p:cNvPr id="2" name="Függőleges cím 1">
             <a:extLst>
               <a:ext uri="{FF2B5EF4-FFF2-40B4-BE49-F238E27FC236}">
-                <a16:creationId xmlns:a16="http://schemas.microsoft.com/office/drawing/2014/main" xmlns="" id="{2B432486-E766-29B5-59DE-325300DCAAE1}"/>
+                <a16:creationId xmlns:a16="http://schemas.microsoft.com/office/drawing/2014/main" id="{2B432486-E766-29B5-59DE-325300DCAAE1}"/>
               </a:ext>
             </a:extLst>
           </p:cNvPr>
@@ -14737,7 +14523,7 @@
           <p:cNvPr id="3" name="Függőleges szöveg helye 2">
             <a:extLst>
               <a:ext uri="{FF2B5EF4-FFF2-40B4-BE49-F238E27FC236}">
-                <a16:creationId xmlns:a16="http://schemas.microsoft.com/office/drawing/2014/main" xmlns="" id="{1BC6C768-435C-1BB0-FD87-A299FD8C7D2C}"/>
+                <a16:creationId xmlns:a16="http://schemas.microsoft.com/office/drawing/2014/main" id="{1BC6C768-435C-1BB0-FD87-A299FD8C7D2C}"/>
               </a:ext>
             </a:extLst>
           </p:cNvPr>
@@ -14799,7 +14585,7 @@
           <p:cNvPr id="4" name="Dátum helye 3">
             <a:extLst>
               <a:ext uri="{FF2B5EF4-FFF2-40B4-BE49-F238E27FC236}">
-                <a16:creationId xmlns:a16="http://schemas.microsoft.com/office/drawing/2014/main" xmlns="" id="{92D8B5E3-6D08-063B-2337-3A39282F69EB}"/>
+                <a16:creationId xmlns:a16="http://schemas.microsoft.com/office/drawing/2014/main" id="{92D8B5E3-6D08-063B-2337-3A39282F69EB}"/>
               </a:ext>
             </a:extLst>
           </p:cNvPr>
@@ -14817,7 +14603,7 @@
           <a:p>
             <a:fld id="{DBB178B1-4757-491B-9DC4-FF9520D2B784}" type="datetimeFigureOut">
               <a:rPr lang="hu-HU" smtClean="0"/>
-              <a:t>2025. 05. 11.</a:t>
+              <a:t>2025. 05. 15.</a:t>
             </a:fld>
             <a:endParaRPr lang="hu-HU"/>
           </a:p>
@@ -14828,7 +14614,7 @@
           <p:cNvPr id="5" name="Élőláb helye 4">
             <a:extLst>
               <a:ext uri="{FF2B5EF4-FFF2-40B4-BE49-F238E27FC236}">
-                <a16:creationId xmlns:a16="http://schemas.microsoft.com/office/drawing/2014/main" xmlns="" id="{767FE0A4-9DF9-5288-9ADB-0A0BF8E4ABD4}"/>
+                <a16:creationId xmlns:a16="http://schemas.microsoft.com/office/drawing/2014/main" id="{767FE0A4-9DF9-5288-9ADB-0A0BF8E4ABD4}"/>
               </a:ext>
             </a:extLst>
           </p:cNvPr>
@@ -14853,7 +14639,7 @@
           <p:cNvPr id="6" name="Dia számának helye 5">
             <a:extLst>
               <a:ext uri="{FF2B5EF4-FFF2-40B4-BE49-F238E27FC236}">
-                <a16:creationId xmlns:a16="http://schemas.microsoft.com/office/drawing/2014/main" xmlns="" id="{D3957489-C115-A427-9CB5-7170818016CA}"/>
+                <a16:creationId xmlns:a16="http://schemas.microsoft.com/office/drawing/2014/main" id="{D3957489-C115-A427-9CB5-7170818016CA}"/>
               </a:ext>
             </a:extLst>
           </p:cNvPr>
@@ -14912,7 +14698,7 @@
           <p:cNvPr id="2" name="Cím 1">
             <a:extLst>
               <a:ext uri="{FF2B5EF4-FFF2-40B4-BE49-F238E27FC236}">
-                <a16:creationId xmlns:a16="http://schemas.microsoft.com/office/drawing/2014/main" xmlns="" id="{A09F88C4-8A5C-350F-76D0-628F26B21CF9}"/>
+                <a16:creationId xmlns:a16="http://schemas.microsoft.com/office/drawing/2014/main" id="{A09F88C4-8A5C-350F-76D0-628F26B21CF9}"/>
               </a:ext>
             </a:extLst>
           </p:cNvPr>
@@ -14940,7 +14726,7 @@
           <p:cNvPr id="3" name="Tartalom helye 2">
             <a:extLst>
               <a:ext uri="{FF2B5EF4-FFF2-40B4-BE49-F238E27FC236}">
-                <a16:creationId xmlns:a16="http://schemas.microsoft.com/office/drawing/2014/main" xmlns="" id="{2E1A94B2-75C6-7F7D-0E75-F2F0627B1343}"/>
+                <a16:creationId xmlns:a16="http://schemas.microsoft.com/office/drawing/2014/main" id="{2E1A94B2-75C6-7F7D-0E75-F2F0627B1343}"/>
               </a:ext>
             </a:extLst>
           </p:cNvPr>
@@ -14997,7 +14783,7 @@
           <p:cNvPr id="4" name="Dátum helye 3">
             <a:extLst>
               <a:ext uri="{FF2B5EF4-FFF2-40B4-BE49-F238E27FC236}">
-                <a16:creationId xmlns:a16="http://schemas.microsoft.com/office/drawing/2014/main" xmlns="" id="{3ADD0414-57F5-1AC1-B79A-CF6277738864}"/>
+                <a16:creationId xmlns:a16="http://schemas.microsoft.com/office/drawing/2014/main" id="{3ADD0414-57F5-1AC1-B79A-CF6277738864}"/>
               </a:ext>
             </a:extLst>
           </p:cNvPr>
@@ -15015,7 +14801,7 @@
           <a:p>
             <a:fld id="{DBB178B1-4757-491B-9DC4-FF9520D2B784}" type="datetimeFigureOut">
               <a:rPr lang="hu-HU" smtClean="0"/>
-              <a:t>2025. 05. 11.</a:t>
+              <a:t>2025. 05. 15.</a:t>
             </a:fld>
             <a:endParaRPr lang="hu-HU"/>
           </a:p>
@@ -15026,7 +14812,7 @@
           <p:cNvPr id="5" name="Élőláb helye 4">
             <a:extLst>
               <a:ext uri="{FF2B5EF4-FFF2-40B4-BE49-F238E27FC236}">
-                <a16:creationId xmlns:a16="http://schemas.microsoft.com/office/drawing/2014/main" xmlns="" id="{A30BFC25-624B-EBBB-A9CA-6D5750E0AEF5}"/>
+                <a16:creationId xmlns:a16="http://schemas.microsoft.com/office/drawing/2014/main" id="{A30BFC25-624B-EBBB-A9CA-6D5750E0AEF5}"/>
               </a:ext>
             </a:extLst>
           </p:cNvPr>
@@ -15051,7 +14837,7 @@
           <p:cNvPr id="6" name="Dia számának helye 5">
             <a:extLst>
               <a:ext uri="{FF2B5EF4-FFF2-40B4-BE49-F238E27FC236}">
-                <a16:creationId xmlns:a16="http://schemas.microsoft.com/office/drawing/2014/main" xmlns="" id="{8E4FDBF1-9367-FAB5-286A-921104A85DB6}"/>
+                <a16:creationId xmlns:a16="http://schemas.microsoft.com/office/drawing/2014/main" id="{8E4FDBF1-9367-FAB5-286A-921104A85DB6}"/>
               </a:ext>
             </a:extLst>
           </p:cNvPr>
@@ -15110,7 +14896,7 @@
           <p:cNvPr id="2" name="Cím 1">
             <a:extLst>
               <a:ext uri="{FF2B5EF4-FFF2-40B4-BE49-F238E27FC236}">
-                <a16:creationId xmlns:a16="http://schemas.microsoft.com/office/drawing/2014/main" xmlns="" id="{570B8521-1CA4-FB06-D25F-9A946FF1AF41}"/>
+                <a16:creationId xmlns:a16="http://schemas.microsoft.com/office/drawing/2014/main" id="{570B8521-1CA4-FB06-D25F-9A946FF1AF41}"/>
               </a:ext>
             </a:extLst>
           </p:cNvPr>
@@ -15147,7 +14933,7 @@
           <p:cNvPr id="3" name="Szöveg helye 2">
             <a:extLst>
               <a:ext uri="{FF2B5EF4-FFF2-40B4-BE49-F238E27FC236}">
-                <a16:creationId xmlns:a16="http://schemas.microsoft.com/office/drawing/2014/main" xmlns="" id="{D86133DE-84E6-CC27-148E-6FA7FAFC1BD7}"/>
+                <a16:creationId xmlns:a16="http://schemas.microsoft.com/office/drawing/2014/main" id="{D86133DE-84E6-CC27-148E-6FA7FAFC1BD7}"/>
               </a:ext>
             </a:extLst>
           </p:cNvPr>
@@ -15272,7 +15058,7 @@
           <p:cNvPr id="4" name="Dátum helye 3">
             <a:extLst>
               <a:ext uri="{FF2B5EF4-FFF2-40B4-BE49-F238E27FC236}">
-                <a16:creationId xmlns:a16="http://schemas.microsoft.com/office/drawing/2014/main" xmlns="" id="{E90AA6F9-06E3-6FCC-567B-D9C731B19DB5}"/>
+                <a16:creationId xmlns:a16="http://schemas.microsoft.com/office/drawing/2014/main" id="{E90AA6F9-06E3-6FCC-567B-D9C731B19DB5}"/>
               </a:ext>
             </a:extLst>
           </p:cNvPr>
@@ -15290,7 +15076,7 @@
           <a:p>
             <a:fld id="{DBB178B1-4757-491B-9DC4-FF9520D2B784}" type="datetimeFigureOut">
               <a:rPr lang="hu-HU" smtClean="0"/>
-              <a:t>2025. 05. 11.</a:t>
+              <a:t>2025. 05. 15.</a:t>
             </a:fld>
             <a:endParaRPr lang="hu-HU"/>
           </a:p>
@@ -15301,7 +15087,7 @@
           <p:cNvPr id="5" name="Élőláb helye 4">
             <a:extLst>
               <a:ext uri="{FF2B5EF4-FFF2-40B4-BE49-F238E27FC236}">
-                <a16:creationId xmlns:a16="http://schemas.microsoft.com/office/drawing/2014/main" xmlns="" id="{92F1986C-E33B-F4AE-4CEE-60352FE141E6}"/>
+                <a16:creationId xmlns:a16="http://schemas.microsoft.com/office/drawing/2014/main" id="{92F1986C-E33B-F4AE-4CEE-60352FE141E6}"/>
               </a:ext>
             </a:extLst>
           </p:cNvPr>
@@ -15326,7 +15112,7 @@
           <p:cNvPr id="6" name="Dia számának helye 5">
             <a:extLst>
               <a:ext uri="{FF2B5EF4-FFF2-40B4-BE49-F238E27FC236}">
-                <a16:creationId xmlns:a16="http://schemas.microsoft.com/office/drawing/2014/main" xmlns="" id="{82608038-C3E1-4CB5-BCC5-9A121917C775}"/>
+                <a16:creationId xmlns:a16="http://schemas.microsoft.com/office/drawing/2014/main" id="{82608038-C3E1-4CB5-BCC5-9A121917C775}"/>
               </a:ext>
             </a:extLst>
           </p:cNvPr>
@@ -15385,7 +15171,7 @@
           <p:cNvPr id="2" name="Cím 1">
             <a:extLst>
               <a:ext uri="{FF2B5EF4-FFF2-40B4-BE49-F238E27FC236}">
-                <a16:creationId xmlns:a16="http://schemas.microsoft.com/office/drawing/2014/main" xmlns="" id="{87D55FA0-217B-2F1E-61ED-3448D4B5A714}"/>
+                <a16:creationId xmlns:a16="http://schemas.microsoft.com/office/drawing/2014/main" id="{87D55FA0-217B-2F1E-61ED-3448D4B5A714}"/>
               </a:ext>
             </a:extLst>
           </p:cNvPr>
@@ -15413,7 +15199,7 @@
           <p:cNvPr id="3" name="Tartalom helye 2">
             <a:extLst>
               <a:ext uri="{FF2B5EF4-FFF2-40B4-BE49-F238E27FC236}">
-                <a16:creationId xmlns:a16="http://schemas.microsoft.com/office/drawing/2014/main" xmlns="" id="{1C25D6FD-7434-9062-F856-35E09AAD7401}"/>
+                <a16:creationId xmlns:a16="http://schemas.microsoft.com/office/drawing/2014/main" id="{1C25D6FD-7434-9062-F856-35E09AAD7401}"/>
               </a:ext>
             </a:extLst>
           </p:cNvPr>
@@ -15475,7 +15261,7 @@
           <p:cNvPr id="4" name="Tartalom helye 3">
             <a:extLst>
               <a:ext uri="{FF2B5EF4-FFF2-40B4-BE49-F238E27FC236}">
-                <a16:creationId xmlns:a16="http://schemas.microsoft.com/office/drawing/2014/main" xmlns="" id="{239B9278-16D5-9E8B-8F34-48C40025A4A8}"/>
+                <a16:creationId xmlns:a16="http://schemas.microsoft.com/office/drawing/2014/main" id="{239B9278-16D5-9E8B-8F34-48C40025A4A8}"/>
               </a:ext>
             </a:extLst>
           </p:cNvPr>
@@ -15537,7 +15323,7 @@
           <p:cNvPr id="5" name="Dátum helye 4">
             <a:extLst>
               <a:ext uri="{FF2B5EF4-FFF2-40B4-BE49-F238E27FC236}">
-                <a16:creationId xmlns:a16="http://schemas.microsoft.com/office/drawing/2014/main" xmlns="" id="{8A8A540E-E160-BA60-0BA4-E75ABE9DA622}"/>
+                <a16:creationId xmlns:a16="http://schemas.microsoft.com/office/drawing/2014/main" id="{8A8A540E-E160-BA60-0BA4-E75ABE9DA622}"/>
               </a:ext>
             </a:extLst>
           </p:cNvPr>
@@ -15555,7 +15341,7 @@
           <a:p>
             <a:fld id="{DBB178B1-4757-491B-9DC4-FF9520D2B784}" type="datetimeFigureOut">
               <a:rPr lang="hu-HU" smtClean="0"/>
-              <a:t>2025. 05. 11.</a:t>
+              <a:t>2025. 05. 15.</a:t>
             </a:fld>
             <a:endParaRPr lang="hu-HU"/>
           </a:p>
@@ -15566,7 +15352,7 @@
           <p:cNvPr id="6" name="Élőláb helye 5">
             <a:extLst>
               <a:ext uri="{FF2B5EF4-FFF2-40B4-BE49-F238E27FC236}">
-                <a16:creationId xmlns:a16="http://schemas.microsoft.com/office/drawing/2014/main" xmlns="" id="{A7DF984B-CDCF-C460-B7C7-50341A94C6AC}"/>
+                <a16:creationId xmlns:a16="http://schemas.microsoft.com/office/drawing/2014/main" id="{A7DF984B-CDCF-C460-B7C7-50341A94C6AC}"/>
               </a:ext>
             </a:extLst>
           </p:cNvPr>
@@ -15591,7 +15377,7 @@
           <p:cNvPr id="7" name="Dia számának helye 6">
             <a:extLst>
               <a:ext uri="{FF2B5EF4-FFF2-40B4-BE49-F238E27FC236}">
-                <a16:creationId xmlns:a16="http://schemas.microsoft.com/office/drawing/2014/main" xmlns="" id="{BE67D9AF-8356-53D7-CC02-55276136A0D2}"/>
+                <a16:creationId xmlns:a16="http://schemas.microsoft.com/office/drawing/2014/main" id="{BE67D9AF-8356-53D7-CC02-55276136A0D2}"/>
               </a:ext>
             </a:extLst>
           </p:cNvPr>
@@ -15650,7 +15436,7 @@
           <p:cNvPr id="2" name="Cím 1">
             <a:extLst>
               <a:ext uri="{FF2B5EF4-FFF2-40B4-BE49-F238E27FC236}">
-                <a16:creationId xmlns:a16="http://schemas.microsoft.com/office/drawing/2014/main" xmlns="" id="{4666A08F-7278-3C83-9C18-5C3843ECB00A}"/>
+                <a16:creationId xmlns:a16="http://schemas.microsoft.com/office/drawing/2014/main" id="{4666A08F-7278-3C83-9C18-5C3843ECB00A}"/>
               </a:ext>
             </a:extLst>
           </p:cNvPr>
@@ -15683,7 +15469,7 @@
           <p:cNvPr id="3" name="Szöveg helye 2">
             <a:extLst>
               <a:ext uri="{FF2B5EF4-FFF2-40B4-BE49-F238E27FC236}">
-                <a16:creationId xmlns:a16="http://schemas.microsoft.com/office/drawing/2014/main" xmlns="" id="{FF1A0327-3EA9-EFBE-780F-4F0587BB829F}"/>
+                <a16:creationId xmlns:a16="http://schemas.microsoft.com/office/drawing/2014/main" id="{FF1A0327-3EA9-EFBE-780F-4F0587BB829F}"/>
               </a:ext>
             </a:extLst>
           </p:cNvPr>
@@ -15754,7 +15540,7 @@
           <p:cNvPr id="4" name="Tartalom helye 3">
             <a:extLst>
               <a:ext uri="{FF2B5EF4-FFF2-40B4-BE49-F238E27FC236}">
-                <a16:creationId xmlns:a16="http://schemas.microsoft.com/office/drawing/2014/main" xmlns="" id="{D6F87823-2417-AD8C-F6E6-20B7E08FFA8D}"/>
+                <a16:creationId xmlns:a16="http://schemas.microsoft.com/office/drawing/2014/main" id="{D6F87823-2417-AD8C-F6E6-20B7E08FFA8D}"/>
               </a:ext>
             </a:extLst>
           </p:cNvPr>
@@ -15816,7 +15602,7 @@
           <p:cNvPr id="5" name="Szöveg helye 4">
             <a:extLst>
               <a:ext uri="{FF2B5EF4-FFF2-40B4-BE49-F238E27FC236}">
-                <a16:creationId xmlns:a16="http://schemas.microsoft.com/office/drawing/2014/main" xmlns="" id="{44F5572F-A02F-BB79-1172-ED16DFB6CD9C}"/>
+                <a16:creationId xmlns:a16="http://schemas.microsoft.com/office/drawing/2014/main" id="{44F5572F-A02F-BB79-1172-ED16DFB6CD9C}"/>
               </a:ext>
             </a:extLst>
           </p:cNvPr>
@@ -15887,7 +15673,7 @@
           <p:cNvPr id="6" name="Tartalom helye 5">
             <a:extLst>
               <a:ext uri="{FF2B5EF4-FFF2-40B4-BE49-F238E27FC236}">
-                <a16:creationId xmlns:a16="http://schemas.microsoft.com/office/drawing/2014/main" xmlns="" id="{9FB9D71D-50E7-55B8-4520-B72BEE083ADC}"/>
+                <a16:creationId xmlns:a16="http://schemas.microsoft.com/office/drawing/2014/main" id="{9FB9D71D-50E7-55B8-4520-B72BEE083ADC}"/>
               </a:ext>
             </a:extLst>
           </p:cNvPr>
@@ -15949,7 +15735,7 @@
           <p:cNvPr id="7" name="Dátum helye 6">
             <a:extLst>
               <a:ext uri="{FF2B5EF4-FFF2-40B4-BE49-F238E27FC236}">
-                <a16:creationId xmlns:a16="http://schemas.microsoft.com/office/drawing/2014/main" xmlns="" id="{EAFE369D-FF81-600C-20A2-1EE72A62B26D}"/>
+                <a16:creationId xmlns:a16="http://schemas.microsoft.com/office/drawing/2014/main" id="{EAFE369D-FF81-600C-20A2-1EE72A62B26D}"/>
               </a:ext>
             </a:extLst>
           </p:cNvPr>
@@ -15967,7 +15753,7 @@
           <a:p>
             <a:fld id="{DBB178B1-4757-491B-9DC4-FF9520D2B784}" type="datetimeFigureOut">
               <a:rPr lang="hu-HU" smtClean="0"/>
-              <a:t>2025. 05. 11.</a:t>
+              <a:t>2025. 05. 15.</a:t>
             </a:fld>
             <a:endParaRPr lang="hu-HU"/>
           </a:p>
@@ -15978,7 +15764,7 @@
           <p:cNvPr id="8" name="Élőláb helye 7">
             <a:extLst>
               <a:ext uri="{FF2B5EF4-FFF2-40B4-BE49-F238E27FC236}">
-                <a16:creationId xmlns:a16="http://schemas.microsoft.com/office/drawing/2014/main" xmlns="" id="{912C32BA-89FD-5CCD-3B30-CCC48C60C82F}"/>
+                <a16:creationId xmlns:a16="http://schemas.microsoft.com/office/drawing/2014/main" id="{912C32BA-89FD-5CCD-3B30-CCC48C60C82F}"/>
               </a:ext>
             </a:extLst>
           </p:cNvPr>
@@ -16003,7 +15789,7 @@
           <p:cNvPr id="9" name="Dia számának helye 8">
             <a:extLst>
               <a:ext uri="{FF2B5EF4-FFF2-40B4-BE49-F238E27FC236}">
-                <a16:creationId xmlns:a16="http://schemas.microsoft.com/office/drawing/2014/main" xmlns="" id="{4F425E55-0841-7E5F-8F20-529D3DCFA0F2}"/>
+                <a16:creationId xmlns:a16="http://schemas.microsoft.com/office/drawing/2014/main" id="{4F425E55-0841-7E5F-8F20-529D3DCFA0F2}"/>
               </a:ext>
             </a:extLst>
           </p:cNvPr>
@@ -16062,7 +15848,7 @@
           <p:cNvPr id="2" name="Cím 1">
             <a:extLst>
               <a:ext uri="{FF2B5EF4-FFF2-40B4-BE49-F238E27FC236}">
-                <a16:creationId xmlns:a16="http://schemas.microsoft.com/office/drawing/2014/main" xmlns="" id="{0E0D35A2-63CC-2A39-1784-A9111FAB36B7}"/>
+                <a16:creationId xmlns:a16="http://schemas.microsoft.com/office/drawing/2014/main" id="{0E0D35A2-63CC-2A39-1784-A9111FAB36B7}"/>
               </a:ext>
             </a:extLst>
           </p:cNvPr>
@@ -16090,7 +15876,7 @@
           <p:cNvPr id="3" name="Dátum helye 2">
             <a:extLst>
               <a:ext uri="{FF2B5EF4-FFF2-40B4-BE49-F238E27FC236}">
-                <a16:creationId xmlns:a16="http://schemas.microsoft.com/office/drawing/2014/main" xmlns="" id="{5ED03001-F900-1D1D-642E-998927C35E33}"/>
+                <a16:creationId xmlns:a16="http://schemas.microsoft.com/office/drawing/2014/main" id="{5ED03001-F900-1D1D-642E-998927C35E33}"/>
               </a:ext>
             </a:extLst>
           </p:cNvPr>
@@ -16108,7 +15894,7 @@
           <a:p>
             <a:fld id="{DBB178B1-4757-491B-9DC4-FF9520D2B784}" type="datetimeFigureOut">
               <a:rPr lang="hu-HU" smtClean="0"/>
-              <a:t>2025. 05. 11.</a:t>
+              <a:t>2025. 05. 15.</a:t>
             </a:fld>
             <a:endParaRPr lang="hu-HU"/>
           </a:p>
@@ -16119,7 +15905,7 @@
           <p:cNvPr id="4" name="Élőláb helye 3">
             <a:extLst>
               <a:ext uri="{FF2B5EF4-FFF2-40B4-BE49-F238E27FC236}">
-                <a16:creationId xmlns:a16="http://schemas.microsoft.com/office/drawing/2014/main" xmlns="" id="{9BA65C78-1EF1-5FDE-AEF3-DCCA46DB67BE}"/>
+                <a16:creationId xmlns:a16="http://schemas.microsoft.com/office/drawing/2014/main" id="{9BA65C78-1EF1-5FDE-AEF3-DCCA46DB67BE}"/>
               </a:ext>
             </a:extLst>
           </p:cNvPr>
@@ -16144,7 +15930,7 @@
           <p:cNvPr id="5" name="Dia számának helye 4">
             <a:extLst>
               <a:ext uri="{FF2B5EF4-FFF2-40B4-BE49-F238E27FC236}">
-                <a16:creationId xmlns:a16="http://schemas.microsoft.com/office/drawing/2014/main" xmlns="" id="{0F45E01E-C26A-C6F1-B7B1-60A0A8AFB7AF}"/>
+                <a16:creationId xmlns:a16="http://schemas.microsoft.com/office/drawing/2014/main" id="{0F45E01E-C26A-C6F1-B7B1-60A0A8AFB7AF}"/>
               </a:ext>
             </a:extLst>
           </p:cNvPr>
@@ -16203,7 +15989,7 @@
           <p:cNvPr id="2" name="Dátum helye 1">
             <a:extLst>
               <a:ext uri="{FF2B5EF4-FFF2-40B4-BE49-F238E27FC236}">
-                <a16:creationId xmlns:a16="http://schemas.microsoft.com/office/drawing/2014/main" xmlns="" id="{AC9C8C7E-4A59-7F5C-8CF7-991EDD768463}"/>
+                <a16:creationId xmlns:a16="http://schemas.microsoft.com/office/drawing/2014/main" id="{AC9C8C7E-4A59-7F5C-8CF7-991EDD768463}"/>
               </a:ext>
             </a:extLst>
           </p:cNvPr>
@@ -16221,7 +16007,7 @@
           <a:p>
             <a:fld id="{DBB178B1-4757-491B-9DC4-FF9520D2B784}" type="datetimeFigureOut">
               <a:rPr lang="hu-HU" smtClean="0"/>
-              <a:t>2025. 05. 11.</a:t>
+              <a:t>2025. 05. 15.</a:t>
             </a:fld>
             <a:endParaRPr lang="hu-HU"/>
           </a:p>
@@ -16232,7 +16018,7 @@
           <p:cNvPr id="3" name="Élőláb helye 2">
             <a:extLst>
               <a:ext uri="{FF2B5EF4-FFF2-40B4-BE49-F238E27FC236}">
-                <a16:creationId xmlns:a16="http://schemas.microsoft.com/office/drawing/2014/main" xmlns="" id="{9B7611C7-72F6-206E-C276-7DEED35F1951}"/>
+                <a16:creationId xmlns:a16="http://schemas.microsoft.com/office/drawing/2014/main" id="{9B7611C7-72F6-206E-C276-7DEED35F1951}"/>
               </a:ext>
             </a:extLst>
           </p:cNvPr>
@@ -16257,7 +16043,7 @@
           <p:cNvPr id="4" name="Dia számának helye 3">
             <a:extLst>
               <a:ext uri="{FF2B5EF4-FFF2-40B4-BE49-F238E27FC236}">
-                <a16:creationId xmlns:a16="http://schemas.microsoft.com/office/drawing/2014/main" xmlns="" id="{2B4D898A-3260-BC64-FC83-4A0617D199D9}"/>
+                <a16:creationId xmlns:a16="http://schemas.microsoft.com/office/drawing/2014/main" id="{2B4D898A-3260-BC64-FC83-4A0617D199D9}"/>
               </a:ext>
             </a:extLst>
           </p:cNvPr>
@@ -16316,7 +16102,7 @@
           <p:cNvPr id="2" name="Cím 1">
             <a:extLst>
               <a:ext uri="{FF2B5EF4-FFF2-40B4-BE49-F238E27FC236}">
-                <a16:creationId xmlns:a16="http://schemas.microsoft.com/office/drawing/2014/main" xmlns="" id="{D6F2FE66-6F04-7A40-4C15-9A16CCBF8A51}"/>
+                <a16:creationId xmlns:a16="http://schemas.microsoft.com/office/drawing/2014/main" id="{D6F2FE66-6F04-7A40-4C15-9A16CCBF8A51}"/>
               </a:ext>
             </a:extLst>
           </p:cNvPr>
@@ -16353,7 +16139,7 @@
           <p:cNvPr id="3" name="Tartalom helye 2">
             <a:extLst>
               <a:ext uri="{FF2B5EF4-FFF2-40B4-BE49-F238E27FC236}">
-                <a16:creationId xmlns:a16="http://schemas.microsoft.com/office/drawing/2014/main" xmlns="" id="{B835830C-4744-3DD1-D50F-AC94040CB033}"/>
+                <a16:creationId xmlns:a16="http://schemas.microsoft.com/office/drawing/2014/main" id="{B835830C-4744-3DD1-D50F-AC94040CB033}"/>
               </a:ext>
             </a:extLst>
           </p:cNvPr>
@@ -16443,7 +16229,7 @@
           <p:cNvPr id="4" name="Szöveg helye 3">
             <a:extLst>
               <a:ext uri="{FF2B5EF4-FFF2-40B4-BE49-F238E27FC236}">
-                <a16:creationId xmlns:a16="http://schemas.microsoft.com/office/drawing/2014/main" xmlns="" id="{0897E384-EA1E-069B-2172-A9097BB61916}"/>
+                <a16:creationId xmlns:a16="http://schemas.microsoft.com/office/drawing/2014/main" id="{0897E384-EA1E-069B-2172-A9097BB61916}"/>
               </a:ext>
             </a:extLst>
           </p:cNvPr>
@@ -16514,7 +16300,7 @@
           <p:cNvPr id="5" name="Dátum helye 4">
             <a:extLst>
               <a:ext uri="{FF2B5EF4-FFF2-40B4-BE49-F238E27FC236}">
-                <a16:creationId xmlns:a16="http://schemas.microsoft.com/office/drawing/2014/main" xmlns="" id="{E50764BD-8362-D7EE-6A3E-018F197B5371}"/>
+                <a16:creationId xmlns:a16="http://schemas.microsoft.com/office/drawing/2014/main" id="{E50764BD-8362-D7EE-6A3E-018F197B5371}"/>
               </a:ext>
             </a:extLst>
           </p:cNvPr>
@@ -16532,7 +16318,7 @@
           <a:p>
             <a:fld id="{DBB178B1-4757-491B-9DC4-FF9520D2B784}" type="datetimeFigureOut">
               <a:rPr lang="hu-HU" smtClean="0"/>
-              <a:t>2025. 05. 11.</a:t>
+              <a:t>2025. 05. 15.</a:t>
             </a:fld>
             <a:endParaRPr lang="hu-HU"/>
           </a:p>
@@ -16543,7 +16329,7 @@
           <p:cNvPr id="6" name="Élőláb helye 5">
             <a:extLst>
               <a:ext uri="{FF2B5EF4-FFF2-40B4-BE49-F238E27FC236}">
-                <a16:creationId xmlns:a16="http://schemas.microsoft.com/office/drawing/2014/main" xmlns="" id="{D37E9D32-6B67-22BA-EF68-685F019564EC}"/>
+                <a16:creationId xmlns:a16="http://schemas.microsoft.com/office/drawing/2014/main" id="{D37E9D32-6B67-22BA-EF68-685F019564EC}"/>
               </a:ext>
             </a:extLst>
           </p:cNvPr>
@@ -16568,7 +16354,7 @@
           <p:cNvPr id="7" name="Dia számának helye 6">
             <a:extLst>
               <a:ext uri="{FF2B5EF4-FFF2-40B4-BE49-F238E27FC236}">
-                <a16:creationId xmlns:a16="http://schemas.microsoft.com/office/drawing/2014/main" xmlns="" id="{AACA0C36-15CA-1A89-C77D-C2D2D8FA3504}"/>
+                <a16:creationId xmlns:a16="http://schemas.microsoft.com/office/drawing/2014/main" id="{AACA0C36-15CA-1A89-C77D-C2D2D8FA3504}"/>
               </a:ext>
             </a:extLst>
           </p:cNvPr>
@@ -16627,7 +16413,7 @@
           <p:cNvPr id="2" name="Cím 1">
             <a:extLst>
               <a:ext uri="{FF2B5EF4-FFF2-40B4-BE49-F238E27FC236}">
-                <a16:creationId xmlns:a16="http://schemas.microsoft.com/office/drawing/2014/main" xmlns="" id="{04CDB440-D6E9-B907-124C-EE02ED3822E9}"/>
+                <a16:creationId xmlns:a16="http://schemas.microsoft.com/office/drawing/2014/main" id="{04CDB440-D6E9-B907-124C-EE02ED3822E9}"/>
               </a:ext>
             </a:extLst>
           </p:cNvPr>
@@ -16664,7 +16450,7 @@
           <p:cNvPr id="3" name="Kép helye 2">
             <a:extLst>
               <a:ext uri="{FF2B5EF4-FFF2-40B4-BE49-F238E27FC236}">
-                <a16:creationId xmlns:a16="http://schemas.microsoft.com/office/drawing/2014/main" xmlns="" id="{63E2353B-BF0E-A36E-8C48-E6134C522648}"/>
+                <a16:creationId xmlns:a16="http://schemas.microsoft.com/office/drawing/2014/main" id="{63E2353B-BF0E-A36E-8C48-E6134C522648}"/>
               </a:ext>
             </a:extLst>
           </p:cNvPr>
@@ -16731,7 +16517,7 @@
           <p:cNvPr id="4" name="Szöveg helye 3">
             <a:extLst>
               <a:ext uri="{FF2B5EF4-FFF2-40B4-BE49-F238E27FC236}">
-                <a16:creationId xmlns:a16="http://schemas.microsoft.com/office/drawing/2014/main" xmlns="" id="{5072D6E3-6C89-65F1-9867-08D229CCF340}"/>
+                <a16:creationId xmlns:a16="http://schemas.microsoft.com/office/drawing/2014/main" id="{5072D6E3-6C89-65F1-9867-08D229CCF340}"/>
               </a:ext>
             </a:extLst>
           </p:cNvPr>
@@ -16802,7 +16588,7 @@
           <p:cNvPr id="5" name="Dátum helye 4">
             <a:extLst>
               <a:ext uri="{FF2B5EF4-FFF2-40B4-BE49-F238E27FC236}">
-                <a16:creationId xmlns:a16="http://schemas.microsoft.com/office/drawing/2014/main" xmlns="" id="{AB599957-C204-1C06-A841-136617F2AEF9}"/>
+                <a16:creationId xmlns:a16="http://schemas.microsoft.com/office/drawing/2014/main" id="{AB599957-C204-1C06-A841-136617F2AEF9}"/>
               </a:ext>
             </a:extLst>
           </p:cNvPr>
@@ -16820,7 +16606,7 @@
           <a:p>
             <a:fld id="{DBB178B1-4757-491B-9DC4-FF9520D2B784}" type="datetimeFigureOut">
               <a:rPr lang="hu-HU" smtClean="0"/>
-              <a:t>2025. 05. 11.</a:t>
+              <a:t>2025. 05. 15.</a:t>
             </a:fld>
             <a:endParaRPr lang="hu-HU"/>
           </a:p>
@@ -16831,7 +16617,7 @@
           <p:cNvPr id="6" name="Élőláb helye 5">
             <a:extLst>
               <a:ext uri="{FF2B5EF4-FFF2-40B4-BE49-F238E27FC236}">
-                <a16:creationId xmlns:a16="http://schemas.microsoft.com/office/drawing/2014/main" xmlns="" id="{328BBD47-23C7-56EF-9ED1-1B0D8F93EC0E}"/>
+                <a16:creationId xmlns:a16="http://schemas.microsoft.com/office/drawing/2014/main" id="{328BBD47-23C7-56EF-9ED1-1B0D8F93EC0E}"/>
               </a:ext>
             </a:extLst>
           </p:cNvPr>
@@ -16856,7 +16642,7 @@
           <p:cNvPr id="7" name="Dia számának helye 6">
             <a:extLst>
               <a:ext uri="{FF2B5EF4-FFF2-40B4-BE49-F238E27FC236}">
-                <a16:creationId xmlns:a16="http://schemas.microsoft.com/office/drawing/2014/main" xmlns="" id="{EF83B2FF-F52D-5C61-8650-407A8938F824}"/>
+                <a16:creationId xmlns:a16="http://schemas.microsoft.com/office/drawing/2014/main" id="{EF83B2FF-F52D-5C61-8650-407A8938F824}"/>
               </a:ext>
             </a:extLst>
           </p:cNvPr>
@@ -16920,7 +16706,7 @@
           <p:cNvPr id="2" name="Cím helye 1">
             <a:extLst>
               <a:ext uri="{FF2B5EF4-FFF2-40B4-BE49-F238E27FC236}">
-                <a16:creationId xmlns:a16="http://schemas.microsoft.com/office/drawing/2014/main" xmlns="" id="{2C2081AF-CD27-397D-5C5B-F722CD23BC85}"/>
+                <a16:creationId xmlns:a16="http://schemas.microsoft.com/office/drawing/2014/main" id="{2C2081AF-CD27-397D-5C5B-F722CD23BC85}"/>
               </a:ext>
             </a:extLst>
           </p:cNvPr>
@@ -16958,7 +16744,7 @@
           <p:cNvPr id="3" name="Szöveg helye 2">
             <a:extLst>
               <a:ext uri="{FF2B5EF4-FFF2-40B4-BE49-F238E27FC236}">
-                <a16:creationId xmlns:a16="http://schemas.microsoft.com/office/drawing/2014/main" xmlns="" id="{92FC2121-77CB-334A-7B4B-9240093A3034}"/>
+                <a16:creationId xmlns:a16="http://schemas.microsoft.com/office/drawing/2014/main" id="{92FC2121-77CB-334A-7B4B-9240093A3034}"/>
               </a:ext>
             </a:extLst>
           </p:cNvPr>
@@ -17025,7 +16811,7 @@
           <p:cNvPr id="4" name="Dátum helye 3">
             <a:extLst>
               <a:ext uri="{FF2B5EF4-FFF2-40B4-BE49-F238E27FC236}">
-                <a16:creationId xmlns:a16="http://schemas.microsoft.com/office/drawing/2014/main" xmlns="" id="{FF0415F8-25B1-5331-ADFB-28078FF55532}"/>
+                <a16:creationId xmlns:a16="http://schemas.microsoft.com/office/drawing/2014/main" id="{FF0415F8-25B1-5331-ADFB-28078FF55532}"/>
               </a:ext>
             </a:extLst>
           </p:cNvPr>
@@ -17061,7 +16847,7 @@
           <a:p>
             <a:fld id="{DBB178B1-4757-491B-9DC4-FF9520D2B784}" type="datetimeFigureOut">
               <a:rPr lang="hu-HU" smtClean="0"/>
-              <a:t>2025. 05. 11.</a:t>
+              <a:t>2025. 05. 15.</a:t>
             </a:fld>
             <a:endParaRPr lang="hu-HU"/>
           </a:p>
@@ -17072,7 +16858,7 @@
           <p:cNvPr id="5" name="Élőláb helye 4">
             <a:extLst>
               <a:ext uri="{FF2B5EF4-FFF2-40B4-BE49-F238E27FC236}">
-                <a16:creationId xmlns:a16="http://schemas.microsoft.com/office/drawing/2014/main" xmlns="" id="{DE447538-7E5A-7871-AC1C-D24C2B2AEE5D}"/>
+                <a16:creationId xmlns:a16="http://schemas.microsoft.com/office/drawing/2014/main" id="{DE447538-7E5A-7871-AC1C-D24C2B2AEE5D}"/>
               </a:ext>
             </a:extLst>
           </p:cNvPr>
@@ -17115,7 +16901,7 @@
           <p:cNvPr id="6" name="Dia számának helye 5">
             <a:extLst>
               <a:ext uri="{FF2B5EF4-FFF2-40B4-BE49-F238E27FC236}">
-                <a16:creationId xmlns:a16="http://schemas.microsoft.com/office/drawing/2014/main" xmlns="" id="{3BB864BC-9C4F-20C6-6030-957D654AE3C1}"/>
+                <a16:creationId xmlns:a16="http://schemas.microsoft.com/office/drawing/2014/main" id="{3BB864BC-9C4F-20C6-6030-957D654AE3C1}"/>
               </a:ext>
             </a:extLst>
           </p:cNvPr>
@@ -17491,10 +17277,10 @@
           <p:cNvPr id="26" name="Rectangle 25">
             <a:extLst>
               <a:ext uri="{FF2B5EF4-FFF2-40B4-BE49-F238E27FC236}">
-                <a16:creationId xmlns:a16="http://schemas.microsoft.com/office/drawing/2014/main" xmlns="" id="{8A94871E-96FC-4ADE-815B-41A636E34F1A}"/>
+                <a16:creationId xmlns:a16="http://schemas.microsoft.com/office/drawing/2014/main" id="{8A94871E-96FC-4ADE-815B-41A636E34F1A}"/>
               </a:ext>
               <a:ext uri="{C183D7F6-B498-43B3-948B-1728B52AA6E4}">
-                <adec:decorative xmlns:adec="http://schemas.microsoft.com/office/drawing/2017/decorative" xmlns="" val="1"/>
+                <adec:decorative xmlns:adec="http://schemas.microsoft.com/office/drawing/2017/decorative" val="1"/>
               </a:ext>
             </a:extLst>
           </p:cNvPr>
@@ -17504,7 +17290,7 @@
           <p:nvPr>
             <p:extLst>
               <p:ext uri="{386F3935-93C4-4BCD-93E2-E3B085C9AB24}">
-                <p16:designElem xmlns:p16="http://schemas.microsoft.com/office/powerpoint/2015/main" xmlns="" val="1"/>
+                <p16:designElem xmlns:p16="http://schemas.microsoft.com/office/powerpoint/2015/main" val="1"/>
               </p:ext>
             </p:extLst>
           </p:nvPr>
@@ -17551,7 +17337,7 @@
           <p:cNvPr id="2" name="Cím 1">
             <a:extLst>
               <a:ext uri="{FF2B5EF4-FFF2-40B4-BE49-F238E27FC236}">
-                <a16:creationId xmlns:a16="http://schemas.microsoft.com/office/drawing/2014/main" xmlns="" id="{B65C46D5-19A0-41AA-041E-70313850633E}"/>
+                <a16:creationId xmlns:a16="http://schemas.microsoft.com/office/drawing/2014/main" id="{B65C46D5-19A0-41AA-041E-70313850633E}"/>
               </a:ext>
             </a:extLst>
           </p:cNvPr>
@@ -17576,30 +17362,29 @@
           <a:p>
             <a:pPr algn="l"/>
             <a:r>
-              <a:rPr lang="hu-HU" sz="6600" dirty="0" err="1" smtClean="0"/>
+              <a:rPr lang="hu-HU" sz="6600" dirty="0" err="1"/>
               <a:t>TribiTrabi</a:t>
             </a:r>
             <a:r>
-              <a:rPr lang="hu-HU" sz="6600" dirty="0" smtClean="0"/>
+              <a:rPr lang="hu-HU" sz="6600" dirty="0"/>
               <a:t> </a:t>
             </a:r>
             <a:r>
-              <a:rPr lang="hu-HU" sz="6600" dirty="0" err="1" smtClean="0"/>
+              <a:rPr lang="hu-HU" sz="6600" dirty="0" err="1"/>
               <a:t>car</a:t>
             </a:r>
             <a:r>
-              <a:rPr lang="hu-HU" sz="6600" dirty="0" smtClean="0"/>
+              <a:rPr lang="hu-HU" sz="6600" dirty="0"/>
               <a:t> </a:t>
             </a:r>
             <a:r>
-              <a:rPr lang="hu-HU" sz="6600" dirty="0" err="1" smtClean="0"/>
+              <a:rPr lang="hu-HU" sz="6600" dirty="0" err="1"/>
               <a:t>parts</a:t>
             </a:r>
             <a:r>
-              <a:rPr lang="hu-HU" sz="6600" dirty="0" smtClean="0"/>
+              <a:rPr lang="hu-HU" sz="6600" dirty="0"/>
               <a:t> market </a:t>
             </a:r>
-            <a:endParaRPr lang="hu-HU" sz="6600" dirty="0"/>
           </a:p>
         </p:txBody>
       </p:sp>
@@ -17608,7 +17393,7 @@
           <p:cNvPr id="3" name="Alcím 2">
             <a:extLst>
               <a:ext uri="{FF2B5EF4-FFF2-40B4-BE49-F238E27FC236}">
-                <a16:creationId xmlns:a16="http://schemas.microsoft.com/office/drawing/2014/main" xmlns="" id="{63FE5668-ADB1-AD15-8BB7-70DA0AA9963F}"/>
+                <a16:creationId xmlns:a16="http://schemas.microsoft.com/office/drawing/2014/main" id="{63FE5668-ADB1-AD15-8BB7-70DA0AA9963F}"/>
               </a:ext>
             </a:extLst>
           </p:cNvPr>
@@ -17627,7 +17412,7 @@
         </p:spPr>
         <p:txBody>
           <a:bodyPr>
-            <a:normAutofit/>
+            <a:normAutofit fontScale="92500" lnSpcReduction="10000"/>
           </a:bodyPr>
           <a:lstStyle/>
           <a:p>
@@ -17642,27 +17427,21 @@
             </a:r>
             <a:r>
               <a:rPr lang="hu-HU" dirty="0"/>
-              <a:t>: </a:t>
+              <a:t>: Kovács Tibor</a:t>
             </a:r>
-            <a:r>
-              <a:rPr lang="hu-HU" dirty="0" smtClean="0"/>
-              <a:t>Kovács Tibor</a:t>
-            </a:r>
-            <a:endParaRPr lang="hu-HU" dirty="0"/>
           </a:p>
           <a:p>
             <a:pPr algn="l"/>
             <a:r>
               <a:rPr lang="hu-HU" dirty="0"/>
-              <a:t>Frontend: </a:t>
+              <a:t>Frontend: Hézső Ádám Károly</a:t>
             </a:r>
+          </a:p>
+          <a:p>
+            <a:pPr algn="l"/>
             <a:r>
-              <a:rPr lang="hu-HU" dirty="0" err="1" smtClean="0"/>
-              <a:t>Hézső</a:t>
-            </a:r>
-            <a:r>
-              <a:rPr lang="hu-HU" dirty="0" smtClean="0"/>
-              <a:t> Ádám Károly</a:t>
+              <a:rPr lang="hu-HU"/>
+              <a:t>Kiss Benedek</a:t>
             </a:r>
             <a:endParaRPr lang="hu-HU" dirty="0"/>
           </a:p>
@@ -17673,10 +17452,10 @@
           <p:cNvPr id="28" name="sketch line">
             <a:extLst>
               <a:ext uri="{FF2B5EF4-FFF2-40B4-BE49-F238E27FC236}">
-                <a16:creationId xmlns:a16="http://schemas.microsoft.com/office/drawing/2014/main" xmlns="" id="{3FCFB1DE-0B7E-48CC-BA90-B2AB0889F9D6}"/>
+                <a16:creationId xmlns:a16="http://schemas.microsoft.com/office/drawing/2014/main" id="{3FCFB1DE-0B7E-48CC-BA90-B2AB0889F9D6}"/>
               </a:ext>
               <a:ext uri="{C183D7F6-B498-43B3-948B-1728B52AA6E4}">
-                <adec:decorative xmlns:adec="http://schemas.microsoft.com/office/drawing/2017/decorative" xmlns="" val="1"/>
+                <adec:decorative xmlns:adec="http://schemas.microsoft.com/office/drawing/2017/decorative" val="1"/>
               </a:ext>
             </a:extLst>
           </p:cNvPr>
@@ -17686,7 +17465,7 @@
           <p:nvPr>
             <p:extLst>
               <p:ext uri="{386F3935-93C4-4BCD-93E2-E3B085C9AB24}">
-                <p16:designElem xmlns:p16="http://schemas.microsoft.com/office/powerpoint/2015/main" xmlns="" val="1"/>
+                <p16:designElem xmlns:p16="http://schemas.microsoft.com/office/powerpoint/2015/main" val="1"/>
               </p:ext>
             </p:extLst>
           </p:nvPr>
@@ -17974,7 +17753,7 @@
             <a:round/>
             <a:extLst>
               <a:ext uri="{C807C97D-BFC1-408E-A445-0C87EB9F89A2}">
-                <ask:lineSketchStyleProps xmlns:ask="http://schemas.microsoft.com/office/drawing/2018/sketchyshapes" xmlns="" sd="1219033472">
+                <ask:lineSketchStyleProps xmlns:ask="http://schemas.microsoft.com/office/drawing/2018/sketchyshapes" sd="1219033472">
                   <a:prstGeom prst="rect">
                     <a:avLst/>
                   </a:prstGeom>
@@ -18096,10 +17875,10 @@
           <p:cNvPr id="18" name="Rectangle 17">
             <a:extLst>
               <a:ext uri="{FF2B5EF4-FFF2-40B4-BE49-F238E27FC236}">
-                <a16:creationId xmlns:a16="http://schemas.microsoft.com/office/drawing/2014/main" xmlns="" id="{35DB3719-6FDC-4E5D-891D-FF40B7300F64}"/>
+                <a16:creationId xmlns:a16="http://schemas.microsoft.com/office/drawing/2014/main" id="{35DB3719-6FDC-4E5D-891D-FF40B7300F64}"/>
               </a:ext>
               <a:ext uri="{C183D7F6-B498-43B3-948B-1728B52AA6E4}">
-                <adec:decorative xmlns:adec="http://schemas.microsoft.com/office/drawing/2017/decorative" xmlns="" val="1"/>
+                <adec:decorative xmlns:adec="http://schemas.microsoft.com/office/drawing/2017/decorative" val="1"/>
               </a:ext>
             </a:extLst>
           </p:cNvPr>
@@ -18109,7 +17888,7 @@
           <p:nvPr>
             <p:extLst>
               <p:ext uri="{386F3935-93C4-4BCD-93E2-E3B085C9AB24}">
-                <p16:designElem xmlns:p16="http://schemas.microsoft.com/office/powerpoint/2015/main" xmlns="" val="1"/>
+                <p16:designElem xmlns:p16="http://schemas.microsoft.com/office/powerpoint/2015/main" val="1"/>
               </p:ext>
             </p:extLst>
           </p:nvPr>
@@ -18156,7 +17935,7 @@
           <p:cNvPr id="2" name="Cím 1">
             <a:extLst>
               <a:ext uri="{FF2B5EF4-FFF2-40B4-BE49-F238E27FC236}">
-                <a16:creationId xmlns:a16="http://schemas.microsoft.com/office/drawing/2014/main" xmlns="" id="{BCCBD3E8-06EA-14A7-7FA7-23CFDF795EE8}"/>
+                <a16:creationId xmlns:a16="http://schemas.microsoft.com/office/drawing/2014/main" id="{BCCBD3E8-06EA-14A7-7FA7-23CFDF795EE8}"/>
               </a:ext>
             </a:extLst>
           </p:cNvPr>
@@ -18180,7 +17959,7 @@
           <a:lstStyle/>
           <a:p>
             <a:r>
-              <a:rPr lang="hu-HU" sz="5400" kern="1200" dirty="0" err="1" smtClean="0">
+              <a:rPr lang="hu-HU" sz="5400" kern="1200" dirty="0" err="1">
                 <a:solidFill>
                   <a:schemeClr val="tx1"/>
                 </a:solidFill>
@@ -18191,7 +17970,7 @@
               <a:t>What</a:t>
             </a:r>
             <a:r>
-              <a:rPr lang="hu-HU" sz="5400" kern="1200" dirty="0" smtClean="0">
+              <a:rPr lang="hu-HU" sz="5400" kern="1200" dirty="0">
                 <a:solidFill>
                   <a:schemeClr val="tx1"/>
                 </a:solidFill>
@@ -18202,7 +17981,7 @@
               <a:t> </a:t>
             </a:r>
             <a:r>
-              <a:rPr lang="hu-HU" sz="5400" kern="1200" dirty="0" err="1" smtClean="0">
+              <a:rPr lang="hu-HU" sz="5400" kern="1200" dirty="0" err="1">
                 <a:solidFill>
                   <a:schemeClr val="tx1"/>
                 </a:solidFill>
@@ -18213,7 +17992,7 @@
               <a:t>purpose</a:t>
             </a:r>
             <a:r>
-              <a:rPr lang="hu-HU" sz="5400" kern="1200" dirty="0" smtClean="0">
+              <a:rPr lang="hu-HU" sz="5400" kern="1200" dirty="0">
                 <a:solidFill>
                   <a:schemeClr val="tx1"/>
                 </a:solidFill>
@@ -18224,7 +18003,7 @@
               <a:t> </a:t>
             </a:r>
             <a:r>
-              <a:rPr lang="hu-HU" sz="5400" kern="1200" dirty="0" err="1" smtClean="0">
+              <a:rPr lang="hu-HU" sz="5400" kern="1200" dirty="0" err="1">
                 <a:solidFill>
                   <a:schemeClr val="tx1"/>
                 </a:solidFill>
@@ -18235,7 +18014,7 @@
               <a:t>does</a:t>
             </a:r>
             <a:r>
-              <a:rPr lang="hu-HU" sz="5400" kern="1200" dirty="0" smtClean="0">
+              <a:rPr lang="hu-HU" sz="5400" kern="1200" dirty="0">
                 <a:solidFill>
                   <a:schemeClr val="tx1"/>
                 </a:solidFill>
@@ -18246,7 +18025,7 @@
               <a:t> </a:t>
             </a:r>
             <a:r>
-              <a:rPr lang="hu-HU" sz="5400" kern="1200" dirty="0" err="1" smtClean="0">
+              <a:rPr lang="hu-HU" sz="5400" kern="1200" dirty="0" err="1">
                 <a:solidFill>
                   <a:schemeClr val="tx1"/>
                 </a:solidFill>
@@ -18257,7 +18036,7 @@
               <a:t>our</a:t>
             </a:r>
             <a:r>
-              <a:rPr lang="hu-HU" sz="5400" kern="1200" dirty="0" smtClean="0">
+              <a:rPr lang="hu-HU" sz="5400" kern="1200" dirty="0">
                 <a:solidFill>
                   <a:schemeClr val="tx1"/>
                 </a:solidFill>
@@ -18268,7 +18047,7 @@
               <a:t> project </a:t>
             </a:r>
             <a:r>
-              <a:rPr lang="hu-HU" sz="5400" kern="1200" dirty="0" err="1" smtClean="0">
+              <a:rPr lang="hu-HU" sz="5400" kern="1200" dirty="0" err="1">
                 <a:solidFill>
                   <a:schemeClr val="tx1"/>
                 </a:solidFill>
@@ -18279,7 +18058,7 @@
               <a:t>serve</a:t>
             </a:r>
             <a:r>
-              <a:rPr lang="hu-HU" sz="5400" kern="1200" dirty="0" smtClean="0">
+              <a:rPr lang="hu-HU" sz="5400" kern="1200" dirty="0">
                 <a:solidFill>
                   <a:schemeClr val="tx1"/>
                 </a:solidFill>
@@ -18305,10 +18084,10 @@
           <p:cNvPr id="20" name="sketch line">
             <a:extLst>
               <a:ext uri="{FF2B5EF4-FFF2-40B4-BE49-F238E27FC236}">
-                <a16:creationId xmlns:a16="http://schemas.microsoft.com/office/drawing/2014/main" xmlns="" id="{E0CBAC23-2E3F-4A90-BA59-F8299F6A5439}"/>
+                <a16:creationId xmlns:a16="http://schemas.microsoft.com/office/drawing/2014/main" id="{E0CBAC23-2E3F-4A90-BA59-F8299F6A5439}"/>
               </a:ext>
               <a:ext uri="{C183D7F6-B498-43B3-948B-1728B52AA6E4}">
-                <adec:decorative xmlns:adec="http://schemas.microsoft.com/office/drawing/2017/decorative" xmlns="" val="1"/>
+                <adec:decorative xmlns:adec="http://schemas.microsoft.com/office/drawing/2017/decorative" val="1"/>
               </a:ext>
             </a:extLst>
           </p:cNvPr>
@@ -18318,7 +18097,7 @@
           <p:nvPr>
             <p:extLst>
               <p:ext uri="{386F3935-93C4-4BCD-93E2-E3B085C9AB24}">
-                <p16:designElem xmlns:p16="http://schemas.microsoft.com/office/powerpoint/2015/main" xmlns="" val="1"/>
+                <p16:designElem xmlns:p16="http://schemas.microsoft.com/office/powerpoint/2015/main" val="1"/>
               </p:ext>
             </p:extLst>
           </p:nvPr>
@@ -18876,7 +18655,7 @@
             <a:round/>
             <a:extLst>
               <a:ext uri="{C807C97D-BFC1-408E-A445-0C87EB9F89A2}">
-                <ask:lineSketchStyleProps xmlns:ask="http://schemas.microsoft.com/office/drawing/2018/sketchyshapes" xmlns="" sd="1219033472">
+                <ask:lineSketchStyleProps xmlns:ask="http://schemas.microsoft.com/office/drawing/2018/sketchyshapes" sd="1219033472">
                   <a:prstGeom prst="rect">
                     <a:avLst/>
                   </a:prstGeom>
@@ -18918,7 +18697,7 @@
           <p:cNvPr id="14" name="Szövegdoboz 3">
             <a:extLst>
               <a:ext uri="{FF2B5EF4-FFF2-40B4-BE49-F238E27FC236}">
-                <a16:creationId xmlns:a16="http://schemas.microsoft.com/office/drawing/2014/main" xmlns="" id="{34CFC7BB-FD45-2661-A148-AB16ABF5E7DE}"/>
+                <a16:creationId xmlns:a16="http://schemas.microsoft.com/office/drawing/2014/main" id="{34CFC7BB-FD45-2661-A148-AB16ABF5E7DE}"/>
               </a:ext>
             </a:extLst>
           </p:cNvPr>
@@ -18984,10 +18763,10 @@
           <p:cNvPr id="32" name="Rectangle 31">
             <a:extLst>
               <a:ext uri="{FF2B5EF4-FFF2-40B4-BE49-F238E27FC236}">
-                <a16:creationId xmlns:a16="http://schemas.microsoft.com/office/drawing/2014/main" xmlns="" id="{35DB3719-6FDC-4E5D-891D-FF40B7300F64}"/>
+                <a16:creationId xmlns:a16="http://schemas.microsoft.com/office/drawing/2014/main" id="{35DB3719-6FDC-4E5D-891D-FF40B7300F64}"/>
               </a:ext>
               <a:ext uri="{C183D7F6-B498-43B3-948B-1728B52AA6E4}">
-                <adec:decorative xmlns:adec="http://schemas.microsoft.com/office/drawing/2017/decorative" xmlns="" val="1"/>
+                <adec:decorative xmlns:adec="http://schemas.microsoft.com/office/drawing/2017/decorative" val="1"/>
               </a:ext>
             </a:extLst>
           </p:cNvPr>
@@ -18997,7 +18776,7 @@
           <p:nvPr>
             <p:extLst>
               <p:ext uri="{386F3935-93C4-4BCD-93E2-E3B085C9AB24}">
-                <p16:designElem xmlns:p16="http://schemas.microsoft.com/office/powerpoint/2015/main" xmlns="" val="1"/>
+                <p16:designElem xmlns:p16="http://schemas.microsoft.com/office/powerpoint/2015/main" val="1"/>
               </p:ext>
             </p:extLst>
           </p:nvPr>
@@ -19044,7 +18823,7 @@
           <p:cNvPr id="2" name="Cím 1">
             <a:extLst>
               <a:ext uri="{FF2B5EF4-FFF2-40B4-BE49-F238E27FC236}">
-                <a16:creationId xmlns:a16="http://schemas.microsoft.com/office/drawing/2014/main" xmlns="" id="{BCCBD3E8-06EA-14A7-7FA7-23CFDF795EE8}"/>
+                <a16:creationId xmlns:a16="http://schemas.microsoft.com/office/drawing/2014/main" id="{BCCBD3E8-06EA-14A7-7FA7-23CFDF795EE8}"/>
               </a:ext>
             </a:extLst>
           </p:cNvPr>
@@ -19068,7 +18847,7 @@
           <a:lstStyle/>
           <a:p>
             <a:r>
-              <a:rPr lang="hu-HU" sz="5400" kern="1200" dirty="0" smtClean="0">
+              <a:rPr lang="hu-HU" sz="5400" kern="1200" dirty="0">
                 <a:latin typeface="+mj-lt"/>
                 <a:ea typeface="+mj-ea"/>
                 <a:cs typeface="+mj-cs"/>
@@ -19076,7 +18855,7 @@
               <a:t>The </a:t>
             </a:r>
             <a:r>
-              <a:rPr lang="hu-HU" sz="5400" kern="1200" dirty="0" err="1" smtClean="0">
+              <a:rPr lang="hu-HU" sz="5400" kern="1200" dirty="0" err="1">
                 <a:latin typeface="+mj-lt"/>
                 <a:ea typeface="+mj-ea"/>
                 <a:cs typeface="+mj-cs"/>
@@ -19084,7 +18863,7 @@
               <a:t>road</a:t>
             </a:r>
             <a:r>
-              <a:rPr lang="hu-HU" sz="5400" kern="1200" dirty="0" smtClean="0">
+              <a:rPr lang="hu-HU" sz="5400" kern="1200" dirty="0">
                 <a:latin typeface="+mj-lt"/>
                 <a:ea typeface="+mj-ea"/>
                 <a:cs typeface="+mj-cs"/>
@@ -19092,7 +18871,7 @@
               <a:t> </a:t>
             </a:r>
             <a:r>
-              <a:rPr lang="hu-HU" sz="5400" kern="1200" dirty="0" err="1" smtClean="0">
+              <a:rPr lang="hu-HU" sz="5400" kern="1200" dirty="0" err="1">
                 <a:latin typeface="+mj-lt"/>
                 <a:ea typeface="+mj-ea"/>
                 <a:cs typeface="+mj-cs"/>
@@ -19100,7 +18879,7 @@
               <a:t>to</a:t>
             </a:r>
             <a:r>
-              <a:rPr lang="hu-HU" sz="5400" kern="1200" dirty="0" smtClean="0">
+              <a:rPr lang="hu-HU" sz="5400" kern="1200" dirty="0">
                 <a:latin typeface="+mj-lt"/>
                 <a:ea typeface="+mj-ea"/>
                 <a:cs typeface="+mj-cs"/>
@@ -19108,7 +18887,7 @@
               <a:t> </a:t>
             </a:r>
             <a:r>
-              <a:rPr lang="hu-HU" sz="5400" kern="1200" dirty="0" err="1" smtClean="0">
+              <a:rPr lang="hu-HU" sz="5400" kern="1200" dirty="0" err="1">
                 <a:latin typeface="+mj-lt"/>
                 <a:ea typeface="+mj-ea"/>
                 <a:cs typeface="+mj-cs"/>
@@ -19116,7 +18895,7 @@
               <a:t>our</a:t>
             </a:r>
             <a:r>
-              <a:rPr lang="hu-HU" sz="5400" kern="1200" dirty="0" smtClean="0">
+              <a:rPr lang="hu-HU" sz="5400" kern="1200" dirty="0">
                 <a:latin typeface="+mj-lt"/>
                 <a:ea typeface="+mj-ea"/>
                 <a:cs typeface="+mj-cs"/>
@@ -19124,7 +18903,7 @@
               <a:t> </a:t>
             </a:r>
             <a:r>
-              <a:rPr lang="hu-HU" sz="5400" kern="1200" dirty="0" err="1" smtClean="0">
+              <a:rPr lang="hu-HU" sz="5400" kern="1200" dirty="0" err="1">
                 <a:latin typeface="+mj-lt"/>
                 <a:ea typeface="+mj-ea"/>
                 <a:cs typeface="+mj-cs"/>
@@ -19132,7 +18911,7 @@
               <a:t>steady</a:t>
             </a:r>
             <a:r>
-              <a:rPr lang="hu-HU" sz="5400" kern="1200" dirty="0" smtClean="0">
+              <a:rPr lang="hu-HU" sz="5400" kern="1200" dirty="0">
                 <a:latin typeface="+mj-lt"/>
                 <a:ea typeface="+mj-ea"/>
                 <a:cs typeface="+mj-cs"/>
@@ -19140,7 +18919,7 @@
               <a:t> </a:t>
             </a:r>
             <a:r>
-              <a:rPr lang="hu-HU" sz="5400" kern="1200" dirty="0" err="1" smtClean="0">
+              <a:rPr lang="hu-HU" sz="5400" kern="1200" dirty="0" err="1">
                 <a:latin typeface="+mj-lt"/>
                 <a:ea typeface="+mj-ea"/>
                 <a:cs typeface="+mj-cs"/>
@@ -19148,7 +18927,7 @@
               <a:t>backend</a:t>
             </a:r>
             <a:r>
-              <a:rPr lang="hu-HU" sz="5400" kern="1200" dirty="0" smtClean="0">
+              <a:rPr lang="hu-HU" sz="5400" kern="1200" dirty="0">
                 <a:latin typeface="+mj-lt"/>
                 <a:ea typeface="+mj-ea"/>
                 <a:cs typeface="+mj-cs"/>
@@ -19168,10 +18947,10 @@
           <p:cNvPr id="34" name="sketch line">
             <a:extLst>
               <a:ext uri="{FF2B5EF4-FFF2-40B4-BE49-F238E27FC236}">
-                <a16:creationId xmlns:a16="http://schemas.microsoft.com/office/drawing/2014/main" xmlns="" id="{E0CBAC23-2E3F-4A90-BA59-F8299F6A5439}"/>
+                <a16:creationId xmlns:a16="http://schemas.microsoft.com/office/drawing/2014/main" id="{E0CBAC23-2E3F-4A90-BA59-F8299F6A5439}"/>
               </a:ext>
               <a:ext uri="{C183D7F6-B498-43B3-948B-1728B52AA6E4}">
-                <adec:decorative xmlns:adec="http://schemas.microsoft.com/office/drawing/2017/decorative" xmlns="" val="1"/>
+                <adec:decorative xmlns:adec="http://schemas.microsoft.com/office/drawing/2017/decorative" val="1"/>
               </a:ext>
             </a:extLst>
           </p:cNvPr>
@@ -19181,7 +18960,7 @@
           <p:nvPr>
             <p:extLst>
               <p:ext uri="{386F3935-93C4-4BCD-93E2-E3B085C9AB24}">
-                <p16:designElem xmlns:p16="http://schemas.microsoft.com/office/powerpoint/2015/main" xmlns="" val="1"/>
+                <p16:designElem xmlns:p16="http://schemas.microsoft.com/office/powerpoint/2015/main" val="1"/>
               </p:ext>
             </p:extLst>
           </p:nvPr>
@@ -19739,7 +19518,7 @@
             <a:round/>
             <a:extLst>
               <a:ext uri="{C807C97D-BFC1-408E-A445-0C87EB9F89A2}">
-                <ask:lineSketchStyleProps xmlns:ask="http://schemas.microsoft.com/office/drawing/2018/sketchyshapes" xmlns="" sd="1219033472">
+                <ask:lineSketchStyleProps xmlns:ask="http://schemas.microsoft.com/office/drawing/2018/sketchyshapes" sd="1219033472">
                   <a:prstGeom prst="rect">
                     <a:avLst/>
                   </a:prstGeom>
@@ -19781,7 +19560,7 @@
           <p:cNvPr id="14" name="Szövegdoboz 3">
             <a:extLst>
               <a:ext uri="{FF2B5EF4-FFF2-40B4-BE49-F238E27FC236}">
-                <a16:creationId xmlns:a16="http://schemas.microsoft.com/office/drawing/2014/main" xmlns="" id="{D75CF4D2-2255-EDDF-E01B-4F9C6D6BE4DE}"/>
+                <a16:creationId xmlns:a16="http://schemas.microsoft.com/office/drawing/2014/main" id="{D75CF4D2-2255-EDDF-E01B-4F9C6D6BE4DE}"/>
               </a:ext>
             </a:extLst>
           </p:cNvPr>
@@ -19847,10 +19626,10 @@
           <p:cNvPr id="29" name="Rectangle 17">
             <a:extLst>
               <a:ext uri="{FF2B5EF4-FFF2-40B4-BE49-F238E27FC236}">
-                <a16:creationId xmlns:a16="http://schemas.microsoft.com/office/drawing/2014/main" xmlns="" id="{35DB3719-6FDC-4E5D-891D-FF40B7300F64}"/>
+                <a16:creationId xmlns:a16="http://schemas.microsoft.com/office/drawing/2014/main" id="{35DB3719-6FDC-4E5D-891D-FF40B7300F64}"/>
               </a:ext>
               <a:ext uri="{C183D7F6-B498-43B3-948B-1728B52AA6E4}">
-                <adec:decorative xmlns:adec="http://schemas.microsoft.com/office/drawing/2017/decorative" xmlns="" val="1"/>
+                <adec:decorative xmlns:adec="http://schemas.microsoft.com/office/drawing/2017/decorative" val="1"/>
               </a:ext>
             </a:extLst>
           </p:cNvPr>
@@ -19860,7 +19639,7 @@
           <p:nvPr>
             <p:extLst>
               <p:ext uri="{386F3935-93C4-4BCD-93E2-E3B085C9AB24}">
-                <p16:designElem xmlns:p16="http://schemas.microsoft.com/office/powerpoint/2015/main" xmlns="" val="1"/>
+                <p16:designElem xmlns:p16="http://schemas.microsoft.com/office/powerpoint/2015/main" val="1"/>
               </p:ext>
             </p:extLst>
           </p:nvPr>
@@ -19907,7 +19686,7 @@
           <p:cNvPr id="2" name="Cím 1">
             <a:extLst>
               <a:ext uri="{FF2B5EF4-FFF2-40B4-BE49-F238E27FC236}">
-                <a16:creationId xmlns:a16="http://schemas.microsoft.com/office/drawing/2014/main" xmlns="" id="{BCCBD3E8-06EA-14A7-7FA7-23CFDF795EE8}"/>
+                <a16:creationId xmlns:a16="http://schemas.microsoft.com/office/drawing/2014/main" id="{BCCBD3E8-06EA-14A7-7FA7-23CFDF795EE8}"/>
               </a:ext>
             </a:extLst>
           </p:cNvPr>
@@ -19931,7 +19710,7 @@
           <a:lstStyle/>
           <a:p>
             <a:r>
-              <a:rPr lang="hu-HU" sz="5400" kern="1200" dirty="0" err="1" smtClean="0">
+              <a:rPr lang="hu-HU" sz="5400" kern="1200" dirty="0" err="1">
                 <a:solidFill>
                   <a:schemeClr val="tx1"/>
                 </a:solidFill>
@@ -19942,7 +19721,7 @@
               <a:t>What</a:t>
             </a:r>
             <a:r>
-              <a:rPr lang="hu-HU" sz="5400" kern="1200" dirty="0" smtClean="0">
+              <a:rPr lang="hu-HU" sz="5400" kern="1200" dirty="0">
                 <a:solidFill>
                   <a:schemeClr val="tx1"/>
                 </a:solidFill>
@@ -19953,7 +19732,7 @@
               <a:t> </a:t>
             </a:r>
             <a:r>
-              <a:rPr lang="hu-HU" sz="5400" kern="1200" dirty="0" err="1" smtClean="0">
+              <a:rPr lang="hu-HU" sz="5400" kern="1200" dirty="0" err="1">
                 <a:solidFill>
                   <a:schemeClr val="tx1"/>
                 </a:solidFill>
@@ -19964,7 +19743,7 @@
               <a:t>we</a:t>
             </a:r>
             <a:r>
-              <a:rPr lang="hu-HU" sz="5400" kern="1200" dirty="0" smtClean="0">
+              <a:rPr lang="hu-HU" sz="5400" kern="1200" dirty="0">
                 <a:solidFill>
                   <a:schemeClr val="tx1"/>
                 </a:solidFill>
@@ -19975,7 +19754,7 @@
               <a:t> had </a:t>
             </a:r>
             <a:r>
-              <a:rPr lang="hu-HU" sz="5400" kern="1200" dirty="0" err="1" smtClean="0">
+              <a:rPr lang="hu-HU" sz="5400" kern="1200" dirty="0" err="1">
                 <a:solidFill>
                   <a:schemeClr val="tx1"/>
                 </a:solidFill>
@@ -19986,7 +19765,7 @@
               <a:t>in</a:t>
             </a:r>
             <a:r>
-              <a:rPr lang="hu-HU" sz="5400" kern="1200" dirty="0" smtClean="0">
+              <a:rPr lang="hu-HU" sz="5400" kern="1200" dirty="0">
                 <a:solidFill>
                   <a:schemeClr val="tx1"/>
                 </a:solidFill>
@@ -19997,7 +19776,7 @@
               <a:t> mind </a:t>
             </a:r>
             <a:r>
-              <a:rPr lang="hu-HU" sz="5400" kern="1200" dirty="0" err="1" smtClean="0">
+              <a:rPr lang="hu-HU" sz="5400" kern="1200" dirty="0" err="1">
                 <a:solidFill>
                   <a:schemeClr val="tx1"/>
                 </a:solidFill>
@@ -20008,7 +19787,7 @@
               <a:t>for</a:t>
             </a:r>
             <a:r>
-              <a:rPr lang="hu-HU" sz="5400" kern="1200" dirty="0" smtClean="0">
+              <a:rPr lang="hu-HU" sz="5400" kern="1200" dirty="0">
                 <a:solidFill>
                   <a:schemeClr val="tx1"/>
                 </a:solidFill>
@@ -20019,7 +19798,7 @@
               <a:t> </a:t>
             </a:r>
             <a:r>
-              <a:rPr lang="hu-HU" sz="5400" kern="1200" dirty="0" err="1" smtClean="0">
+              <a:rPr lang="hu-HU" sz="5400" kern="1200" dirty="0" err="1">
                 <a:solidFill>
                   <a:schemeClr val="tx1"/>
                 </a:solidFill>
@@ -20030,7 +19809,7 @@
               <a:t>our</a:t>
             </a:r>
             <a:r>
-              <a:rPr lang="hu-HU" sz="5400" kern="1200" dirty="0" smtClean="0">
+              <a:rPr lang="hu-HU" sz="5400" kern="1200" dirty="0">
                 <a:solidFill>
                   <a:schemeClr val="tx1"/>
                 </a:solidFill>
@@ -20056,10 +19835,10 @@
           <p:cNvPr id="30" name="sketch line">
             <a:extLst>
               <a:ext uri="{FF2B5EF4-FFF2-40B4-BE49-F238E27FC236}">
-                <a16:creationId xmlns:a16="http://schemas.microsoft.com/office/drawing/2014/main" xmlns="" id="{E0CBAC23-2E3F-4A90-BA59-F8299F6A5439}"/>
+                <a16:creationId xmlns:a16="http://schemas.microsoft.com/office/drawing/2014/main" id="{E0CBAC23-2E3F-4A90-BA59-F8299F6A5439}"/>
               </a:ext>
               <a:ext uri="{C183D7F6-B498-43B3-948B-1728B52AA6E4}">
-                <adec:decorative xmlns:adec="http://schemas.microsoft.com/office/drawing/2017/decorative" xmlns="" val="1"/>
+                <adec:decorative xmlns:adec="http://schemas.microsoft.com/office/drawing/2017/decorative" val="1"/>
               </a:ext>
             </a:extLst>
           </p:cNvPr>
@@ -20069,7 +19848,7 @@
           <p:nvPr>
             <p:extLst>
               <p:ext uri="{386F3935-93C4-4BCD-93E2-E3B085C9AB24}">
-                <p16:designElem xmlns:p16="http://schemas.microsoft.com/office/powerpoint/2015/main" xmlns="" val="1"/>
+                <p16:designElem xmlns:p16="http://schemas.microsoft.com/office/powerpoint/2015/main" val="1"/>
               </p:ext>
             </p:extLst>
           </p:nvPr>
@@ -20627,7 +20406,7 @@
             <a:round/>
             <a:extLst>
               <a:ext uri="{C807C97D-BFC1-408E-A445-0C87EB9F89A2}">
-                <ask:lineSketchStyleProps xmlns:ask="http://schemas.microsoft.com/office/drawing/2018/sketchyshapes" xmlns="" sd="1219033472">
+                <ask:lineSketchStyleProps xmlns:ask="http://schemas.microsoft.com/office/drawing/2018/sketchyshapes" sd="1219033472">
                   <a:prstGeom prst="rect">
                     <a:avLst/>
                   </a:prstGeom>
@@ -20669,7 +20448,7 @@
           <p:cNvPr id="14" name="Szövegdoboz 3">
             <a:extLst>
               <a:ext uri="{FF2B5EF4-FFF2-40B4-BE49-F238E27FC236}">
-                <a16:creationId xmlns:a16="http://schemas.microsoft.com/office/drawing/2014/main" xmlns="" id="{B86C2C51-FD98-4938-AB22-E47986DD31A7}"/>
+                <a16:creationId xmlns:a16="http://schemas.microsoft.com/office/drawing/2014/main" id="{B86C2C51-FD98-4938-AB22-E47986DD31A7}"/>
               </a:ext>
             </a:extLst>
           </p:cNvPr>
@@ -20735,10 +20514,10 @@
           <p:cNvPr id="1042" name="Rectangle 1030">
             <a:extLst>
               <a:ext uri="{FF2B5EF4-FFF2-40B4-BE49-F238E27FC236}">
-                <a16:creationId xmlns:a16="http://schemas.microsoft.com/office/drawing/2014/main" xmlns="" id="{D75A5B51-0925-4835-8511-A0DD17EAA97C}"/>
+                <a16:creationId xmlns:a16="http://schemas.microsoft.com/office/drawing/2014/main" id="{D75A5B51-0925-4835-8511-A0DD17EAA97C}"/>
               </a:ext>
               <a:ext uri="{C183D7F6-B498-43B3-948B-1728B52AA6E4}">
-                <adec:decorative xmlns:adec="http://schemas.microsoft.com/office/drawing/2017/decorative" xmlns="" val="1"/>
+                <adec:decorative xmlns:adec="http://schemas.microsoft.com/office/drawing/2017/decorative" val="1"/>
               </a:ext>
             </a:extLst>
           </p:cNvPr>
@@ -20748,7 +20527,7 @@
           <p:nvPr>
             <p:extLst>
               <p:ext uri="{386F3935-93C4-4BCD-93E2-E3B085C9AB24}">
-                <p16:designElem xmlns:p16="http://schemas.microsoft.com/office/powerpoint/2015/main" xmlns="" val="1"/>
+                <p16:designElem xmlns:p16="http://schemas.microsoft.com/office/powerpoint/2015/main" val="1"/>
               </p:ext>
             </p:extLst>
           </p:nvPr>
@@ -20795,7 +20574,7 @@
           <p:cNvPr id="2" name="Cím 1">
             <a:extLst>
               <a:ext uri="{FF2B5EF4-FFF2-40B4-BE49-F238E27FC236}">
-                <a16:creationId xmlns:a16="http://schemas.microsoft.com/office/drawing/2014/main" xmlns="" id="{BCCBD3E8-06EA-14A7-7FA7-23CFDF795EE8}"/>
+                <a16:creationId xmlns:a16="http://schemas.microsoft.com/office/drawing/2014/main" id="{BCCBD3E8-06EA-14A7-7FA7-23CFDF795EE8}"/>
               </a:ext>
             </a:extLst>
           </p:cNvPr>
@@ -20820,29 +20599,21 @@
           <a:p>
             <a:r>
               <a:rPr lang="en-US" sz="5400" dirty="0"/>
-              <a:t>Backend </a:t>
-            </a:r>
-            <a:r>
-              <a:rPr lang="en-US" sz="5400" dirty="0" smtClean="0"/>
-              <a:t>technologies</a:t>
-            </a:r>
-            <a:r>
-              <a:rPr lang="hu-HU" sz="5400" dirty="0" smtClean="0"/>
-              <a:t/>
+              <a:t>Backend technologies</a:t>
             </a:r>
             <a:br>
-              <a:rPr lang="hu-HU" sz="5400" dirty="0" smtClean="0"/>
+              <a:rPr lang="hu-HU" sz="5400" dirty="0"/>
             </a:br>
             <a:r>
-              <a:rPr lang="hu-HU" sz="5400" dirty="0" err="1" smtClean="0"/>
+              <a:rPr lang="hu-HU" sz="5400" dirty="0" err="1"/>
               <a:t>for</a:t>
             </a:r>
             <a:r>
-              <a:rPr lang="hu-HU" sz="5400" dirty="0" smtClean="0"/>
+              <a:rPr lang="hu-HU" sz="5400" dirty="0"/>
               <a:t> </a:t>
             </a:r>
             <a:r>
-              <a:rPr lang="hu-HU" sz="5400" dirty="0" err="1" smtClean="0"/>
+              <a:rPr lang="hu-HU" sz="5400" dirty="0" err="1"/>
               <a:t>TribiTrabi</a:t>
             </a:r>
             <a:endParaRPr lang="en-US" sz="5400" dirty="0"/>
@@ -20854,10 +20625,10 @@
           <p:cNvPr id="1043" name="Sketch line">
             <a:extLst>
               <a:ext uri="{FF2B5EF4-FFF2-40B4-BE49-F238E27FC236}">
-                <a16:creationId xmlns:a16="http://schemas.microsoft.com/office/drawing/2014/main" xmlns="" id="{5CDFD20D-8E4F-4E3A-AF87-93F23E0DBFB3}"/>
+                <a16:creationId xmlns:a16="http://schemas.microsoft.com/office/drawing/2014/main" id="{5CDFD20D-8E4F-4E3A-AF87-93F23E0DBFB3}"/>
               </a:ext>
               <a:ext uri="{C183D7F6-B498-43B3-948B-1728B52AA6E4}">
-                <adec:decorative xmlns:adec="http://schemas.microsoft.com/office/drawing/2017/decorative" xmlns="" val="1"/>
+                <adec:decorative xmlns:adec="http://schemas.microsoft.com/office/drawing/2017/decorative" val="1"/>
               </a:ext>
             </a:extLst>
           </p:cNvPr>
@@ -20867,7 +20638,7 @@
           <p:nvPr>
             <p:extLst>
               <p:ext uri="{386F3935-93C4-4BCD-93E2-E3B085C9AB24}">
-                <p16:designElem xmlns:p16="http://schemas.microsoft.com/office/powerpoint/2015/main" xmlns="" val="1"/>
+                <p16:designElem xmlns:p16="http://schemas.microsoft.com/office/powerpoint/2015/main" val="1"/>
               </p:ext>
             </p:extLst>
           </p:nvPr>
@@ -21155,7 +20926,7 @@
             <a:round/>
             <a:extLst>
               <a:ext uri="{C807C97D-BFC1-408E-A445-0C87EB9F89A2}">
-                <ask:lineSketchStyleProps xmlns:ask="http://schemas.microsoft.com/office/drawing/2018/sketchyshapes" xmlns="" sd="1219033472">
+                <ask:lineSketchStyleProps xmlns:ask="http://schemas.microsoft.com/office/drawing/2018/sketchyshapes" sd="1219033472">
                   <a:prstGeom prst="rect">
                     <a:avLst/>
                   </a:prstGeom>
@@ -21197,7 +20968,7 @@
           <p:cNvPr id="4" name="Szövegdoboz 3">
             <a:extLst>
               <a:ext uri="{FF2B5EF4-FFF2-40B4-BE49-F238E27FC236}">
-                <a16:creationId xmlns:a16="http://schemas.microsoft.com/office/drawing/2014/main" xmlns="" id="{61B018BA-42DD-B2FE-A1A6-3FF8A9E4AC55}"/>
+                <a16:creationId xmlns:a16="http://schemas.microsoft.com/office/drawing/2014/main" id="{61B018BA-42DD-B2FE-A1A6-3FF8A9E4AC55}"/>
               </a:ext>
             </a:extLst>
           </p:cNvPr>
@@ -21337,7 +21108,7 @@
           <p:cNvPr id="9" name="Kép 8" descr="A képen képernyőkép, zöld, Grafika, tervezés látható&#10;&#10;Automatikusan generált leírás">
             <a:extLst>
               <a:ext uri="{FF2B5EF4-FFF2-40B4-BE49-F238E27FC236}">
-                <a16:creationId xmlns:a16="http://schemas.microsoft.com/office/drawing/2014/main" xmlns="" id="{92C0E1E2-8B7A-18EC-D904-8BB17F9BB5AF}"/>
+                <a16:creationId xmlns:a16="http://schemas.microsoft.com/office/drawing/2014/main" id="{92C0E1E2-8B7A-18EC-D904-8BB17F9BB5AF}"/>
               </a:ext>
             </a:extLst>
           </p:cNvPr>
@@ -21353,7 +21124,7 @@
                 <a14:useLocalDpi xmlns:a14="http://schemas.microsoft.com/office/drawing/2010/main" val="0"/>
               </a:ext>
               <a:ext uri="{837473B0-CC2E-450A-ABE3-18F120FF3D39}">
-                <a1611:picAttrSrcUrl xmlns:a1611="http://schemas.microsoft.com/office/drawing/2016/11/main" xmlns="" r:id="rId3"/>
+                <a1611:picAttrSrcUrl xmlns:a1611="http://schemas.microsoft.com/office/drawing/2016/11/main" r:id="rId3"/>
               </a:ext>
             </a:extLst>
           </a:blip>
@@ -21376,7 +21147,7 @@
           <p:cNvPr id="1026" name="Picture 2" descr="mySQL Data Hosting">
             <a:extLst>
               <a:ext uri="{FF2B5EF4-FFF2-40B4-BE49-F238E27FC236}">
-                <a16:creationId xmlns:a16="http://schemas.microsoft.com/office/drawing/2014/main" xmlns="" id="{5FB21FF9-138E-34BF-5AEA-3445C84DD06B}"/>
+                <a16:creationId xmlns:a16="http://schemas.microsoft.com/office/drawing/2014/main" id="{5FB21FF9-138E-34BF-5AEA-3445C84DD06B}"/>
               </a:ext>
             </a:extLst>
           </p:cNvPr>
@@ -21422,7 +21193,7 @@
           <p:cNvPr id="5" name="Kép 4" descr="A képen Betűtípus, Grafika, embléma, sárga látható&#10;&#10;Automatikusan generált leírás">
             <a:extLst>
               <a:ext uri="{FF2B5EF4-FFF2-40B4-BE49-F238E27FC236}">
-                <a16:creationId xmlns:a16="http://schemas.microsoft.com/office/drawing/2014/main" xmlns="" id="{90D7507A-A791-A810-5BF5-FE5B3E077A8E}"/>
+                <a16:creationId xmlns:a16="http://schemas.microsoft.com/office/drawing/2014/main" id="{90D7507A-A791-A810-5BF5-FE5B3E077A8E}"/>
               </a:ext>
             </a:extLst>
           </p:cNvPr>
@@ -21438,7 +21209,7 @@
                 <a14:useLocalDpi xmlns:a14="http://schemas.microsoft.com/office/drawing/2010/main" val="0"/>
               </a:ext>
               <a:ext uri="{837473B0-CC2E-450A-ABE3-18F120FF3D39}">
-                <a1611:picAttrSrcUrl xmlns:a1611="http://schemas.microsoft.com/office/drawing/2016/11/main" xmlns="" r:id="rId6"/>
+                <a1611:picAttrSrcUrl xmlns:a1611="http://schemas.microsoft.com/office/drawing/2016/11/main" r:id="rId6"/>
               </a:ext>
             </a:extLst>
           </a:blip>
@@ -21529,10 +21300,10 @@
           <p:cNvPr id="2061" name="Rectangle 2060">
             <a:extLst>
               <a:ext uri="{FF2B5EF4-FFF2-40B4-BE49-F238E27FC236}">
-                <a16:creationId xmlns:a16="http://schemas.microsoft.com/office/drawing/2014/main" xmlns="" id="{94BFCCA4-109C-4B21-816E-144FE75C38EE}"/>
+                <a16:creationId xmlns:a16="http://schemas.microsoft.com/office/drawing/2014/main" id="{94BFCCA4-109C-4B21-816E-144FE75C38EE}"/>
               </a:ext>
               <a:ext uri="{C183D7F6-B498-43B3-948B-1728B52AA6E4}">
-                <adec:decorative xmlns:adec="http://schemas.microsoft.com/office/drawing/2017/decorative" xmlns="" val="1"/>
+                <adec:decorative xmlns:adec="http://schemas.microsoft.com/office/drawing/2017/decorative" val="1"/>
               </a:ext>
             </a:extLst>
           </p:cNvPr>
@@ -21542,7 +21313,7 @@
           <p:nvPr>
             <p:extLst>
               <p:ext uri="{386F3935-93C4-4BCD-93E2-E3B085C9AB24}">
-                <p16:designElem xmlns:p16="http://schemas.microsoft.com/office/powerpoint/2015/main" xmlns="" val="1"/>
+                <p16:designElem xmlns:p16="http://schemas.microsoft.com/office/powerpoint/2015/main" val="1"/>
               </p:ext>
             </p:extLst>
           </p:nvPr>
@@ -21589,7 +21360,7 @@
           <p:cNvPr id="2" name="Cím 1">
             <a:extLst>
               <a:ext uri="{FF2B5EF4-FFF2-40B4-BE49-F238E27FC236}">
-                <a16:creationId xmlns:a16="http://schemas.microsoft.com/office/drawing/2014/main" xmlns="" id="{BCCBD3E8-06EA-14A7-7FA7-23CFDF795EE8}"/>
+                <a16:creationId xmlns:a16="http://schemas.microsoft.com/office/drawing/2014/main" id="{BCCBD3E8-06EA-14A7-7FA7-23CFDF795EE8}"/>
               </a:ext>
             </a:extLst>
           </p:cNvPr>
@@ -21614,26 +21385,22 @@
           <a:p>
             <a:r>
               <a:rPr lang="en-US" dirty="0"/>
-              <a:t>Frontend </a:t>
+              <a:t>Frontend technologies</a:t>
             </a:r>
             <a:r>
-              <a:rPr lang="en-US" dirty="0" smtClean="0"/>
-              <a:t>technologies</a:t>
-            </a:r>
-            <a:r>
-              <a:rPr lang="hu-HU" dirty="0" smtClean="0"/>
+              <a:rPr lang="hu-HU" dirty="0"/>
               <a:t> </a:t>
             </a:r>
             <a:r>
-              <a:rPr lang="hu-HU" dirty="0" err="1" smtClean="0"/>
+              <a:rPr lang="hu-HU" dirty="0" err="1"/>
               <a:t>for</a:t>
             </a:r>
             <a:r>
-              <a:rPr lang="hu-HU" dirty="0" smtClean="0"/>
+              <a:rPr lang="hu-HU" dirty="0"/>
               <a:t> </a:t>
             </a:r>
             <a:r>
-              <a:rPr lang="hu-HU" dirty="0" err="1" smtClean="0"/>
+              <a:rPr lang="hu-HU" dirty="0" err="1"/>
               <a:t>TribiTrabi</a:t>
             </a:r>
             <a:endParaRPr lang="en-US" dirty="0"/>
@@ -21645,10 +21412,10 @@
           <p:cNvPr id="2063" name="sketch line">
             <a:extLst>
               <a:ext uri="{FF2B5EF4-FFF2-40B4-BE49-F238E27FC236}">
-                <a16:creationId xmlns:a16="http://schemas.microsoft.com/office/drawing/2014/main" xmlns="" id="{0059B5C0-FEC8-4370-AF45-02E3AEF6FA6D}"/>
+                <a16:creationId xmlns:a16="http://schemas.microsoft.com/office/drawing/2014/main" id="{0059B5C0-FEC8-4370-AF45-02E3AEF6FA6D}"/>
               </a:ext>
               <a:ext uri="{C183D7F6-B498-43B3-948B-1728B52AA6E4}">
-                <adec:decorative xmlns:adec="http://schemas.microsoft.com/office/drawing/2017/decorative" xmlns="" val="1"/>
+                <adec:decorative xmlns:adec="http://schemas.microsoft.com/office/drawing/2017/decorative" val="1"/>
               </a:ext>
             </a:extLst>
           </p:cNvPr>
@@ -21658,7 +21425,7 @@
           <p:nvPr>
             <p:extLst>
               <p:ext uri="{386F3935-93C4-4BCD-93E2-E3B085C9AB24}">
-                <p16:designElem xmlns:p16="http://schemas.microsoft.com/office/powerpoint/2015/main" xmlns="" val="1"/>
+                <p16:designElem xmlns:p16="http://schemas.microsoft.com/office/powerpoint/2015/main" val="1"/>
               </p:ext>
             </p:extLst>
           </p:nvPr>
@@ -21916,7 +21683,7 @@
             <a:round/>
             <a:extLst>
               <a:ext uri="{C807C97D-BFC1-408E-A445-0C87EB9F89A2}">
-                <ask:lineSketchStyleProps xmlns:ask="http://schemas.microsoft.com/office/drawing/2018/sketchyshapes" xmlns="" sd="2448976505">
+                <ask:lineSketchStyleProps xmlns:ask="http://schemas.microsoft.com/office/drawing/2018/sketchyshapes" sd="2448976505">
                   <a:prstGeom prst="rect">
                     <a:avLst/>
                   </a:prstGeom>
@@ -21958,7 +21725,7 @@
           <p:cNvPr id="4" name="Szövegdoboz 3">
             <a:extLst>
               <a:ext uri="{FF2B5EF4-FFF2-40B4-BE49-F238E27FC236}">
-                <a16:creationId xmlns:a16="http://schemas.microsoft.com/office/drawing/2014/main" xmlns="" id="{61B018BA-42DD-B2FE-A1A6-3FF8A9E4AC55}"/>
+                <a16:creationId xmlns:a16="http://schemas.microsoft.com/office/drawing/2014/main" id="{61B018BA-42DD-B2FE-A1A6-3FF8A9E4AC55}"/>
               </a:ext>
             </a:extLst>
           </p:cNvPr>
@@ -22007,10 +21774,10 @@
               <a:buChar char="•"/>
             </a:pPr>
             <a:r>
-              <a:rPr lang="en-US" sz="2200" dirty="0" err="1" smtClean="0"/>
+              <a:rPr lang="en-US" sz="2200" dirty="0" err="1"/>
               <a:t>Figma</a:t>
             </a:r>
-            <a:endParaRPr lang="hu-HU" sz="2200" dirty="0" smtClean="0"/>
+            <a:endParaRPr lang="hu-HU" sz="2200" dirty="0"/>
           </a:p>
           <a:p>
             <a:pPr marL="742950" lvl="1" indent="-228600">
@@ -22024,7 +21791,7 @@
               <a:buChar char="•"/>
             </a:pPr>
             <a:r>
-              <a:rPr lang="hu-HU" sz="2200" dirty="0" err="1" smtClean="0"/>
+              <a:rPr lang="hu-HU" sz="2200" dirty="0" err="1"/>
               <a:t>Trello</a:t>
             </a:r>
             <a:endParaRPr lang="hu-HU" sz="2200" dirty="0"/>
@@ -22109,7 +21876,7 @@
               <a:buChar char="•"/>
             </a:pPr>
             <a:r>
-              <a:rPr lang="en-US" sz="2200" dirty="0" smtClean="0"/>
+              <a:rPr lang="en-US" sz="2200" dirty="0"/>
               <a:t>HTML</a:t>
             </a:r>
             <a:endParaRPr lang="hu-HU" sz="2200" dirty="0"/>
@@ -22121,7 +21888,7 @@
           <p:cNvPr id="2052" name="Picture 4" descr="Figma | San Francisco CA">
             <a:extLst>
               <a:ext uri="{FF2B5EF4-FFF2-40B4-BE49-F238E27FC236}">
-                <a16:creationId xmlns:a16="http://schemas.microsoft.com/office/drawing/2014/main" xmlns="" id="{3FB77DFF-A1A8-4C9B-9A00-15AFA6E2A680}"/>
+                <a16:creationId xmlns:a16="http://schemas.microsoft.com/office/drawing/2014/main" id="{3FB77DFF-A1A8-4C9B-9A00-15AFA6E2A680}"/>
               </a:ext>
             </a:extLst>
           </p:cNvPr>
@@ -22167,7 +21934,7 @@
           <p:cNvPr id="2054" name="Picture 6" descr="JavaScript – Wikipédia">
             <a:extLst>
               <a:ext uri="{FF2B5EF4-FFF2-40B4-BE49-F238E27FC236}">
-                <a16:creationId xmlns:a16="http://schemas.microsoft.com/office/drawing/2014/main" xmlns="" id="{B2FF568F-2D9F-6415-8293-5DC1CB34AF3B}"/>
+                <a16:creationId xmlns:a16="http://schemas.microsoft.com/office/drawing/2014/main" id="{B2FF568F-2D9F-6415-8293-5DC1CB34AF3B}"/>
               </a:ext>
             </a:extLst>
           </p:cNvPr>
@@ -22320,10 +22087,10 @@
           <p:cNvPr id="18" name="Rectangle 17">
             <a:extLst>
               <a:ext uri="{FF2B5EF4-FFF2-40B4-BE49-F238E27FC236}">
-                <a16:creationId xmlns:a16="http://schemas.microsoft.com/office/drawing/2014/main" xmlns="" id="{35DB3719-6FDC-4E5D-891D-FF40B7300F64}"/>
+                <a16:creationId xmlns:a16="http://schemas.microsoft.com/office/drawing/2014/main" id="{35DB3719-6FDC-4E5D-891D-FF40B7300F64}"/>
               </a:ext>
               <a:ext uri="{C183D7F6-B498-43B3-948B-1728B52AA6E4}">
-                <adec:decorative xmlns:adec="http://schemas.microsoft.com/office/drawing/2017/decorative" xmlns="" val="1"/>
+                <adec:decorative xmlns:adec="http://schemas.microsoft.com/office/drawing/2017/decorative" val="1"/>
               </a:ext>
             </a:extLst>
           </p:cNvPr>
@@ -22333,7 +22100,7 @@
           <p:nvPr>
             <p:extLst>
               <p:ext uri="{386F3935-93C4-4BCD-93E2-E3B085C9AB24}">
-                <p16:designElem xmlns:p16="http://schemas.microsoft.com/office/powerpoint/2015/main" xmlns="" val="1"/>
+                <p16:designElem xmlns:p16="http://schemas.microsoft.com/office/powerpoint/2015/main" val="1"/>
               </p:ext>
             </p:extLst>
           </p:nvPr>
@@ -22380,7 +22147,7 @@
           <p:cNvPr id="2" name="Cím 1">
             <a:extLst>
               <a:ext uri="{FF2B5EF4-FFF2-40B4-BE49-F238E27FC236}">
-                <a16:creationId xmlns:a16="http://schemas.microsoft.com/office/drawing/2014/main" xmlns="" id="{BCCBD3E8-06EA-14A7-7FA7-23CFDF795EE8}"/>
+                <a16:creationId xmlns:a16="http://schemas.microsoft.com/office/drawing/2014/main" id="{BCCBD3E8-06EA-14A7-7FA7-23CFDF795EE8}"/>
               </a:ext>
             </a:extLst>
           </p:cNvPr>
@@ -22404,7 +22171,7 @@
           <a:lstStyle/>
           <a:p>
             <a:r>
-              <a:rPr lang="hu-HU" sz="5400" kern="1200" dirty="0" err="1" smtClean="0">
+              <a:rPr lang="hu-HU" sz="5400" kern="1200" dirty="0" err="1">
                 <a:solidFill>
                   <a:schemeClr val="tx1"/>
                 </a:solidFill>
@@ -22415,7 +22182,7 @@
               <a:t>How</a:t>
             </a:r>
             <a:r>
-              <a:rPr lang="hu-HU" sz="5400" kern="1200" dirty="0" smtClean="0">
+              <a:rPr lang="hu-HU" sz="5400" kern="1200" dirty="0">
                 <a:solidFill>
                   <a:schemeClr val="tx1"/>
                 </a:solidFill>
@@ -22426,7 +22193,7 @@
               <a:t> </a:t>
             </a:r>
             <a:r>
-              <a:rPr lang="hu-HU" sz="5400" kern="1200" dirty="0" err="1" smtClean="0">
+              <a:rPr lang="hu-HU" sz="5400" kern="1200" dirty="0" err="1">
                 <a:solidFill>
                   <a:schemeClr val="tx1"/>
                 </a:solidFill>
@@ -22437,7 +22204,7 @@
               <a:t>our</a:t>
             </a:r>
             <a:r>
-              <a:rPr lang="hu-HU" sz="5400" kern="1200" dirty="0" smtClean="0">
+              <a:rPr lang="hu-HU" sz="5400" kern="1200" dirty="0">
                 <a:solidFill>
                   <a:schemeClr val="tx1"/>
                 </a:solidFill>
@@ -22448,7 +22215,7 @@
               <a:t> </a:t>
             </a:r>
             <a:r>
-              <a:rPr lang="hu-HU" sz="5400" kern="1200" dirty="0" err="1" smtClean="0">
+              <a:rPr lang="hu-HU" sz="5400" kern="1200" dirty="0" err="1">
                 <a:solidFill>
                   <a:schemeClr val="tx1"/>
                 </a:solidFill>
@@ -22459,7 +22226,7 @@
               <a:t>folder</a:t>
             </a:r>
             <a:r>
-              <a:rPr lang="hu-HU" sz="5400" kern="1200" dirty="0" smtClean="0">
+              <a:rPr lang="hu-HU" sz="5400" kern="1200" dirty="0">
                 <a:solidFill>
                   <a:schemeClr val="tx1"/>
                 </a:solidFill>
@@ -22470,7 +22237,7 @@
               <a:t> </a:t>
             </a:r>
             <a:r>
-              <a:rPr lang="hu-HU" sz="5400" kern="1200" dirty="0" err="1" smtClean="0">
+              <a:rPr lang="hu-HU" sz="5400" kern="1200" dirty="0" err="1">
                 <a:solidFill>
                   <a:schemeClr val="tx1"/>
                 </a:solidFill>
@@ -22481,7 +22248,7 @@
               <a:t>structure</a:t>
             </a:r>
             <a:r>
-              <a:rPr lang="hu-HU" sz="5400" kern="1200" dirty="0" smtClean="0">
+              <a:rPr lang="hu-HU" sz="5400" kern="1200" dirty="0">
                 <a:solidFill>
                   <a:schemeClr val="tx1"/>
                 </a:solidFill>
@@ -22492,7 +22259,7 @@
               <a:t> </a:t>
             </a:r>
             <a:r>
-              <a:rPr lang="hu-HU" sz="5400" kern="1200" dirty="0" err="1" smtClean="0">
+              <a:rPr lang="hu-HU" sz="5400" kern="1200" dirty="0" err="1">
                 <a:solidFill>
                   <a:schemeClr val="tx1"/>
                 </a:solidFill>
@@ -22503,7 +22270,7 @@
               <a:t>came</a:t>
             </a:r>
             <a:r>
-              <a:rPr lang="hu-HU" sz="5400" kern="1200" dirty="0" smtClean="0">
+              <a:rPr lang="hu-HU" sz="5400" kern="1200" dirty="0">
                 <a:solidFill>
                   <a:schemeClr val="tx1"/>
                 </a:solidFill>
@@ -22514,7 +22281,7 @@
               <a:t> </a:t>
             </a:r>
             <a:r>
-              <a:rPr lang="hu-HU" sz="5400" kern="1200" dirty="0" err="1" smtClean="0">
+              <a:rPr lang="hu-HU" sz="5400" kern="1200" dirty="0" err="1">
                 <a:solidFill>
                   <a:schemeClr val="tx1"/>
                 </a:solidFill>
@@ -22525,7 +22292,7 @@
               <a:t>to</a:t>
             </a:r>
             <a:r>
-              <a:rPr lang="hu-HU" sz="5400" kern="1200" dirty="0" smtClean="0">
+              <a:rPr lang="hu-HU" sz="5400" kern="1200" dirty="0">
                 <a:solidFill>
                   <a:schemeClr val="tx1"/>
                 </a:solidFill>
@@ -22551,10 +22318,10 @@
           <p:cNvPr id="20" name="sketch line">
             <a:extLst>
               <a:ext uri="{FF2B5EF4-FFF2-40B4-BE49-F238E27FC236}">
-                <a16:creationId xmlns:a16="http://schemas.microsoft.com/office/drawing/2014/main" xmlns="" id="{E0CBAC23-2E3F-4A90-BA59-F8299F6A5439}"/>
+                <a16:creationId xmlns:a16="http://schemas.microsoft.com/office/drawing/2014/main" id="{E0CBAC23-2E3F-4A90-BA59-F8299F6A5439}"/>
               </a:ext>
               <a:ext uri="{C183D7F6-B498-43B3-948B-1728B52AA6E4}">
-                <adec:decorative xmlns:adec="http://schemas.microsoft.com/office/drawing/2017/decorative" xmlns="" val="1"/>
+                <adec:decorative xmlns:adec="http://schemas.microsoft.com/office/drawing/2017/decorative" val="1"/>
               </a:ext>
             </a:extLst>
           </p:cNvPr>
@@ -22564,7 +22331,7 @@
           <p:nvPr>
             <p:extLst>
               <p:ext uri="{386F3935-93C4-4BCD-93E2-E3B085C9AB24}">
-                <p16:designElem xmlns:p16="http://schemas.microsoft.com/office/powerpoint/2015/main" xmlns="" val="1"/>
+                <p16:designElem xmlns:p16="http://schemas.microsoft.com/office/powerpoint/2015/main" val="1"/>
               </p:ext>
             </p:extLst>
           </p:nvPr>
@@ -23122,7 +22889,7 @@
             <a:round/>
             <a:extLst>
               <a:ext uri="{C807C97D-BFC1-408E-A445-0C87EB9F89A2}">
-                <ask:lineSketchStyleProps xmlns:ask="http://schemas.microsoft.com/office/drawing/2018/sketchyshapes" xmlns="" sd="1219033472">
+                <ask:lineSketchStyleProps xmlns:ask="http://schemas.microsoft.com/office/drawing/2018/sketchyshapes" sd="1219033472">
                   <a:prstGeom prst="rect">
                     <a:avLst/>
                   </a:prstGeom>
@@ -23164,7 +22931,7 @@
           <p:cNvPr id="22" name="Szövegdoboz 2">
             <a:extLst>
               <a:ext uri="{FF2B5EF4-FFF2-40B4-BE49-F238E27FC236}">
-                <a16:creationId xmlns:a16="http://schemas.microsoft.com/office/drawing/2014/main" xmlns="" id="{35DE538B-87F9-6181-0282-D9274E522BA5}"/>
+                <a16:creationId xmlns:a16="http://schemas.microsoft.com/office/drawing/2014/main" id="{35DE538B-87F9-6181-0282-D9274E522BA5}"/>
               </a:ext>
             </a:extLst>
           </p:cNvPr>
@@ -23230,10 +22997,10 @@
           <p:cNvPr id="26" name="Rectangle 25">
             <a:extLst>
               <a:ext uri="{FF2B5EF4-FFF2-40B4-BE49-F238E27FC236}">
-                <a16:creationId xmlns:a16="http://schemas.microsoft.com/office/drawing/2014/main" xmlns="" id="{8A94871E-96FC-4ADE-815B-41A636E34F1A}"/>
+                <a16:creationId xmlns:a16="http://schemas.microsoft.com/office/drawing/2014/main" id="{8A94871E-96FC-4ADE-815B-41A636E34F1A}"/>
               </a:ext>
               <a:ext uri="{C183D7F6-B498-43B3-948B-1728B52AA6E4}">
-                <adec:decorative xmlns:adec="http://schemas.microsoft.com/office/drawing/2017/decorative" xmlns="" val="1"/>
+                <adec:decorative xmlns:adec="http://schemas.microsoft.com/office/drawing/2017/decorative" val="1"/>
               </a:ext>
             </a:extLst>
           </p:cNvPr>
@@ -23243,7 +23010,7 @@
           <p:nvPr>
             <p:extLst>
               <p:ext uri="{386F3935-93C4-4BCD-93E2-E3B085C9AB24}">
-                <p16:designElem xmlns:p16="http://schemas.microsoft.com/office/powerpoint/2015/main" xmlns="" val="1"/>
+                <p16:designElem xmlns:p16="http://schemas.microsoft.com/office/powerpoint/2015/main" val="1"/>
               </p:ext>
             </p:extLst>
           </p:nvPr>
@@ -23290,7 +23057,7 @@
           <p:cNvPr id="2" name="Cím 1">
             <a:extLst>
               <a:ext uri="{FF2B5EF4-FFF2-40B4-BE49-F238E27FC236}">
-                <a16:creationId xmlns:a16="http://schemas.microsoft.com/office/drawing/2014/main" xmlns="" id="{B65C46D5-19A0-41AA-041E-70313850633E}"/>
+                <a16:creationId xmlns:a16="http://schemas.microsoft.com/office/drawing/2014/main" id="{B65C46D5-19A0-41AA-041E-70313850633E}"/>
               </a:ext>
             </a:extLst>
           </p:cNvPr>
@@ -23326,10 +23093,10 @@
           <p:cNvPr id="28" name="sketch line">
             <a:extLst>
               <a:ext uri="{FF2B5EF4-FFF2-40B4-BE49-F238E27FC236}">
-                <a16:creationId xmlns:a16="http://schemas.microsoft.com/office/drawing/2014/main" xmlns="" id="{3FCFB1DE-0B7E-48CC-BA90-B2AB0889F9D6}"/>
+                <a16:creationId xmlns:a16="http://schemas.microsoft.com/office/drawing/2014/main" id="{3FCFB1DE-0B7E-48CC-BA90-B2AB0889F9D6}"/>
               </a:ext>
               <a:ext uri="{C183D7F6-B498-43B3-948B-1728B52AA6E4}">
-                <adec:decorative xmlns:adec="http://schemas.microsoft.com/office/drawing/2017/decorative" xmlns="" val="1"/>
+                <adec:decorative xmlns:adec="http://schemas.microsoft.com/office/drawing/2017/decorative" val="1"/>
               </a:ext>
             </a:extLst>
           </p:cNvPr>
@@ -23339,7 +23106,7 @@
           <p:nvPr>
             <p:extLst>
               <p:ext uri="{386F3935-93C4-4BCD-93E2-E3B085C9AB24}">
-                <p16:designElem xmlns:p16="http://schemas.microsoft.com/office/powerpoint/2015/main" xmlns="" val="1"/>
+                <p16:designElem xmlns:p16="http://schemas.microsoft.com/office/powerpoint/2015/main" val="1"/>
               </p:ext>
             </p:extLst>
           </p:nvPr>
@@ -23627,7 +23394,7 @@
             <a:round/>
             <a:extLst>
               <a:ext uri="{C807C97D-BFC1-408E-A445-0C87EB9F89A2}">
-                <ask:lineSketchStyleProps xmlns:ask="http://schemas.microsoft.com/office/drawing/2018/sketchyshapes" xmlns="" sd="1219033472">
+                <ask:lineSketchStyleProps xmlns:ask="http://schemas.microsoft.com/office/drawing/2018/sketchyshapes" sd="1219033472">
                   <a:prstGeom prst="rect">
                     <a:avLst/>
                   </a:prstGeom>
@@ -24035,15 +23802,6 @@
 </file>
 
 <file path=customXml/item1.xml><?xml version="1.0" encoding="utf-8"?>
-<?mso-contentType ?>
-<FormTemplates xmlns="http://schemas.microsoft.com/sharepoint/v3/contenttype/forms">
-  <Display>DocumentLibraryForm</Display>
-  <Edit>DocumentLibraryForm</Edit>
-  <New>DocumentLibraryForm</New>
-</FormTemplates>
-</file>
-
-<file path=customXml/item2.xml><?xml version="1.0" encoding="utf-8"?>
 <ct:contentTypeSchema xmlns:ct="http://schemas.microsoft.com/office/2006/metadata/contentType" xmlns:ma="http://schemas.microsoft.com/office/2006/metadata/properties/metaAttributes" ct:_="" ma:_="" ma:contentTypeName="Dokumentum" ma:contentTypeID="0x0101001F5FE5928D7DBD4C8633B3911B21BD28" ma:contentTypeVersion="18" ma:contentTypeDescription="Új dokumentum létrehozása." ma:contentTypeScope="" ma:versionID="e72802d2fbb1bbfc57c889ef972fd0bd">
   <xsd:schema xmlns:xsd="http://www.w3.org/2001/XMLSchema" xmlns:xs="http://www.w3.org/2001/XMLSchema" xmlns:p="http://schemas.microsoft.com/office/2006/metadata/properties" xmlns:ns3="c8bdacd8-ce1e-45bb-96bd-5d4ededb4695" xmlns:ns4="b0322791-34a7-430f-939b-964baa9ff274" targetNamespace="http://schemas.microsoft.com/office/2006/metadata/properties" ma:root="true" ma:fieldsID="abe2969f6f898e689ac6e2c096062bb3" ns3:_="" ns4:_="">
     <xsd:import namespace="c8bdacd8-ce1e-45bb-96bd-5d4ededb4695"/>
@@ -24296,6 +24054,15 @@
 </ct:contentTypeSchema>
 </file>
 
+<file path=customXml/item2.xml><?xml version="1.0" encoding="utf-8"?>
+<?mso-contentType ?>
+<FormTemplates xmlns="http://schemas.microsoft.com/sharepoint/v3/contenttype/forms">
+  <Display>DocumentLibraryForm</Display>
+  <Edit>DocumentLibraryForm</Edit>
+  <New>DocumentLibraryForm</New>
+</FormTemplates>
+</file>
+
 <file path=customXml/item3.xml><?xml version="1.0" encoding="utf-8"?>
 <p:properties xmlns:p="http://schemas.microsoft.com/office/2006/metadata/properties" xmlns:xsi="http://www.w3.org/2001/XMLSchema-instance" xmlns:pc="http://schemas.microsoft.com/office/infopath/2007/PartnerControls">
   <documentManagement>
@@ -24305,14 +24072,6 @@
 </file>
 
 <file path=customXml/itemProps1.xml><?xml version="1.0" encoding="utf-8"?>
-<ds:datastoreItem xmlns:ds="http://schemas.openxmlformats.org/officeDocument/2006/customXml" ds:itemID="{BF764151-F079-41D5-A378-7868ECD69535}">
-  <ds:schemaRefs>
-    <ds:schemaRef ds:uri="http://schemas.microsoft.com/sharepoint/v3/contenttype/forms"/>
-  </ds:schemaRefs>
-</ds:datastoreItem>
-</file>
-
-<file path=customXml/itemProps2.xml><?xml version="1.0" encoding="utf-8"?>
 <ds:datastoreItem xmlns:ds="http://schemas.openxmlformats.org/officeDocument/2006/customXml" ds:itemID="{375657D3-58F5-4620-A1D5-1FEBF80A5134}">
   <ds:schemaRefs>
     <ds:schemaRef ds:uri="http://schemas.microsoft.com/office/2006/metadata/contentType"/>
@@ -24327,6 +24086,14 @@
     <ds:schemaRef ds:uri="http://purl.org/dc/elements/1.1/"/>
     <ds:schemaRef ds:uri="http://purl.org/dc/terms/"/>
     <ds:schemaRef ds:uri="http://schemas.microsoft.com/internal/obd"/>
+  </ds:schemaRefs>
+</ds:datastoreItem>
+</file>
+
+<file path=customXml/itemProps2.xml><?xml version="1.0" encoding="utf-8"?>
+<ds:datastoreItem xmlns:ds="http://schemas.openxmlformats.org/officeDocument/2006/customXml" ds:itemID="{BF764151-F079-41D5-A378-7868ECD69535}">
+  <ds:schemaRefs>
+    <ds:schemaRef ds:uri="http://schemas.microsoft.com/sharepoint/v3/contenttype/forms"/>
   </ds:schemaRefs>
 </ds:datastoreItem>
 </file>
